--- a/MetodosEnsamble.pptx
+++ b/MetodosEnsamble.pptx
@@ -5,18 +5,21 @@
     <p:sldMasterId id="2147483660" r:id="rId1"/>
   </p:sldMasterIdLst>
   <p:notesMasterIdLst>
-    <p:notesMasterId r:id="rId11"/>
+    <p:notesMasterId r:id="rId14"/>
   </p:notesMasterIdLst>
   <p:sldIdLst>
     <p:sldId id="258" r:id="rId2"/>
     <p:sldId id="256" r:id="rId3"/>
     <p:sldId id="259" r:id="rId4"/>
-    <p:sldId id="260" r:id="rId5"/>
-    <p:sldId id="261" r:id="rId6"/>
-    <p:sldId id="257" r:id="rId7"/>
-    <p:sldId id="263" r:id="rId8"/>
-    <p:sldId id="262" r:id="rId9"/>
-    <p:sldId id="264" r:id="rId10"/>
+    <p:sldId id="266" r:id="rId5"/>
+    <p:sldId id="267" r:id="rId6"/>
+    <p:sldId id="260" r:id="rId7"/>
+    <p:sldId id="261" r:id="rId8"/>
+    <p:sldId id="257" r:id="rId9"/>
+    <p:sldId id="263" r:id="rId10"/>
+    <p:sldId id="268" r:id="rId11"/>
+    <p:sldId id="269" r:id="rId12"/>
+    <p:sldId id="270" r:id="rId13"/>
   </p:sldIdLst>
   <p:sldSz cx="9144000" cy="6858000" type="screen4x3"/>
   <p:notesSz cx="6858000" cy="9144000"/>
@@ -205,7 +208,7 @@
           <a:p>
             <a:fld id="{A5D6C492-64FF-48EE-8111-2FDC0DCD2CB4}" type="datetimeFigureOut">
               <a:rPr lang="en-US" smtClean="0"/>
-              <a:t>10/15/2018</a:t>
+              <a:t>10/28/2018</a:t>
             </a:fld>
             <a:endParaRPr lang="en-US"/>
           </a:p>
@@ -604,7 +607,7 @@
           <a:p>
             <a:fld id="{09382926-025C-4492-A007-36A806BCA0F4}" type="datetimeFigureOut">
               <a:rPr lang="es-ES" smtClean="0"/>
-              <a:t>15/10/2018</a:t>
+              <a:t>28/10/2018</a:t>
             </a:fld>
             <a:endParaRPr lang="es-ES"/>
           </a:p>
@@ -774,7 +777,7 @@
           <a:p>
             <a:fld id="{09382926-025C-4492-A007-36A806BCA0F4}" type="datetimeFigureOut">
               <a:rPr lang="es-ES" smtClean="0"/>
-              <a:t>15/10/2018</a:t>
+              <a:t>28/10/2018</a:t>
             </a:fld>
             <a:endParaRPr lang="es-ES"/>
           </a:p>
@@ -954,7 +957,7 @@
           <a:p>
             <a:fld id="{09382926-025C-4492-A007-36A806BCA0F4}" type="datetimeFigureOut">
               <a:rPr lang="es-ES" smtClean="0"/>
-              <a:t>15/10/2018</a:t>
+              <a:t>28/10/2018</a:t>
             </a:fld>
             <a:endParaRPr lang="es-ES"/>
           </a:p>
@@ -1124,7 +1127,7 @@
           <a:p>
             <a:fld id="{09382926-025C-4492-A007-36A806BCA0F4}" type="datetimeFigureOut">
               <a:rPr lang="es-ES" smtClean="0"/>
-              <a:t>15/10/2018</a:t>
+              <a:t>28/10/2018</a:t>
             </a:fld>
             <a:endParaRPr lang="es-ES"/>
           </a:p>
@@ -1368,7 +1371,7 @@
           <a:p>
             <a:fld id="{09382926-025C-4492-A007-36A806BCA0F4}" type="datetimeFigureOut">
               <a:rPr lang="es-ES" smtClean="0"/>
-              <a:t>15/10/2018</a:t>
+              <a:t>28/10/2018</a:t>
             </a:fld>
             <a:endParaRPr lang="es-ES"/>
           </a:p>
@@ -1600,7 +1603,7 @@
           <a:p>
             <a:fld id="{09382926-025C-4492-A007-36A806BCA0F4}" type="datetimeFigureOut">
               <a:rPr lang="es-ES" smtClean="0"/>
-              <a:t>15/10/2018</a:t>
+              <a:t>28/10/2018</a:t>
             </a:fld>
             <a:endParaRPr lang="es-ES"/>
           </a:p>
@@ -1967,7 +1970,7 @@
           <a:p>
             <a:fld id="{09382926-025C-4492-A007-36A806BCA0F4}" type="datetimeFigureOut">
               <a:rPr lang="es-ES" smtClean="0"/>
-              <a:t>15/10/2018</a:t>
+              <a:t>28/10/2018</a:t>
             </a:fld>
             <a:endParaRPr lang="es-ES"/>
           </a:p>
@@ -2085,7 +2088,7 @@
           <a:p>
             <a:fld id="{09382926-025C-4492-A007-36A806BCA0F4}" type="datetimeFigureOut">
               <a:rPr lang="es-ES" smtClean="0"/>
-              <a:t>15/10/2018</a:t>
+              <a:t>28/10/2018</a:t>
             </a:fld>
             <a:endParaRPr lang="es-ES"/>
           </a:p>
@@ -2180,7 +2183,7 @@
           <a:p>
             <a:fld id="{09382926-025C-4492-A007-36A806BCA0F4}" type="datetimeFigureOut">
               <a:rPr lang="es-ES" smtClean="0"/>
-              <a:t>15/10/2018</a:t>
+              <a:t>28/10/2018</a:t>
             </a:fld>
             <a:endParaRPr lang="es-ES"/>
           </a:p>
@@ -2457,7 +2460,7 @@
           <a:p>
             <a:fld id="{09382926-025C-4492-A007-36A806BCA0F4}" type="datetimeFigureOut">
               <a:rPr lang="es-ES" smtClean="0"/>
-              <a:t>15/10/2018</a:t>
+              <a:t>28/10/2018</a:t>
             </a:fld>
             <a:endParaRPr lang="es-ES"/>
           </a:p>
@@ -2714,7 +2717,7 @@
           <a:p>
             <a:fld id="{09382926-025C-4492-A007-36A806BCA0F4}" type="datetimeFigureOut">
               <a:rPr lang="es-ES" smtClean="0"/>
-              <a:t>15/10/2018</a:t>
+              <a:t>28/10/2018</a:t>
             </a:fld>
             <a:endParaRPr lang="es-ES"/>
           </a:p>
@@ -2936,7 +2939,7 @@
           <a:p>
             <a:fld id="{09382926-025C-4492-A007-36A806BCA0F4}" type="datetimeFigureOut">
               <a:rPr lang="es-ES" smtClean="0"/>
-              <a:t>15/10/2018</a:t>
+              <a:t>28/10/2018</a:t>
             </a:fld>
             <a:endParaRPr lang="es-ES"/>
           </a:p>
@@ -3412,6 +3415,709 @@
 </p:sld>
 </file>
 
+<file path=ppt/slides/slide10.xml><?xml version="1.0" encoding="utf-8"?>
+<p:sld xmlns:a="http://schemas.openxmlformats.org/drawingml/2006/main" xmlns:r="http://schemas.openxmlformats.org/officeDocument/2006/relationships" xmlns:p="http://schemas.openxmlformats.org/presentationml/2006/main">
+  <p:cSld>
+    <p:spTree>
+      <p:nvGrpSpPr>
+        <p:cNvPr id="1" name=""/>
+        <p:cNvGrpSpPr/>
+        <p:nvPr/>
+      </p:nvGrpSpPr>
+      <p:grpSpPr>
+        <a:xfrm>
+          <a:off x="0" y="0"/>
+          <a:ext cx="0" cy="0"/>
+          <a:chOff x="0" y="0"/>
+          <a:chExt cx="0" cy="0"/>
+        </a:xfrm>
+      </p:grpSpPr>
+      <p:sp>
+        <p:nvSpPr>
+          <p:cNvPr id="2" name="Rectángulo 1"/>
+          <p:cNvSpPr/>
+          <p:nvPr/>
+        </p:nvSpPr>
+        <p:spPr>
+          <a:xfrm>
+            <a:off x="2618072" y="793742"/>
+            <a:ext cx="3938176" cy="615553"/>
+          </a:xfrm>
+          <a:prstGeom prst="rect">
+            <a:avLst/>
+          </a:prstGeom>
+        </p:spPr>
+        <p:txBody>
+          <a:bodyPr wrap="square">
+            <a:spAutoFit/>
+          </a:bodyPr>
+          <a:lstStyle/>
+          <a:p>
+            <a:pPr algn="ctr"/>
+            <a:r>
+              <a:rPr lang="es-ES" altLang="en-US" sz="3400" b="1" dirty="0" err="1" smtClean="0">
+                <a:solidFill>
+                  <a:srgbClr val="2F5496"/>
+                </a:solidFill>
+                <a:latin typeface="Helvetica Neue"/>
+                <a:ea typeface="Helvetica Neue"/>
+                <a:cs typeface="Helvetica Neue"/>
+              </a:rPr>
+              <a:t>Bagging</a:t>
+            </a:r>
+            <a:endParaRPr lang="en-US" sz="3400" b="1" dirty="0">
+              <a:solidFill>
+                <a:srgbClr val="2F5496"/>
+              </a:solidFill>
+              <a:latin typeface="Helvetica Neue"/>
+              <a:ea typeface="Helvetica Neue"/>
+              <a:cs typeface="Helvetica Neue"/>
+            </a:endParaRPr>
+          </a:p>
+        </p:txBody>
+      </p:sp>
+      <p:pic>
+        <p:nvPicPr>
+          <p:cNvPr id="4" name="Imagen 3"/>
+          <p:cNvPicPr>
+            <a:picLocks noChangeAspect="1"/>
+          </p:cNvPicPr>
+          <p:nvPr/>
+        </p:nvPicPr>
+        <p:blipFill>
+          <a:blip r:embed="rId2"/>
+          <a:stretch>
+            <a:fillRect/>
+          </a:stretch>
+        </p:blipFill>
+        <p:spPr>
+          <a:xfrm>
+            <a:off x="1912584" y="1782835"/>
+            <a:ext cx="5349153" cy="3679914"/>
+          </a:xfrm>
+          <a:prstGeom prst="rect">
+            <a:avLst/>
+          </a:prstGeom>
+        </p:spPr>
+      </p:pic>
+    </p:spTree>
+    <p:extLst>
+      <p:ext uri="{BB962C8B-B14F-4D97-AF65-F5344CB8AC3E}">
+        <p14:creationId xmlns:p14="http://schemas.microsoft.com/office/powerpoint/2010/main" val="176987899"/>
+      </p:ext>
+    </p:extLst>
+  </p:cSld>
+  <p:clrMapOvr>
+    <a:masterClrMapping/>
+  </p:clrMapOvr>
+</p:sld>
+</file>
+
+<file path=ppt/slides/slide11.xml><?xml version="1.0" encoding="utf-8"?>
+<p:sld xmlns:a="http://schemas.openxmlformats.org/drawingml/2006/main" xmlns:r="http://schemas.openxmlformats.org/officeDocument/2006/relationships" xmlns:p="http://schemas.openxmlformats.org/presentationml/2006/main">
+  <p:cSld>
+    <p:spTree>
+      <p:nvGrpSpPr>
+        <p:cNvPr id="1" name=""/>
+        <p:cNvGrpSpPr/>
+        <p:nvPr/>
+      </p:nvGrpSpPr>
+      <p:grpSpPr>
+        <a:xfrm>
+          <a:off x="0" y="0"/>
+          <a:ext cx="0" cy="0"/>
+          <a:chOff x="0" y="0"/>
+          <a:chExt cx="0" cy="0"/>
+        </a:xfrm>
+      </p:grpSpPr>
+      <p:sp>
+        <p:nvSpPr>
+          <p:cNvPr id="3" name="Shape 89"/>
+          <p:cNvSpPr txBox="1"/>
+          <p:nvPr/>
+        </p:nvSpPr>
+        <p:spPr>
+          <a:xfrm>
+            <a:off x="275968" y="226541"/>
+            <a:ext cx="6919783" cy="584775"/>
+          </a:xfrm>
+          <a:prstGeom prst="rect">
+            <a:avLst/>
+          </a:prstGeom>
+          <a:noFill/>
+          <a:ln>
+            <a:noFill/>
+          </a:ln>
+        </p:spPr>
+        <p:txBody>
+          <a:bodyPr spcFirstLastPara="1" wrap="square" lIns="91425" tIns="45700" rIns="91425" bIns="45700" anchor="t" anchorCtr="0">
+            <a:noAutofit/>
+          </a:bodyPr>
+          <a:lstStyle/>
+          <a:p>
+            <a:r>
+              <a:rPr lang="es-ES" altLang="en-US" sz="3200" b="1" dirty="0" err="1" smtClean="0">
+                <a:solidFill>
+                  <a:srgbClr val="2F5496"/>
+                </a:solidFill>
+                <a:latin typeface="Helvetica Neue"/>
+                <a:ea typeface="Helvetica Neue"/>
+                <a:cs typeface="Helvetica Neue"/>
+              </a:rPr>
+              <a:t>Bagging</a:t>
+            </a:r>
+            <a:endParaRPr lang="en-US" sz="3200" b="1" dirty="0">
+              <a:solidFill>
+                <a:srgbClr val="2F5496"/>
+              </a:solidFill>
+              <a:latin typeface="Helvetica Neue"/>
+              <a:ea typeface="Helvetica Neue"/>
+              <a:cs typeface="Helvetica Neue"/>
+            </a:endParaRPr>
+          </a:p>
+        </p:txBody>
+      </p:sp>
+      <p:sp>
+        <p:nvSpPr>
+          <p:cNvPr id="4" name="Rectangle 1"/>
+          <p:cNvSpPr>
+            <a:spLocks noChangeArrowheads="1"/>
+          </p:cNvSpPr>
+          <p:nvPr/>
+        </p:nvSpPr>
+        <p:spPr bwMode="auto">
+          <a:xfrm>
+            <a:off x="658367" y="1119191"/>
+            <a:ext cx="8266176" cy="1420325"/>
+          </a:xfrm>
+          <a:prstGeom prst="rect">
+            <a:avLst/>
+          </a:prstGeom>
+          <a:noFill/>
+          <a:ln>
+            <a:noFill/>
+          </a:ln>
+          <a:effectLst/>
+          <a:extLst>
+            <a:ext uri="{909E8E84-426E-40DD-AFC4-6F175D3DCCD1}">
+              <a14:hiddenFill xmlns:a14="http://schemas.microsoft.com/office/drawing/2010/main">
+                <a:solidFill>
+                  <a:schemeClr val="accent1"/>
+                </a:solidFill>
+              </a14:hiddenFill>
+            </a:ext>
+            <a:ext uri="{91240B29-F687-4F45-9708-019B960494DF}">
+              <a14:hiddenLine xmlns:a14="http://schemas.microsoft.com/office/drawing/2010/main" w="9525">
+                <a:solidFill>
+                  <a:schemeClr val="tx1"/>
+                </a:solidFill>
+                <a:miter lim="800000"/>
+                <a:headEnd/>
+                <a:tailEnd/>
+              </a14:hiddenLine>
+            </a:ext>
+            <a:ext uri="{AF507438-7753-43E0-B8FC-AC1667EBCBE1}">
+              <a14:hiddenEffects xmlns:a14="http://schemas.microsoft.com/office/drawing/2010/main">
+                <a:effectLst>
+                  <a:outerShdw dist="35921" dir="2700000" algn="ctr" rotWithShape="0">
+                    <a:schemeClr val="bg2"/>
+                  </a:outerShdw>
+                </a:effectLst>
+              </a14:hiddenEffects>
+            </a:ext>
+          </a:extLst>
+        </p:spPr>
+        <p:txBody>
+          <a:bodyPr vert="horz" wrap="square" lIns="91440" tIns="45720" rIns="91440" bIns="45720" numCol="1" anchor="ctr" anchorCtr="0" compatLnSpc="1">
+            <a:prstTxWarp prst="textNoShape">
+              <a:avLst/>
+            </a:prstTxWarp>
+            <a:spAutoFit/>
+          </a:bodyPr>
+          <a:lstStyle/>
+          <a:p>
+            <a:pPr>
+              <a:lnSpc>
+                <a:spcPct val="150000"/>
+              </a:lnSpc>
+            </a:pPr>
+            <a:r>
+              <a:rPr lang="en-US" sz="2000" dirty="0">
+                <a:latin typeface="Arial" panose="020B0604020202020204" pitchFamily="34" charset="0"/>
+                <a:cs typeface="Arial" panose="020B0604020202020204" pitchFamily="34" charset="0"/>
+              </a:rPr>
+              <a:t>Para la </a:t>
+            </a:r>
+            <a:r>
+              <a:rPr lang="en-US" sz="2000" dirty="0" err="1">
+                <a:latin typeface="Arial" panose="020B0604020202020204" pitchFamily="34" charset="0"/>
+                <a:cs typeface="Arial" panose="020B0604020202020204" pitchFamily="34" charset="0"/>
+              </a:rPr>
+              <a:t>metodologia</a:t>
+            </a:r>
+            <a:r>
+              <a:rPr lang="en-US" sz="2000" dirty="0">
+                <a:latin typeface="Arial" panose="020B0604020202020204" pitchFamily="34" charset="0"/>
+                <a:cs typeface="Arial" panose="020B0604020202020204" pitchFamily="34" charset="0"/>
+              </a:rPr>
+              <a:t> bagging se </a:t>
+            </a:r>
+            <a:r>
+              <a:rPr lang="en-US" sz="2000" dirty="0" err="1">
+                <a:latin typeface="Arial" panose="020B0604020202020204" pitchFamily="34" charset="0"/>
+                <a:cs typeface="Arial" panose="020B0604020202020204" pitchFamily="34" charset="0"/>
+              </a:rPr>
+              <a:t>generan</a:t>
+            </a:r>
+            <a:r>
+              <a:rPr lang="en-US" sz="2000" dirty="0">
+                <a:latin typeface="Arial" panose="020B0604020202020204" pitchFamily="34" charset="0"/>
+                <a:cs typeface="Arial" panose="020B0604020202020204" pitchFamily="34" charset="0"/>
+              </a:rPr>
+              <a:t> </a:t>
+            </a:r>
+            <a:r>
+              <a:rPr lang="en-US" sz="2000" dirty="0" err="1">
+                <a:latin typeface="Arial" panose="020B0604020202020204" pitchFamily="34" charset="0"/>
+                <a:cs typeface="Arial" panose="020B0604020202020204" pitchFamily="34" charset="0"/>
+              </a:rPr>
+              <a:t>muestras</a:t>
+            </a:r>
+            <a:r>
+              <a:rPr lang="en-US" sz="2000" dirty="0">
+                <a:latin typeface="Arial" panose="020B0604020202020204" pitchFamily="34" charset="0"/>
+                <a:cs typeface="Arial" panose="020B0604020202020204" pitchFamily="34" charset="0"/>
+              </a:rPr>
+              <a:t> con </a:t>
+            </a:r>
+            <a:r>
+              <a:rPr lang="en-US" sz="2000" dirty="0" err="1">
+                <a:latin typeface="Arial" panose="020B0604020202020204" pitchFamily="34" charset="0"/>
+                <a:cs typeface="Arial" panose="020B0604020202020204" pitchFamily="34" charset="0"/>
+              </a:rPr>
+              <a:t>reemplazo</a:t>
+            </a:r>
+            <a:r>
+              <a:rPr lang="en-US" sz="2000" dirty="0">
+                <a:latin typeface="Arial" panose="020B0604020202020204" pitchFamily="34" charset="0"/>
+                <a:cs typeface="Arial" panose="020B0604020202020204" pitchFamily="34" charset="0"/>
+              </a:rPr>
+              <a:t> del data set original de </a:t>
+            </a:r>
+            <a:r>
+              <a:rPr lang="en-US" sz="2000" dirty="0" err="1">
+                <a:latin typeface="Arial" panose="020B0604020202020204" pitchFamily="34" charset="0"/>
+                <a:cs typeface="Arial" panose="020B0604020202020204" pitchFamily="34" charset="0"/>
+              </a:rPr>
+              <a:t>entrenamiento</a:t>
+            </a:r>
+            <a:r>
+              <a:rPr lang="en-US" sz="2000" dirty="0">
+                <a:latin typeface="Arial" panose="020B0604020202020204" pitchFamily="34" charset="0"/>
+                <a:cs typeface="Arial" panose="020B0604020202020204" pitchFamily="34" charset="0"/>
+              </a:rPr>
+              <a:t>. Para </a:t>
+            </a:r>
+            <a:r>
+              <a:rPr lang="en-US" sz="2000" dirty="0" err="1">
+                <a:latin typeface="Arial" panose="020B0604020202020204" pitchFamily="34" charset="0"/>
+                <a:cs typeface="Arial" panose="020B0604020202020204" pitchFamily="34" charset="0"/>
+              </a:rPr>
+              <a:t>luego</a:t>
+            </a:r>
+            <a:r>
+              <a:rPr lang="en-US" sz="2000" dirty="0">
+                <a:latin typeface="Arial" panose="020B0604020202020204" pitchFamily="34" charset="0"/>
+                <a:cs typeface="Arial" panose="020B0604020202020204" pitchFamily="34" charset="0"/>
+              </a:rPr>
+              <a:t> </a:t>
+            </a:r>
+            <a:r>
+              <a:rPr lang="en-US" sz="2000" dirty="0" err="1">
+                <a:latin typeface="Arial" panose="020B0604020202020204" pitchFamily="34" charset="0"/>
+                <a:cs typeface="Arial" panose="020B0604020202020204" pitchFamily="34" charset="0"/>
+              </a:rPr>
+              <a:t>dar</a:t>
+            </a:r>
+            <a:r>
+              <a:rPr lang="en-US" sz="2000" dirty="0">
+                <a:latin typeface="Arial" panose="020B0604020202020204" pitchFamily="34" charset="0"/>
+                <a:cs typeface="Arial" panose="020B0604020202020204" pitchFamily="34" charset="0"/>
+              </a:rPr>
+              <a:t> </a:t>
+            </a:r>
+            <a:r>
+              <a:rPr lang="en-US" sz="2000" dirty="0" err="1">
+                <a:latin typeface="Arial" panose="020B0604020202020204" pitchFamily="34" charset="0"/>
+                <a:cs typeface="Arial" panose="020B0604020202020204" pitchFamily="34" charset="0"/>
+              </a:rPr>
+              <a:t>como</a:t>
+            </a:r>
+            <a:r>
+              <a:rPr lang="en-US" sz="2000" dirty="0">
+                <a:latin typeface="Arial" panose="020B0604020202020204" pitchFamily="34" charset="0"/>
+                <a:cs typeface="Arial" panose="020B0604020202020204" pitchFamily="34" charset="0"/>
+              </a:rPr>
+              <a:t> </a:t>
+            </a:r>
+            <a:r>
+              <a:rPr lang="en-US" sz="2000" dirty="0" err="1">
+                <a:latin typeface="Arial" panose="020B0604020202020204" pitchFamily="34" charset="0"/>
+                <a:cs typeface="Arial" panose="020B0604020202020204" pitchFamily="34" charset="0"/>
+              </a:rPr>
+              <a:t>insumo</a:t>
+            </a:r>
+            <a:r>
+              <a:rPr lang="en-US" sz="2000" dirty="0">
+                <a:latin typeface="Arial" panose="020B0604020202020204" pitchFamily="34" charset="0"/>
+                <a:cs typeface="Arial" panose="020B0604020202020204" pitchFamily="34" charset="0"/>
+              </a:rPr>
+              <a:t> </a:t>
+            </a:r>
+            <a:r>
+              <a:rPr lang="en-US" sz="2000" dirty="0" err="1">
+                <a:latin typeface="Arial" panose="020B0604020202020204" pitchFamily="34" charset="0"/>
+                <a:cs typeface="Arial" panose="020B0604020202020204" pitchFamily="34" charset="0"/>
+              </a:rPr>
+              <a:t>esta</a:t>
+            </a:r>
+            <a:r>
+              <a:rPr lang="en-US" sz="2000" dirty="0">
+                <a:latin typeface="Arial" panose="020B0604020202020204" pitchFamily="34" charset="0"/>
+                <a:cs typeface="Arial" panose="020B0604020202020204" pitchFamily="34" charset="0"/>
+              </a:rPr>
+              <a:t> </a:t>
+            </a:r>
+            <a:r>
+              <a:rPr lang="en-US" sz="2000" dirty="0" err="1">
+                <a:latin typeface="Arial" panose="020B0604020202020204" pitchFamily="34" charset="0"/>
+                <a:cs typeface="Arial" panose="020B0604020202020204" pitchFamily="34" charset="0"/>
+              </a:rPr>
+              <a:t>informacion</a:t>
+            </a:r>
+            <a:r>
+              <a:rPr lang="en-US" sz="2000" dirty="0">
+                <a:latin typeface="Arial" panose="020B0604020202020204" pitchFamily="34" charset="0"/>
+                <a:cs typeface="Arial" panose="020B0604020202020204" pitchFamily="34" charset="0"/>
+              </a:rPr>
+              <a:t> </a:t>
+            </a:r>
+            <a:r>
+              <a:rPr lang="en-US" sz="2000" dirty="0" err="1">
+                <a:latin typeface="Arial" panose="020B0604020202020204" pitchFamily="34" charset="0"/>
+                <a:cs typeface="Arial" panose="020B0604020202020204" pitchFamily="34" charset="0"/>
+              </a:rPr>
+              <a:t>generada</a:t>
+            </a:r>
+            <a:r>
+              <a:rPr lang="en-US" sz="2000" dirty="0">
+                <a:latin typeface="Arial" panose="020B0604020202020204" pitchFamily="34" charset="0"/>
+                <a:cs typeface="Arial" panose="020B0604020202020204" pitchFamily="34" charset="0"/>
+              </a:rPr>
+              <a:t> a </a:t>
+            </a:r>
+            <a:r>
+              <a:rPr lang="en-US" sz="2000" dirty="0" err="1">
+                <a:latin typeface="Arial" panose="020B0604020202020204" pitchFamily="34" charset="0"/>
+                <a:cs typeface="Arial" panose="020B0604020202020204" pitchFamily="34" charset="0"/>
+              </a:rPr>
+              <a:t>cada</a:t>
+            </a:r>
+            <a:r>
+              <a:rPr lang="en-US" sz="2000" dirty="0">
+                <a:latin typeface="Arial" panose="020B0604020202020204" pitchFamily="34" charset="0"/>
+                <a:cs typeface="Arial" panose="020B0604020202020204" pitchFamily="34" charset="0"/>
+              </a:rPr>
+              <a:t> </a:t>
+            </a:r>
+            <a:r>
+              <a:rPr lang="en-US" sz="2000" dirty="0" err="1">
+                <a:latin typeface="Arial" panose="020B0604020202020204" pitchFamily="34" charset="0"/>
+                <a:cs typeface="Arial" panose="020B0604020202020204" pitchFamily="34" charset="0"/>
+              </a:rPr>
+              <a:t>clasificador</a:t>
+            </a:r>
+            <a:r>
+              <a:rPr lang="en-US" sz="2000" dirty="0">
+                <a:latin typeface="Arial" panose="020B0604020202020204" pitchFamily="34" charset="0"/>
+                <a:cs typeface="Arial" panose="020B0604020202020204" pitchFamily="34" charset="0"/>
+              </a:rPr>
+              <a:t> a </a:t>
+            </a:r>
+            <a:r>
+              <a:rPr lang="en-US" sz="2000" dirty="0" err="1">
+                <a:latin typeface="Arial" panose="020B0604020202020204" pitchFamily="34" charset="0"/>
+                <a:cs typeface="Arial" panose="020B0604020202020204" pitchFamily="34" charset="0"/>
+              </a:rPr>
+              <a:t>entrenar</a:t>
+            </a:r>
+            <a:r>
+              <a:rPr lang="en-US" sz="2000" dirty="0">
+                <a:latin typeface="Arial" panose="020B0604020202020204" pitchFamily="34" charset="0"/>
+                <a:cs typeface="Arial" panose="020B0604020202020204" pitchFamily="34" charset="0"/>
+              </a:rPr>
+              <a:t>.</a:t>
+            </a:r>
+          </a:p>
+        </p:txBody>
+      </p:sp>
+      <p:pic>
+        <p:nvPicPr>
+          <p:cNvPr id="5" name="Imagen 4"/>
+          <p:cNvPicPr>
+            <a:picLocks noChangeAspect="1"/>
+          </p:cNvPicPr>
+          <p:nvPr/>
+        </p:nvPicPr>
+        <p:blipFill>
+          <a:blip r:embed="rId2"/>
+          <a:stretch>
+            <a:fillRect/>
+          </a:stretch>
+        </p:blipFill>
+        <p:spPr>
+          <a:xfrm>
+            <a:off x="2998469" y="2719375"/>
+            <a:ext cx="3585972" cy="3119241"/>
+          </a:xfrm>
+          <a:prstGeom prst="rect">
+            <a:avLst/>
+          </a:prstGeom>
+        </p:spPr>
+      </p:pic>
+    </p:spTree>
+    <p:extLst>
+      <p:ext uri="{BB962C8B-B14F-4D97-AF65-F5344CB8AC3E}">
+        <p14:creationId xmlns:p14="http://schemas.microsoft.com/office/powerpoint/2010/main" val="2274338945"/>
+      </p:ext>
+    </p:extLst>
+  </p:cSld>
+  <p:clrMapOvr>
+    <a:masterClrMapping/>
+  </p:clrMapOvr>
+</p:sld>
+</file>
+
+<file path=ppt/slides/slide12.xml><?xml version="1.0" encoding="utf-8"?>
+<p:sld xmlns:a="http://schemas.openxmlformats.org/drawingml/2006/main" xmlns:r="http://schemas.openxmlformats.org/officeDocument/2006/relationships" xmlns:p="http://schemas.openxmlformats.org/presentationml/2006/main">
+  <p:cSld>
+    <p:spTree>
+      <p:nvGrpSpPr>
+        <p:cNvPr id="1" name=""/>
+        <p:cNvGrpSpPr/>
+        <p:nvPr/>
+      </p:nvGrpSpPr>
+      <p:grpSpPr>
+        <a:xfrm>
+          <a:off x="0" y="0"/>
+          <a:ext cx="0" cy="0"/>
+          <a:chOff x="0" y="0"/>
+          <a:chExt cx="0" cy="0"/>
+        </a:xfrm>
+      </p:grpSpPr>
+      <p:sp>
+        <p:nvSpPr>
+          <p:cNvPr id="3" name="Shape 89"/>
+          <p:cNvSpPr txBox="1"/>
+          <p:nvPr/>
+        </p:nvSpPr>
+        <p:spPr>
+          <a:xfrm>
+            <a:off x="275968" y="226541"/>
+            <a:ext cx="6919783" cy="584775"/>
+          </a:xfrm>
+          <a:prstGeom prst="rect">
+            <a:avLst/>
+          </a:prstGeom>
+          <a:noFill/>
+          <a:ln>
+            <a:noFill/>
+          </a:ln>
+        </p:spPr>
+        <p:txBody>
+          <a:bodyPr spcFirstLastPara="1" wrap="square" lIns="91425" tIns="45700" rIns="91425" bIns="45700" anchor="t" anchorCtr="0">
+            <a:noAutofit/>
+          </a:bodyPr>
+          <a:lstStyle/>
+          <a:p>
+            <a:r>
+              <a:rPr lang="es-ES" altLang="en-US" sz="3200" b="1" dirty="0" err="1" smtClean="0">
+                <a:solidFill>
+                  <a:srgbClr val="2F5496"/>
+                </a:solidFill>
+                <a:latin typeface="Helvetica Neue"/>
+                <a:ea typeface="Helvetica Neue"/>
+                <a:cs typeface="Helvetica Neue"/>
+              </a:rPr>
+              <a:t>Bagging</a:t>
+            </a:r>
+            <a:endParaRPr lang="en-US" sz="3200" b="1" dirty="0">
+              <a:solidFill>
+                <a:srgbClr val="2F5496"/>
+              </a:solidFill>
+              <a:latin typeface="Helvetica Neue"/>
+              <a:ea typeface="Helvetica Neue"/>
+              <a:cs typeface="Helvetica Neue"/>
+            </a:endParaRPr>
+          </a:p>
+        </p:txBody>
+      </p:sp>
+      <p:sp>
+        <p:nvSpPr>
+          <p:cNvPr id="5" name="Rectangle 1"/>
+          <p:cNvSpPr>
+            <a:spLocks noChangeArrowheads="1"/>
+          </p:cNvSpPr>
+          <p:nvPr/>
+        </p:nvSpPr>
+        <p:spPr bwMode="auto">
+          <a:xfrm>
+            <a:off x="559432" y="1178931"/>
+            <a:ext cx="8266176" cy="967957"/>
+          </a:xfrm>
+          <a:prstGeom prst="rect">
+            <a:avLst/>
+          </a:prstGeom>
+          <a:noFill/>
+          <a:ln>
+            <a:noFill/>
+          </a:ln>
+          <a:effectLst/>
+          <a:extLst>
+            <a:ext uri="{909E8E84-426E-40DD-AFC4-6F175D3DCCD1}">
+              <a14:hiddenFill xmlns:a14="http://schemas.microsoft.com/office/drawing/2010/main">
+                <a:solidFill>
+                  <a:schemeClr val="accent1"/>
+                </a:solidFill>
+              </a14:hiddenFill>
+            </a:ext>
+            <a:ext uri="{91240B29-F687-4F45-9708-019B960494DF}">
+              <a14:hiddenLine xmlns:a14="http://schemas.microsoft.com/office/drawing/2010/main" w="9525">
+                <a:solidFill>
+                  <a:schemeClr val="tx1"/>
+                </a:solidFill>
+                <a:miter lim="800000"/>
+                <a:headEnd/>
+                <a:tailEnd/>
+              </a14:hiddenLine>
+            </a:ext>
+            <a:ext uri="{AF507438-7753-43E0-B8FC-AC1667EBCBE1}">
+              <a14:hiddenEffects xmlns:a14="http://schemas.microsoft.com/office/drawing/2010/main">
+                <a:effectLst>
+                  <a:outerShdw dist="35921" dir="2700000" algn="ctr" rotWithShape="0">
+                    <a:schemeClr val="bg2"/>
+                  </a:outerShdw>
+                </a:effectLst>
+              </a14:hiddenEffects>
+            </a:ext>
+          </a:extLst>
+        </p:spPr>
+        <p:txBody>
+          <a:bodyPr vert="horz" wrap="square" lIns="91440" tIns="45720" rIns="91440" bIns="45720" numCol="1" anchor="ctr" anchorCtr="0" compatLnSpc="1">
+            <a:prstTxWarp prst="textNoShape">
+              <a:avLst/>
+            </a:prstTxWarp>
+            <a:spAutoFit/>
+          </a:bodyPr>
+          <a:lstStyle/>
+          <a:p>
+            <a:pPr>
+              <a:lnSpc>
+                <a:spcPct val="150000"/>
+              </a:lnSpc>
+            </a:pPr>
+            <a:r>
+              <a:rPr lang="en-US" sz="2000" dirty="0" smtClean="0"/>
+              <a:t>El </a:t>
+            </a:r>
+            <a:r>
+              <a:rPr lang="en-US" sz="2000" dirty="0" err="1" smtClean="0"/>
+              <a:t>clasificador</a:t>
+            </a:r>
+            <a:r>
+              <a:rPr lang="en-US" sz="2000" dirty="0" smtClean="0"/>
+              <a:t> Random forest </a:t>
+            </a:r>
+            <a:r>
+              <a:rPr lang="en-US" sz="2000" dirty="0" err="1" smtClean="0"/>
+              <a:t>es</a:t>
+            </a:r>
+            <a:r>
+              <a:rPr lang="en-US" sz="2000" dirty="0" smtClean="0"/>
+              <a:t> un </a:t>
+            </a:r>
+            <a:r>
+              <a:rPr lang="en-US" sz="2000" dirty="0" err="1" smtClean="0"/>
+              <a:t>metodo</a:t>
+            </a:r>
+            <a:r>
+              <a:rPr lang="en-US" sz="2000" dirty="0" smtClean="0"/>
+              <a:t> de </a:t>
+            </a:r>
+            <a:r>
+              <a:rPr lang="en-US" sz="2000" dirty="0" err="1" smtClean="0"/>
+              <a:t>ensamble</a:t>
+            </a:r>
+            <a:r>
+              <a:rPr lang="en-US" sz="2000" dirty="0" smtClean="0"/>
+              <a:t> </a:t>
+            </a:r>
+            <a:r>
+              <a:rPr lang="en-US" sz="2000" dirty="0" err="1" smtClean="0"/>
+              <a:t>tipo</a:t>
+            </a:r>
+            <a:r>
+              <a:rPr lang="en-US" sz="2000" dirty="0" smtClean="0"/>
+              <a:t> bagging (</a:t>
+            </a:r>
+            <a:r>
+              <a:rPr lang="en-US" sz="2000" dirty="0" err="1" smtClean="0"/>
+              <a:t>Breiman</a:t>
+            </a:r>
+            <a:r>
+              <a:rPr lang="en-US" sz="2000" dirty="0" smtClean="0"/>
+              <a:t> 1994)</a:t>
+            </a:r>
+          </a:p>
+        </p:txBody>
+      </p:sp>
+      <p:pic>
+        <p:nvPicPr>
+          <p:cNvPr id="6" name="Imagen 5"/>
+          <p:cNvPicPr>
+            <a:picLocks noChangeAspect="1"/>
+          </p:cNvPicPr>
+          <p:nvPr/>
+        </p:nvPicPr>
+        <p:blipFill>
+          <a:blip r:embed="rId2"/>
+          <a:stretch>
+            <a:fillRect/>
+          </a:stretch>
+        </p:blipFill>
+        <p:spPr>
+          <a:xfrm>
+            <a:off x="2019043" y="2404775"/>
+            <a:ext cx="5346954" cy="3515127"/>
+          </a:xfrm>
+          <a:prstGeom prst="rect">
+            <a:avLst/>
+          </a:prstGeom>
+        </p:spPr>
+      </p:pic>
+    </p:spTree>
+    <p:extLst>
+      <p:ext uri="{BB962C8B-B14F-4D97-AF65-F5344CB8AC3E}">
+        <p14:creationId xmlns:p14="http://schemas.microsoft.com/office/powerpoint/2010/main" val="408789631"/>
+      </p:ext>
+    </p:extLst>
+  </p:cSld>
+  <p:clrMapOvr>
+    <a:masterClrMapping/>
+  </p:clrMapOvr>
+</p:sld>
+</file>
+
 <file path=ppt/slides/slide2.xml><?xml version="1.0" encoding="utf-8"?>
 <p:sld xmlns:a="http://schemas.openxmlformats.org/drawingml/2006/main" xmlns:r="http://schemas.openxmlformats.org/officeDocument/2006/relationships" xmlns:p="http://schemas.openxmlformats.org/presentationml/2006/main">
   <p:cSld>
@@ -3743,6 +4449,325 @@
       </p:grpSpPr>
       <p:sp>
         <p:nvSpPr>
+          <p:cNvPr id="2" name="Rectángulo 1"/>
+          <p:cNvSpPr/>
+          <p:nvPr/>
+        </p:nvSpPr>
+        <p:spPr>
+          <a:xfrm>
+            <a:off x="1237329" y="1378958"/>
+            <a:ext cx="2133918" cy="369332"/>
+          </a:xfrm>
+          <a:prstGeom prst="rect">
+            <a:avLst/>
+          </a:prstGeom>
+        </p:spPr>
+        <p:txBody>
+          <a:bodyPr wrap="none">
+            <a:spAutoFit/>
+          </a:bodyPr>
+          <a:lstStyle/>
+          <a:p>
+            <a:r>
+              <a:rPr lang="es-ES" altLang="en-US" b="1" dirty="0">
+                <a:solidFill>
+                  <a:srgbClr val="2F5496"/>
+                </a:solidFill>
+                <a:latin typeface="Helvetica Neue"/>
+                <a:ea typeface="Helvetica Neue"/>
+                <a:cs typeface="Helvetica Neue"/>
+              </a:rPr>
+              <a:t>Mayoría de votos </a:t>
+            </a:r>
+            <a:endParaRPr lang="en-US" b="1" dirty="0">
+              <a:solidFill>
+                <a:srgbClr val="2F5496"/>
+              </a:solidFill>
+              <a:latin typeface="Helvetica Neue"/>
+              <a:ea typeface="Helvetica Neue"/>
+              <a:cs typeface="Helvetica Neue"/>
+            </a:endParaRPr>
+          </a:p>
+        </p:txBody>
+      </p:sp>
+      <p:sp>
+        <p:nvSpPr>
+          <p:cNvPr id="3" name="Shape 89"/>
+          <p:cNvSpPr txBox="1"/>
+          <p:nvPr/>
+        </p:nvSpPr>
+        <p:spPr>
+          <a:xfrm>
+            <a:off x="275968" y="226541"/>
+            <a:ext cx="6919783" cy="584775"/>
+          </a:xfrm>
+          <a:prstGeom prst="rect">
+            <a:avLst/>
+          </a:prstGeom>
+          <a:noFill/>
+          <a:ln>
+            <a:noFill/>
+          </a:ln>
+        </p:spPr>
+        <p:txBody>
+          <a:bodyPr spcFirstLastPara="1" wrap="square" lIns="91425" tIns="45700" rIns="91425" bIns="45700" anchor="t" anchorCtr="0">
+            <a:noAutofit/>
+          </a:bodyPr>
+          <a:lstStyle/>
+          <a:p>
+            <a:pPr marL="0" marR="0" lvl="0" indent="0" algn="l" rtl="0">
+              <a:spcBef>
+                <a:spcPts val="0"/>
+              </a:spcBef>
+              <a:spcAft>
+                <a:spcPts val="0"/>
+              </a:spcAft>
+              <a:buNone/>
+            </a:pPr>
+            <a:r>
+              <a:rPr lang="es-ES" sz="3200" b="1" dirty="0" smtClean="0">
+                <a:solidFill>
+                  <a:srgbClr val="2F5496"/>
+                </a:solidFill>
+                <a:latin typeface="Helvetica Neue"/>
+                <a:ea typeface="Helvetica Neue"/>
+                <a:cs typeface="Helvetica Neue"/>
+                <a:sym typeface="Helvetica Neue"/>
+              </a:rPr>
+              <a:t>Tipos de ensamble</a:t>
+            </a:r>
+            <a:endParaRPr sz="3200" b="1" dirty="0">
+              <a:solidFill>
+                <a:srgbClr val="2F5496"/>
+              </a:solidFill>
+              <a:latin typeface="Helvetica Neue"/>
+              <a:ea typeface="Helvetica Neue"/>
+              <a:cs typeface="Helvetica Neue"/>
+              <a:sym typeface="Helvetica Neue"/>
+            </a:endParaRPr>
+          </a:p>
+        </p:txBody>
+      </p:sp>
+      <p:pic>
+        <p:nvPicPr>
+          <p:cNvPr id="5" name="Imagen 4"/>
+          <p:cNvPicPr>
+            <a:picLocks noChangeAspect="1"/>
+          </p:cNvPicPr>
+          <p:nvPr/>
+        </p:nvPicPr>
+        <p:blipFill>
+          <a:blip r:embed="rId2"/>
+          <a:stretch>
+            <a:fillRect/>
+          </a:stretch>
+        </p:blipFill>
+        <p:spPr>
+          <a:xfrm>
+            <a:off x="4843605" y="2980699"/>
+            <a:ext cx="3834051" cy="2637610"/>
+          </a:xfrm>
+          <a:prstGeom prst="rect">
+            <a:avLst/>
+          </a:prstGeom>
+        </p:spPr>
+      </p:pic>
+      <p:sp>
+        <p:nvSpPr>
+          <p:cNvPr id="6" name="Rectángulo 5"/>
+          <p:cNvSpPr/>
+          <p:nvPr/>
+        </p:nvSpPr>
+        <p:spPr>
+          <a:xfrm>
+            <a:off x="6206632" y="2474207"/>
+            <a:ext cx="1107996" cy="369332"/>
+          </a:xfrm>
+          <a:prstGeom prst="rect">
+            <a:avLst/>
+          </a:prstGeom>
+        </p:spPr>
+        <p:txBody>
+          <a:bodyPr wrap="none">
+            <a:spAutoFit/>
+          </a:bodyPr>
+          <a:lstStyle/>
+          <a:p>
+            <a:r>
+              <a:rPr lang="es-ES" altLang="en-US" b="1" dirty="0" err="1" smtClean="0">
+                <a:solidFill>
+                  <a:srgbClr val="2F5496"/>
+                </a:solidFill>
+                <a:latin typeface="Helvetica Neue"/>
+                <a:ea typeface="Helvetica Neue"/>
+                <a:cs typeface="Helvetica Neue"/>
+              </a:rPr>
+              <a:t>Bagging</a:t>
+            </a:r>
+            <a:endParaRPr lang="en-US" b="1" dirty="0">
+              <a:solidFill>
+                <a:srgbClr val="2F5496"/>
+              </a:solidFill>
+              <a:latin typeface="Helvetica Neue"/>
+              <a:ea typeface="Helvetica Neue"/>
+              <a:cs typeface="Helvetica Neue"/>
+            </a:endParaRPr>
+          </a:p>
+        </p:txBody>
+      </p:sp>
+      <p:pic>
+        <p:nvPicPr>
+          <p:cNvPr id="7" name="Imagen 6"/>
+          <p:cNvPicPr>
+            <a:picLocks noChangeAspect="1"/>
+          </p:cNvPicPr>
+          <p:nvPr/>
+        </p:nvPicPr>
+        <p:blipFill>
+          <a:blip r:embed="rId3"/>
+          <a:stretch>
+            <a:fillRect/>
+          </a:stretch>
+        </p:blipFill>
+        <p:spPr>
+          <a:xfrm>
+            <a:off x="760188" y="1748290"/>
+            <a:ext cx="3207173" cy="2787134"/>
+          </a:xfrm>
+          <a:prstGeom prst="rect">
+            <a:avLst/>
+          </a:prstGeom>
+        </p:spPr>
+      </p:pic>
+    </p:spTree>
+    <p:extLst>
+      <p:ext uri="{BB962C8B-B14F-4D97-AF65-F5344CB8AC3E}">
+        <p14:creationId xmlns:p14="http://schemas.microsoft.com/office/powerpoint/2010/main" val="1754777978"/>
+      </p:ext>
+    </p:extLst>
+  </p:cSld>
+  <p:clrMapOvr>
+    <a:masterClrMapping/>
+  </p:clrMapOvr>
+</p:sld>
+</file>
+
+<file path=ppt/slides/slide5.xml><?xml version="1.0" encoding="utf-8"?>
+<p:sld xmlns:a="http://schemas.openxmlformats.org/drawingml/2006/main" xmlns:r="http://schemas.openxmlformats.org/officeDocument/2006/relationships" xmlns:p="http://schemas.openxmlformats.org/presentationml/2006/main">
+  <p:cSld>
+    <p:spTree>
+      <p:nvGrpSpPr>
+        <p:cNvPr id="1" name=""/>
+        <p:cNvGrpSpPr/>
+        <p:nvPr/>
+      </p:nvGrpSpPr>
+      <p:grpSpPr>
+        <a:xfrm>
+          <a:off x="0" y="0"/>
+          <a:ext cx="0" cy="0"/>
+          <a:chOff x="0" y="0"/>
+          <a:chExt cx="0" cy="0"/>
+        </a:xfrm>
+      </p:grpSpPr>
+      <p:sp>
+        <p:nvSpPr>
+          <p:cNvPr id="2" name="Rectángulo 1"/>
+          <p:cNvSpPr/>
+          <p:nvPr/>
+        </p:nvSpPr>
+        <p:spPr>
+          <a:xfrm>
+            <a:off x="2608929" y="885182"/>
+            <a:ext cx="3938176" cy="615553"/>
+          </a:xfrm>
+          <a:prstGeom prst="rect">
+            <a:avLst/>
+          </a:prstGeom>
+        </p:spPr>
+        <p:txBody>
+          <a:bodyPr wrap="square">
+            <a:spAutoFit/>
+          </a:bodyPr>
+          <a:lstStyle/>
+          <a:p>
+            <a:r>
+              <a:rPr lang="es-ES" altLang="en-US" sz="3400" b="1" dirty="0">
+                <a:solidFill>
+                  <a:srgbClr val="2F5496"/>
+                </a:solidFill>
+                <a:latin typeface="Helvetica Neue"/>
+                <a:ea typeface="Helvetica Neue"/>
+                <a:cs typeface="Helvetica Neue"/>
+              </a:rPr>
+              <a:t>Mayoría de votos </a:t>
+            </a:r>
+            <a:endParaRPr lang="en-US" sz="3400" b="1" dirty="0">
+              <a:solidFill>
+                <a:srgbClr val="2F5496"/>
+              </a:solidFill>
+              <a:latin typeface="Helvetica Neue"/>
+              <a:ea typeface="Helvetica Neue"/>
+              <a:cs typeface="Helvetica Neue"/>
+            </a:endParaRPr>
+          </a:p>
+        </p:txBody>
+      </p:sp>
+      <p:pic>
+        <p:nvPicPr>
+          <p:cNvPr id="3" name="Imagen 2"/>
+          <p:cNvPicPr>
+            <a:picLocks noChangeAspect="1"/>
+          </p:cNvPicPr>
+          <p:nvPr/>
+        </p:nvPicPr>
+        <p:blipFill>
+          <a:blip r:embed="rId2"/>
+          <a:stretch>
+            <a:fillRect/>
+          </a:stretch>
+        </p:blipFill>
+        <p:spPr>
+          <a:xfrm>
+            <a:off x="2263549" y="1664208"/>
+            <a:ext cx="4628935" cy="4022690"/>
+          </a:xfrm>
+          <a:prstGeom prst="rect">
+            <a:avLst/>
+          </a:prstGeom>
+        </p:spPr>
+      </p:pic>
+    </p:spTree>
+    <p:extLst>
+      <p:ext uri="{BB962C8B-B14F-4D97-AF65-F5344CB8AC3E}">
+        <p14:creationId xmlns:p14="http://schemas.microsoft.com/office/powerpoint/2010/main" val="276392113"/>
+      </p:ext>
+    </p:extLst>
+  </p:cSld>
+  <p:clrMapOvr>
+    <a:masterClrMapping/>
+  </p:clrMapOvr>
+</p:sld>
+</file>
+
+<file path=ppt/slides/slide6.xml><?xml version="1.0" encoding="utf-8"?>
+<p:sld xmlns:a="http://schemas.openxmlformats.org/drawingml/2006/main" xmlns:r="http://schemas.openxmlformats.org/officeDocument/2006/relationships" xmlns:p="http://schemas.openxmlformats.org/presentationml/2006/main">
+  <p:cSld>
+    <p:spTree>
+      <p:nvGrpSpPr>
+        <p:cNvPr id="1" name=""/>
+        <p:cNvGrpSpPr/>
+        <p:nvPr/>
+      </p:nvGrpSpPr>
+      <p:grpSpPr>
+        <a:xfrm>
+          <a:off x="0" y="0"/>
+          <a:ext cx="0" cy="0"/>
+          <a:chOff x="0" y="0"/>
+          <a:chExt cx="0" cy="0"/>
+        </a:xfrm>
+      </p:grpSpPr>
+      <p:sp>
+        <p:nvSpPr>
           <p:cNvPr id="2" name="Rectangle 1"/>
           <p:cNvSpPr>
             <a:spLocks noChangeArrowheads="1"/>
@@ -3933,7 +4958,7 @@
 </p:sld>
 </file>
 
-<file path=ppt/slides/slide5.xml><?xml version="1.0" encoding="utf-8"?>
+<file path=ppt/slides/slide7.xml><?xml version="1.0" encoding="utf-8"?>
 <p:sld xmlns:a="http://schemas.openxmlformats.org/drawingml/2006/main" xmlns:r="http://schemas.openxmlformats.org/officeDocument/2006/relationships" xmlns:p="http://schemas.openxmlformats.org/presentationml/2006/main">
   <p:cSld>
     <p:spTree>
@@ -4331,7 +5356,7 @@
 </p:sld>
 </file>
 
-<file path=ppt/slides/slide6.xml><?xml version="1.0" encoding="utf-8"?>
+<file path=ppt/slides/slide8.xml><?xml version="1.0" encoding="utf-8"?>
 <p:sld xmlns:a="http://schemas.openxmlformats.org/drawingml/2006/main" xmlns:r="http://schemas.openxmlformats.org/officeDocument/2006/relationships" xmlns:p="http://schemas.openxmlformats.org/presentationml/2006/main">
   <p:cSld>
     <p:spTree>
@@ -4433,7 +5458,7 @@
         </p:blipFill>
         <p:spPr>
           <a:xfrm>
-            <a:off x="2178224" y="811316"/>
+            <a:off x="2109993" y="965204"/>
             <a:ext cx="4469464" cy="3884105"/>
           </a:xfrm>
           <a:prstGeom prst="rect">
@@ -4441,8 +5466,8 @@
           </a:prstGeom>
         </p:spPr>
       </p:pic>
-      <mc:AlternateContent xmlns:mc="http://schemas.openxmlformats.org/markup-compatibility/2006" xmlns:a14="http://schemas.microsoft.com/office/drawing/2010/main">
-        <mc:Choice Requires="a14">
+      <mc:AlternateContent xmlns:mc="http://schemas.openxmlformats.org/markup-compatibility/2006">
+        <mc:Choice xmlns:a14="http://schemas.microsoft.com/office/drawing/2010/main" Requires="a14">
           <p:sp>
             <p:nvSpPr>
               <p:cNvPr id="5" name="CuadroTexto 4"/>
@@ -4451,7 +5476,7 @@
             </p:nvSpPr>
             <p:spPr>
               <a:xfrm>
-                <a:off x="3273552" y="5003197"/>
+                <a:off x="2852928" y="5176933"/>
                 <a:ext cx="3305905" cy="276999"/>
               </a:xfrm>
               <a:prstGeom prst="rect">
@@ -4631,7 +5656,7 @@
             </p:txBody>
           </p:sp>
         </mc:Choice>
-        <mc:Fallback xmlns="">
+        <mc:Fallback>
           <p:sp>
             <p:nvSpPr>
               <p:cNvPr id="5" name="CuadroTexto 4"/>
@@ -4642,7 +5667,7 @@
             </p:nvSpPr>
             <p:spPr>
               <a:xfrm>
-                <a:off x="3273552" y="5003197"/>
+                <a:off x="2852928" y="5176933"/>
                 <a:ext cx="3305905" cy="276999"/>
               </a:xfrm>
               <a:prstGeom prst="rect">
@@ -4651,7 +5676,7 @@
               <a:blipFill>
                 <a:blip r:embed="rId3"/>
                 <a:stretch>
-                  <a:fillRect l="-4244" t="-28889" r="-2583" b="-51111"/>
+                  <a:fillRect l="-4244" t="-28261" r="-2583" b="-50000"/>
                 </a:stretch>
               </a:blipFill>
             </p:spPr>
@@ -4683,7 +5708,7 @@
 </p:sld>
 </file>
 
-<file path=ppt/slides/slide7.xml><?xml version="1.0" encoding="utf-8"?>
+<file path=ppt/slides/slide9.xml><?xml version="1.0" encoding="utf-8"?>
 <p:sld xmlns:a="http://schemas.openxmlformats.org/drawingml/2006/main" xmlns:r="http://schemas.openxmlformats.org/officeDocument/2006/relationships" xmlns:p="http://schemas.openxmlformats.org/presentationml/2006/main">
   <p:cSld>
     <p:spTree>
@@ -4848,8 +5873,8 @@
           </a:p>
         </p:txBody>
       </p:sp>
-      <mc:AlternateContent xmlns:mc="http://schemas.openxmlformats.org/markup-compatibility/2006">
-        <mc:Choice xmlns:a14="http://schemas.microsoft.com/office/drawing/2010/main" Requires="a14">
+      <mc:AlternateContent xmlns:mc="http://schemas.openxmlformats.org/markup-compatibility/2006" xmlns:a14="http://schemas.microsoft.com/office/drawing/2010/main">
+        <mc:Choice Requires="a14">
           <p:sp>
             <p:nvSpPr>
               <p:cNvPr id="4" name="CuadroTexto 3"/>
@@ -5152,7 +6177,7 @@
             </p:txBody>
           </p:sp>
         </mc:Choice>
-        <mc:Fallback>
+        <mc:Fallback xmlns="">
           <p:sp>
             <p:nvSpPr>
               <p:cNvPr id="4" name="CuadroTexto 3"/>
@@ -5225,375 +6250,6 @@
     <p:extLst>
       <p:ext uri="{BB962C8B-B14F-4D97-AF65-F5344CB8AC3E}">
         <p14:creationId xmlns:p14="http://schemas.microsoft.com/office/powerpoint/2010/main" val="46919277"/>
-      </p:ext>
-    </p:extLst>
-  </p:cSld>
-  <p:clrMapOvr>
-    <a:masterClrMapping/>
-  </p:clrMapOvr>
-</p:sld>
-</file>
-
-<file path=ppt/slides/slide8.xml><?xml version="1.0" encoding="utf-8"?>
-<p:sld xmlns:a="http://schemas.openxmlformats.org/drawingml/2006/main" xmlns:r="http://schemas.openxmlformats.org/officeDocument/2006/relationships" xmlns:p="http://schemas.openxmlformats.org/presentationml/2006/main" show="0">
-  <p:cSld>
-    <p:spTree>
-      <p:nvGrpSpPr>
-        <p:cNvPr id="1" name=""/>
-        <p:cNvGrpSpPr/>
-        <p:nvPr/>
-      </p:nvGrpSpPr>
-      <p:grpSpPr>
-        <a:xfrm>
-          <a:off x="0" y="0"/>
-          <a:ext cx="0" cy="0"/>
-          <a:chOff x="0" y="0"/>
-          <a:chExt cx="0" cy="0"/>
-        </a:xfrm>
-      </p:grpSpPr>
-      <p:sp>
-        <p:nvSpPr>
-          <p:cNvPr id="2" name="Rectángulo 1"/>
-          <p:cNvSpPr/>
-          <p:nvPr/>
-        </p:nvSpPr>
-        <p:spPr>
-          <a:xfrm>
-            <a:off x="969264" y="1146108"/>
-            <a:ext cx="6903720" cy="4801314"/>
-          </a:xfrm>
-          <a:prstGeom prst="rect">
-            <a:avLst/>
-          </a:prstGeom>
-        </p:spPr>
-        <p:txBody>
-          <a:bodyPr wrap="square">
-            <a:spAutoFit/>
-          </a:bodyPr>
-          <a:lstStyle/>
-          <a:p>
-            <a:r>
-              <a:rPr lang="en-US" dirty="0"/>
-              <a:t>import </a:t>
-            </a:r>
-            <a:r>
-              <a:rPr lang="en-US" dirty="0" err="1"/>
-              <a:t>numpy</a:t>
-            </a:r>
-            <a:r>
-              <a:rPr lang="en-US" dirty="0"/>
-              <a:t> as np</a:t>
-            </a:r>
-          </a:p>
-          <a:p>
-            <a:endParaRPr lang="en-US" dirty="0"/>
-          </a:p>
-          <a:p>
-            <a:r>
-              <a:rPr lang="en-US" dirty="0"/>
-              <a:t># </a:t>
-            </a:r>
-            <a:r>
-              <a:rPr lang="en-US" dirty="0" smtClean="0"/>
-              <a:t>Equal weight distribution </a:t>
-            </a:r>
-          </a:p>
-          <a:p>
-            <a:r>
-              <a:rPr lang="en-US" dirty="0" err="1" smtClean="0"/>
-              <a:t>np.argmax</a:t>
-            </a:r>
-            <a:r>
-              <a:rPr lang="en-US" dirty="0" smtClean="0"/>
-              <a:t>(</a:t>
-            </a:r>
-            <a:r>
-              <a:rPr lang="en-US" dirty="0" err="1" smtClean="0"/>
-              <a:t>np.bincount</a:t>
-            </a:r>
-            <a:r>
-              <a:rPr lang="en-US" dirty="0" smtClean="0"/>
-              <a:t>([0, 0, 1],weights=[1, 1, 1]))</a:t>
-            </a:r>
-          </a:p>
-          <a:p>
-            <a:r>
-              <a:rPr lang="en-US" dirty="0" smtClean="0"/>
-              <a:t>   </a:t>
-            </a:r>
-            <a:endParaRPr lang="en-US" dirty="0"/>
-          </a:p>
-          <a:p>
-            <a:r>
-              <a:rPr lang="en-US" dirty="0"/>
-              <a:t># Assigns classification </a:t>
-            </a:r>
-            <a:r>
-              <a:rPr lang="en-US" dirty="0" err="1"/>
-              <a:t>accoundingly</a:t>
-            </a:r>
-            <a:r>
-              <a:rPr lang="en-US" dirty="0"/>
-              <a:t> to weight distribution</a:t>
-            </a:r>
-          </a:p>
-          <a:p>
-            <a:r>
-              <a:rPr lang="en-US" dirty="0" err="1"/>
-              <a:t>np.argmax</a:t>
-            </a:r>
-            <a:r>
-              <a:rPr lang="en-US" dirty="0"/>
-              <a:t>(</a:t>
-            </a:r>
-            <a:r>
-              <a:rPr lang="en-US" dirty="0" err="1"/>
-              <a:t>np.bincount</a:t>
-            </a:r>
-            <a:r>
-              <a:rPr lang="en-US" dirty="0"/>
-              <a:t>([0, 0, 1],weights=[0.2, 0.2, 0.6]))</a:t>
-            </a:r>
-          </a:p>
-          <a:p>
-            <a:r>
-              <a:rPr lang="en-US" dirty="0"/>
-              <a:t> </a:t>
-            </a:r>
-            <a:r>
-              <a:rPr lang="en-US" dirty="0" smtClean="0"/>
-              <a:t>-------</a:t>
-            </a:r>
-          </a:p>
-          <a:p>
-            <a:r>
-              <a:rPr lang="en-US" dirty="0" smtClean="0"/>
-              <a:t># Probability vector</a:t>
-            </a:r>
-          </a:p>
-          <a:p>
-            <a:r>
-              <a:rPr lang="en-US" dirty="0" smtClean="0"/>
-              <a:t>ex </a:t>
-            </a:r>
-            <a:r>
-              <a:rPr lang="en-US" dirty="0"/>
-              <a:t>= </a:t>
-            </a:r>
-            <a:r>
-              <a:rPr lang="en-US" dirty="0" err="1"/>
-              <a:t>np.array</a:t>
-            </a:r>
-            <a:r>
-              <a:rPr lang="en-US" dirty="0"/>
-              <a:t>([[0.9, 0.1], </a:t>
-            </a:r>
-            <a:r>
-              <a:rPr lang="en-US" dirty="0" smtClean="0"/>
-              <a:t>0.8</a:t>
-            </a:r>
-            <a:r>
-              <a:rPr lang="en-US" dirty="0"/>
-              <a:t>, 0.2</a:t>
-            </a:r>
-            <a:r>
-              <a:rPr lang="en-US" dirty="0" smtClean="0"/>
-              <a:t>],[</a:t>
-            </a:r>
-            <a:r>
-              <a:rPr lang="en-US" dirty="0"/>
-              <a:t>0.4, 0.6</a:t>
-            </a:r>
-            <a:r>
-              <a:rPr lang="en-US" dirty="0" smtClean="0"/>
-              <a:t>]])</a:t>
-            </a:r>
-          </a:p>
-          <a:p>
-            <a:endParaRPr lang="en-US" dirty="0" smtClean="0"/>
-          </a:p>
-          <a:p>
-            <a:r>
-              <a:rPr lang="en-US" dirty="0"/>
-              <a:t># Assigns classification </a:t>
-            </a:r>
-            <a:r>
-              <a:rPr lang="en-US" dirty="0" err="1"/>
-              <a:t>accoundingly</a:t>
-            </a:r>
-            <a:r>
-              <a:rPr lang="en-US" dirty="0"/>
-              <a:t> to weight </a:t>
-            </a:r>
-            <a:r>
-              <a:rPr lang="en-US" dirty="0" smtClean="0"/>
-              <a:t>distribution</a:t>
-            </a:r>
-            <a:endParaRPr lang="en-US" dirty="0"/>
-          </a:p>
-          <a:p>
-            <a:r>
-              <a:rPr lang="en-US" dirty="0" smtClean="0"/>
-              <a:t>p </a:t>
-            </a:r>
-            <a:r>
-              <a:rPr lang="en-US" dirty="0"/>
-              <a:t>= </a:t>
-            </a:r>
-            <a:r>
-              <a:rPr lang="en-US" dirty="0" err="1"/>
-              <a:t>np.average</a:t>
-            </a:r>
-            <a:r>
-              <a:rPr lang="en-US" dirty="0"/>
-              <a:t>(ex, axis=0, weights=[0.2, 0.2, 0.6]) </a:t>
-            </a:r>
-            <a:endParaRPr lang="en-US" dirty="0" smtClean="0"/>
-          </a:p>
-          <a:p>
-            <a:endParaRPr lang="en-US" dirty="0" smtClean="0"/>
-          </a:p>
-          <a:p>
-            <a:r>
-              <a:rPr lang="en-US" dirty="0" smtClean="0"/>
-              <a:t>array</a:t>
-            </a:r>
-            <a:r>
-              <a:rPr lang="en-US" dirty="0"/>
-              <a:t>([ 0.58, 0.42]) </a:t>
-            </a:r>
-            <a:endParaRPr lang="en-US" dirty="0" smtClean="0"/>
-          </a:p>
-          <a:p>
-            <a:endParaRPr lang="en-US" dirty="0" smtClean="0"/>
-          </a:p>
-          <a:p>
-            <a:r>
-              <a:rPr lang="en-US" dirty="0" err="1" smtClean="0"/>
-              <a:t>np.argmax</a:t>
-            </a:r>
-            <a:r>
-              <a:rPr lang="en-US" dirty="0" smtClean="0"/>
-              <a:t>(p</a:t>
-            </a:r>
-            <a:r>
-              <a:rPr lang="en-US" dirty="0"/>
-              <a:t>)</a:t>
-            </a:r>
-          </a:p>
-        </p:txBody>
-      </p:sp>
-      <p:sp>
-        <p:nvSpPr>
-          <p:cNvPr id="3" name="Shape 89"/>
-          <p:cNvSpPr txBox="1"/>
-          <p:nvPr/>
-        </p:nvSpPr>
-        <p:spPr>
-          <a:xfrm>
-            <a:off x="275968" y="226541"/>
-            <a:ext cx="6919783" cy="584775"/>
-          </a:xfrm>
-          <a:prstGeom prst="rect">
-            <a:avLst/>
-          </a:prstGeom>
-          <a:noFill/>
-          <a:ln>
-            <a:noFill/>
-          </a:ln>
-        </p:spPr>
-        <p:txBody>
-          <a:bodyPr spcFirstLastPara="1" wrap="square" lIns="91425" tIns="45700" rIns="91425" bIns="45700" anchor="t" anchorCtr="0">
-            <a:noAutofit/>
-          </a:bodyPr>
-          <a:lstStyle/>
-          <a:p>
-            <a:r>
-              <a:rPr lang="es-ES" altLang="en-US" sz="3200" b="1" dirty="0">
-                <a:solidFill>
-                  <a:srgbClr val="2F5496"/>
-                </a:solidFill>
-                <a:latin typeface="Helvetica Neue"/>
-                <a:ea typeface="Helvetica Neue"/>
-                <a:cs typeface="Helvetica Neue"/>
-              </a:rPr>
-              <a:t>M</a:t>
-            </a:r>
-            <a:r>
-              <a:rPr lang="es-ES" altLang="en-US" sz="3200" b="1" dirty="0" smtClean="0">
-                <a:solidFill>
-                  <a:srgbClr val="2F5496"/>
-                </a:solidFill>
-                <a:latin typeface="Helvetica Neue"/>
-                <a:ea typeface="Helvetica Neue"/>
-                <a:cs typeface="Helvetica Neue"/>
-              </a:rPr>
-              <a:t>ayoría </a:t>
-            </a:r>
-            <a:r>
-              <a:rPr lang="es-ES" altLang="en-US" sz="3200" b="1" dirty="0">
-                <a:solidFill>
-                  <a:srgbClr val="2F5496"/>
-                </a:solidFill>
-                <a:latin typeface="Helvetica Neue"/>
-                <a:ea typeface="Helvetica Neue"/>
-                <a:cs typeface="Helvetica Neue"/>
-              </a:rPr>
-              <a:t>de votos </a:t>
-            </a:r>
-            <a:endParaRPr lang="en-US" sz="3200" b="1" dirty="0">
-              <a:solidFill>
-                <a:srgbClr val="2F5496"/>
-              </a:solidFill>
-              <a:latin typeface="Helvetica Neue"/>
-              <a:ea typeface="Helvetica Neue"/>
-              <a:cs typeface="Helvetica Neue"/>
-            </a:endParaRPr>
-          </a:p>
-        </p:txBody>
-      </p:sp>
-    </p:spTree>
-    <p:extLst>
-      <p:ext uri="{BB962C8B-B14F-4D97-AF65-F5344CB8AC3E}">
-        <p14:creationId xmlns:p14="http://schemas.microsoft.com/office/powerpoint/2010/main" val="2411923057"/>
-      </p:ext>
-    </p:extLst>
-  </p:cSld>
-  <p:clrMapOvr>
-    <a:masterClrMapping/>
-  </p:clrMapOvr>
-  <mc:AlternateContent xmlns:mc="http://schemas.openxmlformats.org/markup-compatibility/2006">
-    <mc:Choice xmlns:p14="http://schemas.microsoft.com/office/powerpoint/2010/main" Requires="p14">
-      <p:transition spd="slow" p14:dur="2000"/>
-    </mc:Choice>
-    <mc:Fallback>
-      <p:transition spd="slow"/>
-    </mc:Fallback>
-  </mc:AlternateContent>
-</p:sld>
-</file>
-
-<file path=ppt/slides/slide9.xml><?xml version="1.0" encoding="utf-8"?>
-<p:sld xmlns:a="http://schemas.openxmlformats.org/drawingml/2006/main" xmlns:r="http://schemas.openxmlformats.org/officeDocument/2006/relationships" xmlns:p="http://schemas.openxmlformats.org/presentationml/2006/main">
-  <p:cSld>
-    <p:spTree>
-      <p:nvGrpSpPr>
-        <p:cNvPr id="1" name=""/>
-        <p:cNvGrpSpPr/>
-        <p:nvPr/>
-      </p:nvGrpSpPr>
-      <p:grpSpPr>
-        <a:xfrm>
-          <a:off x="0" y="0"/>
-          <a:ext cx="0" cy="0"/>
-          <a:chOff x="0" y="0"/>
-          <a:chExt cx="0" cy="0"/>
-        </a:xfrm>
-      </p:grpSpPr>
-    </p:spTree>
-    <p:extLst>
-      <p:ext uri="{BB962C8B-B14F-4D97-AF65-F5344CB8AC3E}">
-        <p14:creationId xmlns:p14="http://schemas.microsoft.com/office/powerpoint/2010/main" val="3782661917"/>
       </p:ext>
     </p:extLst>
   </p:cSld>

--- a/MetodosEnsamble.pptx
+++ b/MetodosEnsamble.pptx
@@ -5,7 +5,7 @@
     <p:sldMasterId id="2147483660" r:id="rId1"/>
   </p:sldMasterIdLst>
   <p:notesMasterIdLst>
-    <p:notesMasterId r:id="rId14"/>
+    <p:notesMasterId r:id="rId17"/>
   </p:notesMasterIdLst>
   <p:sldIdLst>
     <p:sldId id="258" r:id="rId2"/>
@@ -20,6 +20,9 @@
     <p:sldId id="268" r:id="rId11"/>
     <p:sldId id="269" r:id="rId12"/>
     <p:sldId id="270" r:id="rId13"/>
+    <p:sldId id="271" r:id="rId14"/>
+    <p:sldId id="273" r:id="rId15"/>
+    <p:sldId id="272" r:id="rId16"/>
   </p:sldIdLst>
   <p:sldSz cx="9144000" cy="6858000" type="screen4x3"/>
   <p:notesSz cx="6858000" cy="9144000"/>
@@ -208,7 +211,7 @@
           <a:p>
             <a:fld id="{A5D6C492-64FF-48EE-8111-2FDC0DCD2CB4}" type="datetimeFigureOut">
               <a:rPr lang="en-US" smtClean="0"/>
-              <a:t>10/28/2018</a:t>
+              <a:t>11/11/2018</a:t>
             </a:fld>
             <a:endParaRPr lang="en-US"/>
           </a:p>
@@ -607,7 +610,7 @@
           <a:p>
             <a:fld id="{09382926-025C-4492-A007-36A806BCA0F4}" type="datetimeFigureOut">
               <a:rPr lang="es-ES" smtClean="0"/>
-              <a:t>28/10/2018</a:t>
+              <a:t>11/11/2018</a:t>
             </a:fld>
             <a:endParaRPr lang="es-ES"/>
           </a:p>
@@ -777,7 +780,7 @@
           <a:p>
             <a:fld id="{09382926-025C-4492-A007-36A806BCA0F4}" type="datetimeFigureOut">
               <a:rPr lang="es-ES" smtClean="0"/>
-              <a:t>28/10/2018</a:t>
+              <a:t>11/11/2018</a:t>
             </a:fld>
             <a:endParaRPr lang="es-ES"/>
           </a:p>
@@ -957,7 +960,7 @@
           <a:p>
             <a:fld id="{09382926-025C-4492-A007-36A806BCA0F4}" type="datetimeFigureOut">
               <a:rPr lang="es-ES" smtClean="0"/>
-              <a:t>28/10/2018</a:t>
+              <a:t>11/11/2018</a:t>
             </a:fld>
             <a:endParaRPr lang="es-ES"/>
           </a:p>
@@ -1127,7 +1130,7 @@
           <a:p>
             <a:fld id="{09382926-025C-4492-A007-36A806BCA0F4}" type="datetimeFigureOut">
               <a:rPr lang="es-ES" smtClean="0"/>
-              <a:t>28/10/2018</a:t>
+              <a:t>11/11/2018</a:t>
             </a:fld>
             <a:endParaRPr lang="es-ES"/>
           </a:p>
@@ -1371,7 +1374,7 @@
           <a:p>
             <a:fld id="{09382926-025C-4492-A007-36A806BCA0F4}" type="datetimeFigureOut">
               <a:rPr lang="es-ES" smtClean="0"/>
-              <a:t>28/10/2018</a:t>
+              <a:t>11/11/2018</a:t>
             </a:fld>
             <a:endParaRPr lang="es-ES"/>
           </a:p>
@@ -1603,7 +1606,7 @@
           <a:p>
             <a:fld id="{09382926-025C-4492-A007-36A806BCA0F4}" type="datetimeFigureOut">
               <a:rPr lang="es-ES" smtClean="0"/>
-              <a:t>28/10/2018</a:t>
+              <a:t>11/11/2018</a:t>
             </a:fld>
             <a:endParaRPr lang="es-ES"/>
           </a:p>
@@ -1970,7 +1973,7 @@
           <a:p>
             <a:fld id="{09382926-025C-4492-A007-36A806BCA0F4}" type="datetimeFigureOut">
               <a:rPr lang="es-ES" smtClean="0"/>
-              <a:t>28/10/2018</a:t>
+              <a:t>11/11/2018</a:t>
             </a:fld>
             <a:endParaRPr lang="es-ES"/>
           </a:p>
@@ -2088,7 +2091,7 @@
           <a:p>
             <a:fld id="{09382926-025C-4492-A007-36A806BCA0F4}" type="datetimeFigureOut">
               <a:rPr lang="es-ES" smtClean="0"/>
-              <a:t>28/10/2018</a:t>
+              <a:t>11/11/2018</a:t>
             </a:fld>
             <a:endParaRPr lang="es-ES"/>
           </a:p>
@@ -2183,7 +2186,7 @@
           <a:p>
             <a:fld id="{09382926-025C-4492-A007-36A806BCA0F4}" type="datetimeFigureOut">
               <a:rPr lang="es-ES" smtClean="0"/>
-              <a:t>28/10/2018</a:t>
+              <a:t>11/11/2018</a:t>
             </a:fld>
             <a:endParaRPr lang="es-ES"/>
           </a:p>
@@ -2460,7 +2463,7 @@
           <a:p>
             <a:fld id="{09382926-025C-4492-A007-36A806BCA0F4}" type="datetimeFigureOut">
               <a:rPr lang="es-ES" smtClean="0"/>
-              <a:t>28/10/2018</a:t>
+              <a:t>11/11/2018</a:t>
             </a:fld>
             <a:endParaRPr lang="es-ES"/>
           </a:p>
@@ -2717,7 +2720,7 @@
           <a:p>
             <a:fld id="{09382926-025C-4492-A007-36A806BCA0F4}" type="datetimeFigureOut">
               <a:rPr lang="es-ES" smtClean="0"/>
-              <a:t>28/10/2018</a:t>
+              <a:t>11/11/2018</a:t>
             </a:fld>
             <a:endParaRPr lang="es-ES"/>
           </a:p>
@@ -2939,7 +2942,7 @@
           <a:p>
             <a:fld id="{09382926-025C-4492-A007-36A806BCA0F4}" type="datetimeFigureOut">
               <a:rPr lang="es-ES" smtClean="0"/>
-              <a:t>28/10/2018</a:t>
+              <a:t>11/11/2018</a:t>
             </a:fld>
             <a:endParaRPr lang="es-ES"/>
           </a:p>
@@ -4118,6 +4121,864 @@
 </p:sld>
 </file>
 
+<file path=ppt/slides/slide13.xml><?xml version="1.0" encoding="utf-8"?>
+<p:sld xmlns:a="http://schemas.openxmlformats.org/drawingml/2006/main" xmlns:r="http://schemas.openxmlformats.org/officeDocument/2006/relationships" xmlns:p="http://schemas.openxmlformats.org/presentationml/2006/main">
+  <p:cSld>
+    <p:spTree>
+      <p:nvGrpSpPr>
+        <p:cNvPr id="1" name=""/>
+        <p:cNvGrpSpPr/>
+        <p:nvPr/>
+      </p:nvGrpSpPr>
+      <p:grpSpPr>
+        <a:xfrm>
+          <a:off x="0" y="0"/>
+          <a:ext cx="0" cy="0"/>
+          <a:chOff x="0" y="0"/>
+          <a:chExt cx="0" cy="0"/>
+        </a:xfrm>
+      </p:grpSpPr>
+      <p:sp>
+        <p:nvSpPr>
+          <p:cNvPr id="3" name="Rectangle 1"/>
+          <p:cNvSpPr>
+            <a:spLocks noChangeArrowheads="1"/>
+          </p:cNvSpPr>
+          <p:nvPr/>
+        </p:nvSpPr>
+        <p:spPr bwMode="auto">
+          <a:xfrm>
+            <a:off x="877824" y="1542672"/>
+            <a:ext cx="7735824" cy="1938992"/>
+          </a:xfrm>
+          <a:prstGeom prst="rect">
+            <a:avLst/>
+          </a:prstGeom>
+          <a:noFill/>
+          <a:ln>
+            <a:noFill/>
+          </a:ln>
+          <a:effectLst/>
+          <a:extLst>
+            <a:ext uri="{909E8E84-426E-40DD-AFC4-6F175D3DCCD1}">
+              <a14:hiddenFill xmlns:a14="http://schemas.microsoft.com/office/drawing/2010/main">
+                <a:solidFill>
+                  <a:schemeClr val="accent1"/>
+                </a:solidFill>
+              </a14:hiddenFill>
+            </a:ext>
+            <a:ext uri="{91240B29-F687-4F45-9708-019B960494DF}">
+              <a14:hiddenLine xmlns:a14="http://schemas.microsoft.com/office/drawing/2010/main" w="9525">
+                <a:solidFill>
+                  <a:schemeClr val="tx1"/>
+                </a:solidFill>
+                <a:miter lim="800000"/>
+                <a:headEnd/>
+                <a:tailEnd/>
+              </a14:hiddenLine>
+            </a:ext>
+            <a:ext uri="{AF507438-7753-43E0-B8FC-AC1667EBCBE1}">
+              <a14:hiddenEffects xmlns:a14="http://schemas.microsoft.com/office/drawing/2010/main">
+                <a:effectLst>
+                  <a:outerShdw dist="35921" dir="2700000" algn="ctr" rotWithShape="0">
+                    <a:schemeClr val="bg2"/>
+                  </a:outerShdw>
+                </a:effectLst>
+              </a14:hiddenEffects>
+            </a:ext>
+          </a:extLst>
+        </p:spPr>
+        <p:txBody>
+          <a:bodyPr vert="horz" wrap="square" lIns="91440" tIns="45720" rIns="91440" bIns="45720" numCol="1" anchor="ctr" anchorCtr="0" compatLnSpc="1">
+            <a:prstTxWarp prst="textNoShape">
+              <a:avLst/>
+            </a:prstTxWarp>
+            <a:spAutoFit/>
+          </a:bodyPr>
+          <a:lstStyle/>
+          <a:p>
+            <a:pPr>
+              <a:lnSpc>
+                <a:spcPct val="150000"/>
+              </a:lnSpc>
+            </a:pPr>
+            <a:r>
+              <a:rPr lang="en-US" sz="2000" dirty="0" err="1" smtClean="0">
+                <a:latin typeface="Arial" panose="020B0604020202020204" pitchFamily="34" charset="0"/>
+                <a:cs typeface="Arial" panose="020B0604020202020204" pitchFamily="34" charset="0"/>
+              </a:rPr>
+              <a:t>Muestras</a:t>
+            </a:r>
+            <a:r>
+              <a:rPr lang="en-US" sz="2000" dirty="0" smtClean="0">
+                <a:latin typeface="Arial" panose="020B0604020202020204" pitchFamily="34" charset="0"/>
+                <a:cs typeface="Arial" panose="020B0604020202020204" pitchFamily="34" charset="0"/>
+              </a:rPr>
+              <a:t> de </a:t>
+            </a:r>
+            <a:r>
+              <a:rPr lang="en-US" sz="2000" dirty="0" err="1" smtClean="0">
+                <a:latin typeface="Arial" panose="020B0604020202020204" pitchFamily="34" charset="0"/>
+                <a:cs typeface="Arial" panose="020B0604020202020204" pitchFamily="34" charset="0"/>
+              </a:rPr>
+              <a:t>registros</a:t>
+            </a:r>
+            <a:r>
+              <a:rPr lang="en-US" sz="2000" dirty="0" smtClean="0">
+                <a:latin typeface="Arial" panose="020B0604020202020204" pitchFamily="34" charset="0"/>
+                <a:cs typeface="Arial" panose="020B0604020202020204" pitchFamily="34" charset="0"/>
+              </a:rPr>
+              <a:t> </a:t>
+            </a:r>
+            <a:r>
+              <a:rPr lang="en-US" sz="2000" dirty="0" err="1" smtClean="0">
+                <a:latin typeface="Arial" panose="020B0604020202020204" pitchFamily="34" charset="0"/>
+                <a:cs typeface="Arial" panose="020B0604020202020204" pitchFamily="34" charset="0"/>
+              </a:rPr>
+              <a:t>extraidas</a:t>
+            </a:r>
+            <a:r>
+              <a:rPr lang="en-US" sz="2000" dirty="0" smtClean="0">
+                <a:latin typeface="Arial" panose="020B0604020202020204" pitchFamily="34" charset="0"/>
+                <a:cs typeface="Arial" panose="020B0604020202020204" pitchFamily="34" charset="0"/>
+              </a:rPr>
+              <a:t> </a:t>
+            </a:r>
+            <a:r>
+              <a:rPr lang="en-US" sz="2000" dirty="0" err="1" smtClean="0">
+                <a:latin typeface="Arial" panose="020B0604020202020204" pitchFamily="34" charset="0"/>
+                <a:cs typeface="Arial" panose="020B0604020202020204" pitchFamily="34" charset="0"/>
+              </a:rPr>
+              <a:t>aleatoriamente</a:t>
+            </a:r>
+            <a:r>
+              <a:rPr lang="en-US" sz="2000" dirty="0" smtClean="0">
+                <a:latin typeface="Arial" panose="020B0604020202020204" pitchFamily="34" charset="0"/>
+                <a:cs typeface="Arial" panose="020B0604020202020204" pitchFamily="34" charset="0"/>
+              </a:rPr>
+              <a:t> = Bagging</a:t>
+            </a:r>
+          </a:p>
+          <a:p>
+            <a:pPr>
+              <a:lnSpc>
+                <a:spcPct val="150000"/>
+              </a:lnSpc>
+            </a:pPr>
+            <a:r>
+              <a:rPr lang="en-US" sz="2000" dirty="0" err="1" smtClean="0">
+                <a:latin typeface="Arial" panose="020B0604020202020204" pitchFamily="34" charset="0"/>
+                <a:cs typeface="Arial" panose="020B0604020202020204" pitchFamily="34" charset="0"/>
+              </a:rPr>
+              <a:t>Muestra</a:t>
+            </a:r>
+            <a:r>
+              <a:rPr lang="en-US" sz="2000" dirty="0" smtClean="0">
+                <a:latin typeface="Arial" panose="020B0604020202020204" pitchFamily="34" charset="0"/>
+                <a:cs typeface="Arial" panose="020B0604020202020204" pitchFamily="34" charset="0"/>
+              </a:rPr>
+              <a:t> de variables </a:t>
+            </a:r>
+            <a:r>
+              <a:rPr lang="en-US" sz="2000" dirty="0" err="1" smtClean="0">
+                <a:latin typeface="Arial" panose="020B0604020202020204" pitchFamily="34" charset="0"/>
+                <a:cs typeface="Arial" panose="020B0604020202020204" pitchFamily="34" charset="0"/>
+              </a:rPr>
+              <a:t>aleatorias</a:t>
+            </a:r>
+            <a:r>
+              <a:rPr lang="en-US" sz="2000" dirty="0" smtClean="0">
+                <a:latin typeface="Arial" panose="020B0604020202020204" pitchFamily="34" charset="0"/>
+                <a:cs typeface="Arial" panose="020B0604020202020204" pitchFamily="34" charset="0"/>
+              </a:rPr>
+              <a:t> = Random subspaces</a:t>
+            </a:r>
+          </a:p>
+          <a:p>
+            <a:pPr>
+              <a:lnSpc>
+                <a:spcPct val="150000"/>
+              </a:lnSpc>
+            </a:pPr>
+            <a:r>
+              <a:rPr lang="en-US" sz="2000" dirty="0" err="1" smtClean="0">
+                <a:latin typeface="Arial" panose="020B0604020202020204" pitchFamily="34" charset="0"/>
+                <a:cs typeface="Arial" panose="020B0604020202020204" pitchFamily="34" charset="0"/>
+              </a:rPr>
+              <a:t>Muestra</a:t>
+            </a:r>
+            <a:r>
+              <a:rPr lang="en-US" sz="2000" dirty="0" smtClean="0">
+                <a:latin typeface="Arial" panose="020B0604020202020204" pitchFamily="34" charset="0"/>
+                <a:cs typeface="Arial" panose="020B0604020202020204" pitchFamily="34" charset="0"/>
+              </a:rPr>
+              <a:t> de </a:t>
+            </a:r>
+            <a:r>
+              <a:rPr lang="en-US" sz="2000" dirty="0" err="1">
+                <a:latin typeface="Arial" panose="020B0604020202020204" pitchFamily="34" charset="0"/>
+                <a:cs typeface="Arial" panose="020B0604020202020204" pitchFamily="34" charset="0"/>
+              </a:rPr>
+              <a:t>registros</a:t>
+            </a:r>
+            <a:r>
+              <a:rPr lang="en-US" sz="2000" dirty="0" smtClean="0">
+                <a:latin typeface="Arial" panose="020B0604020202020204" pitchFamily="34" charset="0"/>
+                <a:cs typeface="Arial" panose="020B0604020202020204" pitchFamily="34" charset="0"/>
+              </a:rPr>
+              <a:t> y </a:t>
+            </a:r>
+            <a:r>
+              <a:rPr lang="en-US" sz="2000" dirty="0">
+                <a:latin typeface="Arial" panose="020B0604020202020204" pitchFamily="34" charset="0"/>
+                <a:cs typeface="Arial" panose="020B0604020202020204" pitchFamily="34" charset="0"/>
+              </a:rPr>
+              <a:t>variables </a:t>
+            </a:r>
+            <a:r>
+              <a:rPr lang="en-US" sz="2000" dirty="0" err="1">
+                <a:latin typeface="Arial" panose="020B0604020202020204" pitchFamily="34" charset="0"/>
+                <a:cs typeface="Arial" panose="020B0604020202020204" pitchFamily="34" charset="0"/>
+              </a:rPr>
+              <a:t>aleatorias</a:t>
+            </a:r>
+            <a:r>
+              <a:rPr lang="en-US" sz="2000" dirty="0">
+                <a:latin typeface="Arial" panose="020B0604020202020204" pitchFamily="34" charset="0"/>
+                <a:cs typeface="Arial" panose="020B0604020202020204" pitchFamily="34" charset="0"/>
+              </a:rPr>
+              <a:t> </a:t>
+            </a:r>
+            <a:r>
+              <a:rPr lang="en-US" sz="2000" dirty="0" smtClean="0">
+                <a:latin typeface="Arial" panose="020B0604020202020204" pitchFamily="34" charset="0"/>
+                <a:cs typeface="Arial" panose="020B0604020202020204" pitchFamily="34" charset="0"/>
+              </a:rPr>
+              <a:t>= Random Patches</a:t>
+            </a:r>
+          </a:p>
+          <a:p>
+            <a:pPr>
+              <a:lnSpc>
+                <a:spcPct val="150000"/>
+              </a:lnSpc>
+            </a:pPr>
+            <a:endParaRPr lang="en-US" sz="2000" dirty="0">
+              <a:latin typeface="Arial" panose="020B0604020202020204" pitchFamily="34" charset="0"/>
+              <a:cs typeface="Arial" panose="020B0604020202020204" pitchFamily="34" charset="0"/>
+            </a:endParaRPr>
+          </a:p>
+        </p:txBody>
+      </p:sp>
+      <p:sp>
+        <p:nvSpPr>
+          <p:cNvPr id="4" name="Shape 89"/>
+          <p:cNvSpPr txBox="1"/>
+          <p:nvPr/>
+        </p:nvSpPr>
+        <p:spPr>
+          <a:xfrm>
+            <a:off x="275968" y="226541"/>
+            <a:ext cx="6919783" cy="584775"/>
+          </a:xfrm>
+          <a:prstGeom prst="rect">
+            <a:avLst/>
+          </a:prstGeom>
+          <a:noFill/>
+          <a:ln>
+            <a:noFill/>
+          </a:ln>
+        </p:spPr>
+        <p:txBody>
+          <a:bodyPr spcFirstLastPara="1" wrap="square" lIns="91425" tIns="45700" rIns="91425" bIns="45700" anchor="t" anchorCtr="0">
+            <a:noAutofit/>
+          </a:bodyPr>
+          <a:lstStyle/>
+          <a:p>
+            <a:r>
+              <a:rPr lang="es-ES" altLang="en-US" sz="3200" b="1" dirty="0" err="1" smtClean="0">
+                <a:solidFill>
+                  <a:srgbClr val="2F5496"/>
+                </a:solidFill>
+                <a:latin typeface="Helvetica Neue"/>
+                <a:ea typeface="Helvetica Neue"/>
+                <a:cs typeface="Helvetica Neue"/>
+              </a:rPr>
+              <a:t>Bagging</a:t>
+            </a:r>
+            <a:endParaRPr lang="en-US" sz="3200" b="1" dirty="0">
+              <a:solidFill>
+                <a:srgbClr val="2F5496"/>
+              </a:solidFill>
+              <a:latin typeface="Helvetica Neue"/>
+              <a:ea typeface="Helvetica Neue"/>
+              <a:cs typeface="Helvetica Neue"/>
+            </a:endParaRPr>
+          </a:p>
+        </p:txBody>
+      </p:sp>
+    </p:spTree>
+    <p:extLst>
+      <p:ext uri="{BB962C8B-B14F-4D97-AF65-F5344CB8AC3E}">
+        <p14:creationId xmlns:p14="http://schemas.microsoft.com/office/powerpoint/2010/main" val="1425220306"/>
+      </p:ext>
+    </p:extLst>
+  </p:cSld>
+  <p:clrMapOvr>
+    <a:masterClrMapping/>
+  </p:clrMapOvr>
+</p:sld>
+</file>
+
+<file path=ppt/slides/slide14.xml><?xml version="1.0" encoding="utf-8"?>
+<p:sld xmlns:a="http://schemas.openxmlformats.org/drawingml/2006/main" xmlns:r="http://schemas.openxmlformats.org/officeDocument/2006/relationships" xmlns:p="http://schemas.openxmlformats.org/presentationml/2006/main">
+  <p:cSld>
+    <p:spTree>
+      <p:nvGrpSpPr>
+        <p:cNvPr id="1" name=""/>
+        <p:cNvGrpSpPr/>
+        <p:nvPr/>
+      </p:nvGrpSpPr>
+      <p:grpSpPr>
+        <a:xfrm>
+          <a:off x="0" y="0"/>
+          <a:ext cx="0" cy="0"/>
+          <a:chOff x="0" y="0"/>
+          <a:chExt cx="0" cy="0"/>
+        </a:xfrm>
+      </p:grpSpPr>
+      <p:sp>
+        <p:nvSpPr>
+          <p:cNvPr id="2" name="Shape 89"/>
+          <p:cNvSpPr txBox="1"/>
+          <p:nvPr/>
+        </p:nvSpPr>
+        <p:spPr>
+          <a:xfrm>
+            <a:off x="275968" y="226541"/>
+            <a:ext cx="6919783" cy="584775"/>
+          </a:xfrm>
+          <a:prstGeom prst="rect">
+            <a:avLst/>
+          </a:prstGeom>
+          <a:noFill/>
+          <a:ln>
+            <a:noFill/>
+          </a:ln>
+        </p:spPr>
+        <p:txBody>
+          <a:bodyPr spcFirstLastPara="1" wrap="square" lIns="91425" tIns="45700" rIns="91425" bIns="45700" anchor="t" anchorCtr="0">
+            <a:noAutofit/>
+          </a:bodyPr>
+          <a:lstStyle/>
+          <a:p>
+            <a:r>
+              <a:rPr lang="es-ES" altLang="en-US" sz="3200" b="1" dirty="0" err="1" smtClean="0">
+                <a:solidFill>
+                  <a:srgbClr val="2F5496"/>
+                </a:solidFill>
+                <a:latin typeface="Helvetica Neue"/>
+                <a:ea typeface="Helvetica Neue"/>
+                <a:cs typeface="Helvetica Neue"/>
+              </a:rPr>
+              <a:t>Bagging</a:t>
+            </a:r>
+            <a:endParaRPr lang="en-US" sz="3200" b="1" dirty="0">
+              <a:solidFill>
+                <a:srgbClr val="2F5496"/>
+              </a:solidFill>
+              <a:latin typeface="Helvetica Neue"/>
+              <a:ea typeface="Helvetica Neue"/>
+              <a:cs typeface="Helvetica Neue"/>
+            </a:endParaRPr>
+          </a:p>
+        </p:txBody>
+      </p:sp>
+      <p:sp>
+        <p:nvSpPr>
+          <p:cNvPr id="3" name="Rectangle 1"/>
+          <p:cNvSpPr>
+            <a:spLocks noChangeArrowheads="1"/>
+          </p:cNvSpPr>
+          <p:nvPr/>
+        </p:nvSpPr>
+        <p:spPr bwMode="auto">
+          <a:xfrm>
+            <a:off x="530350" y="1213355"/>
+            <a:ext cx="8010146" cy="1323439"/>
+          </a:xfrm>
+          <a:prstGeom prst="rect">
+            <a:avLst/>
+          </a:prstGeom>
+          <a:noFill/>
+          <a:ln>
+            <a:noFill/>
+          </a:ln>
+          <a:effectLst/>
+          <a:extLst>
+            <a:ext uri="{909E8E84-426E-40DD-AFC4-6F175D3DCCD1}">
+              <a14:hiddenFill xmlns:a14="http://schemas.microsoft.com/office/drawing/2010/main">
+                <a:solidFill>
+                  <a:schemeClr val="accent1"/>
+                </a:solidFill>
+              </a14:hiddenFill>
+            </a:ext>
+            <a:ext uri="{91240B29-F687-4F45-9708-019B960494DF}">
+              <a14:hiddenLine xmlns:a14="http://schemas.microsoft.com/office/drawing/2010/main" w="9525">
+                <a:solidFill>
+                  <a:schemeClr val="tx1"/>
+                </a:solidFill>
+                <a:miter lim="800000"/>
+                <a:headEnd/>
+                <a:tailEnd/>
+              </a14:hiddenLine>
+            </a:ext>
+            <a:ext uri="{AF507438-7753-43E0-B8FC-AC1667EBCBE1}">
+              <a14:hiddenEffects xmlns:a14="http://schemas.microsoft.com/office/drawing/2010/main">
+                <a:effectLst>
+                  <a:outerShdw dist="35921" dir="2700000" algn="ctr" rotWithShape="0">
+                    <a:schemeClr val="bg2"/>
+                  </a:outerShdw>
+                </a:effectLst>
+              </a14:hiddenEffects>
+            </a:ext>
+          </a:extLst>
+        </p:spPr>
+        <p:txBody>
+          <a:bodyPr vert="horz" wrap="square" lIns="91440" tIns="45720" rIns="91440" bIns="45720" numCol="1" anchor="ctr" anchorCtr="0" compatLnSpc="1">
+            <a:prstTxWarp prst="textNoShape">
+              <a:avLst/>
+            </a:prstTxWarp>
+            <a:spAutoFit/>
+          </a:bodyPr>
+          <a:lstStyle/>
+          <a:p>
+            <a:pPr lvl="0" eaLnBrk="0" fontAlgn="base" hangingPunct="0">
+              <a:spcBef>
+                <a:spcPct val="0"/>
+              </a:spcBef>
+              <a:spcAft>
+                <a:spcPct val="0"/>
+              </a:spcAft>
+            </a:pPr>
+            <a:r>
+              <a:rPr lang="es-ES" altLang="en-US" sz="2000" dirty="0" smtClean="0">
+                <a:latin typeface="Arial" panose="020B0604020202020204" pitchFamily="34" charset="0"/>
+              </a:rPr>
+              <a:t>Programar el método de ensamble </a:t>
+            </a:r>
+            <a:r>
+              <a:rPr lang="es-ES" altLang="en-US" sz="2000" dirty="0" err="1" smtClean="0">
+                <a:latin typeface="Arial" panose="020B0604020202020204" pitchFamily="34" charset="0"/>
+              </a:rPr>
+              <a:t>bagging</a:t>
+            </a:r>
+            <a:r>
+              <a:rPr lang="es-ES" altLang="en-US" sz="2000" dirty="0" smtClean="0">
+                <a:latin typeface="Arial" panose="020B0604020202020204" pitchFamily="34" charset="0"/>
+              </a:rPr>
+              <a:t> </a:t>
+            </a:r>
+          </a:p>
+          <a:p>
+            <a:pPr marL="342900" lvl="0" indent="-342900" eaLnBrk="0" fontAlgn="base" hangingPunct="0">
+              <a:spcBef>
+                <a:spcPct val="0"/>
+              </a:spcBef>
+              <a:spcAft>
+                <a:spcPct val="0"/>
+              </a:spcAft>
+              <a:buFont typeface="Arial" panose="020B0604020202020204" pitchFamily="34" charset="0"/>
+              <a:buChar char="•"/>
+            </a:pPr>
+            <a:r>
+              <a:rPr lang="es-ES" altLang="en-US" sz="2000" dirty="0">
+                <a:latin typeface="Arial" panose="020B0604020202020204" pitchFamily="34" charset="0"/>
+              </a:rPr>
+              <a:t>G</a:t>
+            </a:r>
+            <a:r>
+              <a:rPr lang="es-ES" altLang="en-US" sz="2000" dirty="0" smtClean="0">
+                <a:latin typeface="Arial" panose="020B0604020202020204" pitchFamily="34" charset="0"/>
+              </a:rPr>
+              <a:t>enerando muestras aleatorias. </a:t>
+            </a:r>
+          </a:p>
+          <a:p>
+            <a:pPr marL="342900" lvl="0" indent="-342900" eaLnBrk="0" fontAlgn="base" hangingPunct="0">
+              <a:spcBef>
+                <a:spcPct val="0"/>
+              </a:spcBef>
+              <a:spcAft>
+                <a:spcPct val="0"/>
+              </a:spcAft>
+              <a:buFont typeface="Arial" panose="020B0604020202020204" pitchFamily="34" charset="0"/>
+              <a:buChar char="•"/>
+            </a:pPr>
+            <a:r>
+              <a:rPr lang="es-ES" altLang="en-US" sz="2000" dirty="0" smtClean="0">
+                <a:latin typeface="Arial" panose="020B0604020202020204" pitchFamily="34" charset="0"/>
+              </a:rPr>
+              <a:t>Entrenar clasificadores.</a:t>
+            </a:r>
+          </a:p>
+          <a:p>
+            <a:pPr marL="342900" lvl="0" indent="-342900" eaLnBrk="0" fontAlgn="base" hangingPunct="0">
+              <a:spcBef>
+                <a:spcPct val="0"/>
+              </a:spcBef>
+              <a:spcAft>
+                <a:spcPct val="0"/>
+              </a:spcAft>
+              <a:buFont typeface="Arial" panose="020B0604020202020204" pitchFamily="34" charset="0"/>
+              <a:buChar char="•"/>
+            </a:pPr>
+            <a:r>
+              <a:rPr lang="es-ES" altLang="en-US" sz="2000" dirty="0" smtClean="0">
+                <a:latin typeface="Arial" panose="020B0604020202020204" pitchFamily="34" charset="0"/>
+              </a:rPr>
+              <a:t>Evaluar desempeños.</a:t>
+            </a:r>
+            <a:endParaRPr lang="es-ES" altLang="en-US" sz="2000" dirty="0">
+              <a:latin typeface="Arial" panose="020B0604020202020204" pitchFamily="34" charset="0"/>
+            </a:endParaRPr>
+          </a:p>
+        </p:txBody>
+      </p:sp>
+      <p:pic>
+        <p:nvPicPr>
+          <p:cNvPr id="5" name="Imagen 4"/>
+          <p:cNvPicPr>
+            <a:picLocks noChangeAspect="1"/>
+          </p:cNvPicPr>
+          <p:nvPr/>
+        </p:nvPicPr>
+        <p:blipFill>
+          <a:blip r:embed="rId2">
+            <a:extLst>
+              <a:ext uri="{28A0092B-C50C-407E-A947-70E740481C1C}">
+                <a14:useLocalDpi xmlns:a14="http://schemas.microsoft.com/office/drawing/2010/main" val="0"/>
+              </a:ext>
+            </a:extLst>
+          </a:blip>
+          <a:stretch>
+            <a:fillRect/>
+          </a:stretch>
+        </p:blipFill>
+        <p:spPr>
+          <a:xfrm>
+            <a:off x="3441078" y="2938832"/>
+            <a:ext cx="2389856" cy="2389856"/>
+          </a:xfrm>
+          <a:prstGeom prst="rect">
+            <a:avLst/>
+          </a:prstGeom>
+        </p:spPr>
+      </p:pic>
+    </p:spTree>
+    <p:extLst>
+      <p:ext uri="{BB962C8B-B14F-4D97-AF65-F5344CB8AC3E}">
+        <p14:creationId xmlns:p14="http://schemas.microsoft.com/office/powerpoint/2010/main" val="2709790406"/>
+      </p:ext>
+    </p:extLst>
+  </p:cSld>
+  <p:clrMapOvr>
+    <a:masterClrMapping/>
+  </p:clrMapOvr>
+</p:sld>
+</file>
+
+<file path=ppt/slides/slide15.xml><?xml version="1.0" encoding="utf-8"?>
+<p:sld xmlns:a="http://schemas.openxmlformats.org/drawingml/2006/main" xmlns:r="http://schemas.openxmlformats.org/officeDocument/2006/relationships" xmlns:p="http://schemas.openxmlformats.org/presentationml/2006/main">
+  <p:cSld>
+    <p:spTree>
+      <p:nvGrpSpPr>
+        <p:cNvPr id="1" name=""/>
+        <p:cNvGrpSpPr/>
+        <p:nvPr/>
+      </p:nvGrpSpPr>
+      <p:grpSpPr>
+        <a:xfrm>
+          <a:off x="0" y="0"/>
+          <a:ext cx="0" cy="0"/>
+          <a:chOff x="0" y="0"/>
+          <a:chExt cx="0" cy="0"/>
+        </a:xfrm>
+      </p:grpSpPr>
+      <p:sp>
+        <p:nvSpPr>
+          <p:cNvPr id="2" name="Shape 89"/>
+          <p:cNvSpPr txBox="1"/>
+          <p:nvPr/>
+        </p:nvSpPr>
+        <p:spPr>
+          <a:xfrm>
+            <a:off x="438912" y="636300"/>
+            <a:ext cx="8238743" cy="1058029"/>
+          </a:xfrm>
+          <a:prstGeom prst="rect">
+            <a:avLst/>
+          </a:prstGeom>
+          <a:noFill/>
+          <a:ln>
+            <a:noFill/>
+          </a:ln>
+        </p:spPr>
+        <p:txBody>
+          <a:bodyPr spcFirstLastPara="1" wrap="square" lIns="91425" tIns="45700" rIns="91425" bIns="45700" anchor="t" anchorCtr="0">
+            <a:noAutofit/>
+          </a:bodyPr>
+          <a:lstStyle/>
+          <a:p>
+            <a:pPr marL="0" marR="0" lvl="0" indent="0" algn="ctr" rtl="0">
+              <a:spcBef>
+                <a:spcPts val="0"/>
+              </a:spcBef>
+              <a:spcAft>
+                <a:spcPts val="0"/>
+              </a:spcAft>
+              <a:buNone/>
+            </a:pPr>
+            <a:r>
+              <a:rPr lang="es-ES" sz="6000" b="1" dirty="0" smtClean="0">
+                <a:solidFill>
+                  <a:srgbClr val="2F5496"/>
+                </a:solidFill>
+                <a:latin typeface="Helvetica Neue"/>
+                <a:ea typeface="Helvetica Neue"/>
+                <a:cs typeface="Helvetica Neue"/>
+                <a:sym typeface="Helvetica Neue"/>
+              </a:rPr>
+              <a:t>Referencias</a:t>
+            </a:r>
+            <a:endParaRPr sz="6000" b="1" dirty="0">
+              <a:solidFill>
+                <a:srgbClr val="2F5496"/>
+              </a:solidFill>
+              <a:latin typeface="Helvetica Neue"/>
+              <a:ea typeface="Helvetica Neue"/>
+              <a:cs typeface="Helvetica Neue"/>
+              <a:sym typeface="Helvetica Neue"/>
+            </a:endParaRPr>
+          </a:p>
+        </p:txBody>
+      </p:sp>
+      <p:sp>
+        <p:nvSpPr>
+          <p:cNvPr id="3" name="Rectangle 1"/>
+          <p:cNvSpPr>
+            <a:spLocks noChangeArrowheads="1"/>
+          </p:cNvSpPr>
+          <p:nvPr/>
+        </p:nvSpPr>
+        <p:spPr bwMode="auto">
+          <a:xfrm>
+            <a:off x="941831" y="2244920"/>
+            <a:ext cx="7735824" cy="2677656"/>
+          </a:xfrm>
+          <a:prstGeom prst="rect">
+            <a:avLst/>
+          </a:prstGeom>
+          <a:noFill/>
+          <a:ln>
+            <a:noFill/>
+          </a:ln>
+          <a:effectLst/>
+          <a:extLst>
+            <a:ext uri="{909E8E84-426E-40DD-AFC4-6F175D3DCCD1}">
+              <a14:hiddenFill xmlns:a14="http://schemas.microsoft.com/office/drawing/2010/main">
+                <a:solidFill>
+                  <a:schemeClr val="accent1"/>
+                </a:solidFill>
+              </a14:hiddenFill>
+            </a:ext>
+            <a:ext uri="{91240B29-F687-4F45-9708-019B960494DF}">
+              <a14:hiddenLine xmlns:a14="http://schemas.microsoft.com/office/drawing/2010/main" w="9525">
+                <a:solidFill>
+                  <a:schemeClr val="tx1"/>
+                </a:solidFill>
+                <a:miter lim="800000"/>
+                <a:headEnd/>
+                <a:tailEnd/>
+              </a14:hiddenLine>
+            </a:ext>
+            <a:ext uri="{AF507438-7753-43E0-B8FC-AC1667EBCBE1}">
+              <a14:hiddenEffects xmlns:a14="http://schemas.microsoft.com/office/drawing/2010/main">
+                <a:effectLst>
+                  <a:outerShdw dist="35921" dir="2700000" algn="ctr" rotWithShape="0">
+                    <a:schemeClr val="bg2"/>
+                  </a:outerShdw>
+                </a:effectLst>
+              </a14:hiddenEffects>
+            </a:ext>
+          </a:extLst>
+        </p:spPr>
+        <p:txBody>
+          <a:bodyPr vert="horz" wrap="square" lIns="91440" tIns="45720" rIns="91440" bIns="45720" numCol="1" anchor="ctr" anchorCtr="0" compatLnSpc="1">
+            <a:prstTxWarp prst="textNoShape">
+              <a:avLst/>
+            </a:prstTxWarp>
+            <a:spAutoFit/>
+          </a:bodyPr>
+          <a:lstStyle/>
+          <a:p>
+            <a:pPr marL="342900" indent="-342900">
+              <a:lnSpc>
+                <a:spcPct val="150000"/>
+              </a:lnSpc>
+              <a:buFont typeface="Arial" panose="020B0604020202020204" pitchFamily="34" charset="0"/>
+              <a:buChar char="•"/>
+            </a:pPr>
+            <a:r>
+              <a:rPr lang="en-US" sz="1600" dirty="0" err="1" smtClean="0">
+                <a:latin typeface="Arial" panose="020B0604020202020204" pitchFamily="34" charset="0"/>
+                <a:cs typeface="Arial" panose="020B0604020202020204" pitchFamily="34" charset="0"/>
+              </a:rPr>
+              <a:t>Raschka</a:t>
+            </a:r>
+            <a:r>
+              <a:rPr lang="en-US" sz="1600" dirty="0">
+                <a:latin typeface="Arial" panose="020B0604020202020204" pitchFamily="34" charset="0"/>
+                <a:cs typeface="Arial" panose="020B0604020202020204" pitchFamily="34" charset="0"/>
+              </a:rPr>
+              <a:t>, Sebastian. 2015. 22 Bangladesh Journal of Plant Taxonomy Python Machine Learning Unlock</a:t>
+            </a:r>
+            <a:r>
+              <a:rPr lang="en-US" sz="1600" dirty="0" smtClean="0">
+                <a:latin typeface="Arial" panose="020B0604020202020204" pitchFamily="34" charset="0"/>
+                <a:cs typeface="Arial" panose="020B0604020202020204" pitchFamily="34" charset="0"/>
+              </a:rPr>
+              <a:t>.</a:t>
+            </a:r>
+          </a:p>
+          <a:p>
+            <a:pPr marL="342900" indent="-342900">
+              <a:lnSpc>
+                <a:spcPct val="150000"/>
+              </a:lnSpc>
+              <a:buFont typeface="Arial" panose="020B0604020202020204" pitchFamily="34" charset="0"/>
+              <a:buChar char="•"/>
+            </a:pPr>
+            <a:r>
+              <a:rPr lang="en-US" altLang="en-US" sz="1600" dirty="0" smtClean="0">
+                <a:latin typeface="Arial Unicode MS"/>
+              </a:rPr>
+              <a:t>L</a:t>
+            </a:r>
+            <a:r>
+              <a:rPr lang="en-US" altLang="en-US" sz="1600" dirty="0">
+                <a:latin typeface="Arial Unicode MS"/>
+              </a:rPr>
+              <a:t>. </a:t>
+            </a:r>
+            <a:r>
+              <a:rPr lang="en-US" altLang="en-US" sz="1600" dirty="0" err="1">
+                <a:latin typeface="Arial Unicode MS"/>
+              </a:rPr>
+              <a:t>Breiman</a:t>
+            </a:r>
+            <a:r>
+              <a:rPr lang="en-US" altLang="en-US" sz="1600" dirty="0">
+                <a:latin typeface="Arial Unicode MS"/>
+              </a:rPr>
+              <a:t>, "Bagging predictors", Machine Learning, 24(2), 123-140, 1996. </a:t>
+            </a:r>
+            <a:endParaRPr lang="en-US" altLang="en-US" sz="1600" dirty="0" smtClean="0">
+              <a:latin typeface="Arial Unicode MS"/>
+            </a:endParaRPr>
+          </a:p>
+          <a:p>
+            <a:pPr marL="342900" indent="-342900">
+              <a:lnSpc>
+                <a:spcPct val="150000"/>
+              </a:lnSpc>
+              <a:buFont typeface="Arial" panose="020B0604020202020204" pitchFamily="34" charset="0"/>
+              <a:buChar char="•"/>
+            </a:pPr>
+            <a:r>
+              <a:rPr lang="en-US" altLang="en-US" sz="1600" dirty="0" smtClean="0">
+                <a:latin typeface="Arial Unicode MS"/>
+              </a:rPr>
+              <a:t>T</a:t>
+            </a:r>
+            <a:r>
+              <a:rPr lang="en-US" altLang="en-US" sz="1600" dirty="0">
+                <a:latin typeface="Arial Unicode MS"/>
+              </a:rPr>
+              <a:t>. Ho, "The random subspace method for constructing decision forests", Pattern Analysis and Machine Intelligence, 20(8), 832-844, 1998. </a:t>
+            </a:r>
+            <a:endParaRPr lang="en-US" altLang="en-US" sz="1600" dirty="0" smtClean="0">
+              <a:latin typeface="Arial Unicode MS"/>
+            </a:endParaRPr>
+          </a:p>
+          <a:p>
+            <a:pPr marL="342900" indent="-342900">
+              <a:lnSpc>
+                <a:spcPct val="150000"/>
+              </a:lnSpc>
+              <a:buFont typeface="Arial" panose="020B0604020202020204" pitchFamily="34" charset="0"/>
+              <a:buChar char="•"/>
+            </a:pPr>
+            <a:r>
+              <a:rPr lang="en-US" altLang="en-US" sz="1600" dirty="0" smtClean="0">
+                <a:latin typeface="Arial Unicode MS"/>
+              </a:rPr>
+              <a:t>G</a:t>
+            </a:r>
+            <a:r>
+              <a:rPr lang="en-US" altLang="en-US" sz="1600" dirty="0">
+                <a:latin typeface="Arial Unicode MS"/>
+              </a:rPr>
+              <a:t>. </a:t>
+            </a:r>
+            <a:r>
+              <a:rPr lang="en-US" altLang="en-US" sz="1600" dirty="0" err="1">
+                <a:latin typeface="Arial Unicode MS"/>
+              </a:rPr>
+              <a:t>Louppe</a:t>
+            </a:r>
+            <a:r>
+              <a:rPr lang="en-US" altLang="en-US" sz="1600" dirty="0">
+                <a:latin typeface="Arial Unicode MS"/>
+              </a:rPr>
+              <a:t> and P. </a:t>
+            </a:r>
+            <a:r>
+              <a:rPr lang="en-US" altLang="en-US" sz="1600" dirty="0" err="1">
+                <a:latin typeface="Arial Unicode MS"/>
+              </a:rPr>
+              <a:t>Geurts</a:t>
+            </a:r>
+            <a:r>
+              <a:rPr lang="en-US" altLang="en-US" sz="1600" dirty="0">
+                <a:latin typeface="Arial Unicode MS"/>
+              </a:rPr>
+              <a:t>, "Ensembles on Random Patches", Machine Learning and Knowledge Discovery in Databases, 346-361, 2012.</a:t>
+            </a:r>
+            <a:r>
+              <a:rPr lang="en-US" altLang="en-US" sz="1600" dirty="0"/>
+              <a:t> </a:t>
+            </a:r>
+            <a:endParaRPr lang="en-US" sz="2000" dirty="0">
+              <a:latin typeface="Arial" panose="020B0604020202020204" pitchFamily="34" charset="0"/>
+              <a:cs typeface="Arial" panose="020B0604020202020204" pitchFamily="34" charset="0"/>
+            </a:endParaRPr>
+          </a:p>
+        </p:txBody>
+      </p:sp>
+    </p:spTree>
+    <p:extLst>
+      <p:ext uri="{BB962C8B-B14F-4D97-AF65-F5344CB8AC3E}">
+        <p14:creationId xmlns:p14="http://schemas.microsoft.com/office/powerpoint/2010/main" val="195889328"/>
+      </p:ext>
+    </p:extLst>
+  </p:cSld>
+  <p:clrMapOvr>
+    <a:masterClrMapping/>
+  </p:clrMapOvr>
+</p:sld>
+</file>
+
 <file path=ppt/slides/slide2.xml><?xml version="1.0" encoding="utf-8"?>
 <p:sld xmlns:a="http://schemas.openxmlformats.org/drawingml/2006/main" xmlns:r="http://schemas.openxmlformats.org/officeDocument/2006/relationships" xmlns:p="http://schemas.openxmlformats.org/presentationml/2006/main">
   <p:cSld>
@@ -5466,8 +6327,8 @@
           </a:prstGeom>
         </p:spPr>
       </p:pic>
-      <mc:AlternateContent xmlns:mc="http://schemas.openxmlformats.org/markup-compatibility/2006">
-        <mc:Choice xmlns:a14="http://schemas.microsoft.com/office/drawing/2010/main" Requires="a14">
+      <mc:AlternateContent xmlns:mc="http://schemas.openxmlformats.org/markup-compatibility/2006" xmlns:a14="http://schemas.microsoft.com/office/drawing/2010/main">
+        <mc:Choice Requires="a14">
           <p:sp>
             <p:nvSpPr>
               <p:cNvPr id="5" name="CuadroTexto 4"/>
@@ -5656,7 +6517,7 @@
             </p:txBody>
           </p:sp>
         </mc:Choice>
-        <mc:Fallback>
+        <mc:Fallback xmlns="">
           <p:sp>
             <p:nvSpPr>
               <p:cNvPr id="5" name="CuadroTexto 4"/>

--- a/MetodosEnsamble.pptx
+++ b/MetodosEnsamble.pptx
@@ -5,7 +5,7 @@
     <p:sldMasterId id="2147483660" r:id="rId1"/>
   </p:sldMasterIdLst>
   <p:notesMasterIdLst>
-    <p:notesMasterId r:id="rId17"/>
+    <p:notesMasterId r:id="rId25"/>
   </p:notesMasterIdLst>
   <p:sldIdLst>
     <p:sldId id="258" r:id="rId2"/>
@@ -22,7 +22,15 @@
     <p:sldId id="270" r:id="rId13"/>
     <p:sldId id="271" r:id="rId14"/>
     <p:sldId id="273" r:id="rId15"/>
-    <p:sldId id="272" r:id="rId16"/>
+    <p:sldId id="274" r:id="rId16"/>
+    <p:sldId id="277" r:id="rId17"/>
+    <p:sldId id="278" r:id="rId18"/>
+    <p:sldId id="279" r:id="rId19"/>
+    <p:sldId id="281" r:id="rId20"/>
+    <p:sldId id="282" r:id="rId21"/>
+    <p:sldId id="275" r:id="rId22"/>
+    <p:sldId id="283" r:id="rId23"/>
+    <p:sldId id="272" r:id="rId24"/>
   </p:sldIdLst>
   <p:sldSz cx="9144000" cy="6858000" type="screen4x3"/>
   <p:notesSz cx="6858000" cy="9144000"/>
@@ -211,7 +219,7 @@
           <a:p>
             <a:fld id="{A5D6C492-64FF-48EE-8111-2FDC0DCD2CB4}" type="datetimeFigureOut">
               <a:rPr lang="en-US" smtClean="0"/>
-              <a:t>11/11/2018</a:t>
+              <a:t>11/18/2018</a:t>
             </a:fld>
             <a:endParaRPr lang="en-US"/>
           </a:p>
@@ -610,7 +618,7 @@
           <a:p>
             <a:fld id="{09382926-025C-4492-A007-36A806BCA0F4}" type="datetimeFigureOut">
               <a:rPr lang="es-ES" smtClean="0"/>
-              <a:t>11/11/2018</a:t>
+              <a:t>18/11/2018</a:t>
             </a:fld>
             <a:endParaRPr lang="es-ES"/>
           </a:p>
@@ -780,7 +788,7 @@
           <a:p>
             <a:fld id="{09382926-025C-4492-A007-36A806BCA0F4}" type="datetimeFigureOut">
               <a:rPr lang="es-ES" smtClean="0"/>
-              <a:t>11/11/2018</a:t>
+              <a:t>18/11/2018</a:t>
             </a:fld>
             <a:endParaRPr lang="es-ES"/>
           </a:p>
@@ -960,7 +968,7 @@
           <a:p>
             <a:fld id="{09382926-025C-4492-A007-36A806BCA0F4}" type="datetimeFigureOut">
               <a:rPr lang="es-ES" smtClean="0"/>
-              <a:t>11/11/2018</a:t>
+              <a:t>18/11/2018</a:t>
             </a:fld>
             <a:endParaRPr lang="es-ES"/>
           </a:p>
@@ -1130,7 +1138,7 @@
           <a:p>
             <a:fld id="{09382926-025C-4492-A007-36A806BCA0F4}" type="datetimeFigureOut">
               <a:rPr lang="es-ES" smtClean="0"/>
-              <a:t>11/11/2018</a:t>
+              <a:t>18/11/2018</a:t>
             </a:fld>
             <a:endParaRPr lang="es-ES"/>
           </a:p>
@@ -1374,7 +1382,7 @@
           <a:p>
             <a:fld id="{09382926-025C-4492-A007-36A806BCA0F4}" type="datetimeFigureOut">
               <a:rPr lang="es-ES" smtClean="0"/>
-              <a:t>11/11/2018</a:t>
+              <a:t>18/11/2018</a:t>
             </a:fld>
             <a:endParaRPr lang="es-ES"/>
           </a:p>
@@ -1606,7 +1614,7 @@
           <a:p>
             <a:fld id="{09382926-025C-4492-A007-36A806BCA0F4}" type="datetimeFigureOut">
               <a:rPr lang="es-ES" smtClean="0"/>
-              <a:t>11/11/2018</a:t>
+              <a:t>18/11/2018</a:t>
             </a:fld>
             <a:endParaRPr lang="es-ES"/>
           </a:p>
@@ -1973,7 +1981,7 @@
           <a:p>
             <a:fld id="{09382926-025C-4492-A007-36A806BCA0F4}" type="datetimeFigureOut">
               <a:rPr lang="es-ES" smtClean="0"/>
-              <a:t>11/11/2018</a:t>
+              <a:t>18/11/2018</a:t>
             </a:fld>
             <a:endParaRPr lang="es-ES"/>
           </a:p>
@@ -2091,7 +2099,7 @@
           <a:p>
             <a:fld id="{09382926-025C-4492-A007-36A806BCA0F4}" type="datetimeFigureOut">
               <a:rPr lang="es-ES" smtClean="0"/>
-              <a:t>11/11/2018</a:t>
+              <a:t>18/11/2018</a:t>
             </a:fld>
             <a:endParaRPr lang="es-ES"/>
           </a:p>
@@ -2186,7 +2194,7 @@
           <a:p>
             <a:fld id="{09382926-025C-4492-A007-36A806BCA0F4}" type="datetimeFigureOut">
               <a:rPr lang="es-ES" smtClean="0"/>
-              <a:t>11/11/2018</a:t>
+              <a:t>18/11/2018</a:t>
             </a:fld>
             <a:endParaRPr lang="es-ES"/>
           </a:p>
@@ -2463,7 +2471,7 @@
           <a:p>
             <a:fld id="{09382926-025C-4492-A007-36A806BCA0F4}" type="datetimeFigureOut">
               <a:rPr lang="es-ES" smtClean="0"/>
-              <a:t>11/11/2018</a:t>
+              <a:t>18/11/2018</a:t>
             </a:fld>
             <a:endParaRPr lang="es-ES"/>
           </a:p>
@@ -2720,7 +2728,7 @@
           <a:p>
             <a:fld id="{09382926-025C-4492-A007-36A806BCA0F4}" type="datetimeFigureOut">
               <a:rPr lang="es-ES" smtClean="0"/>
-              <a:t>11/11/2018</a:t>
+              <a:t>18/11/2018</a:t>
             </a:fld>
             <a:endParaRPr lang="es-ES"/>
           </a:p>
@@ -2942,7 +2950,7 @@
           <a:p>
             <a:fld id="{09382926-025C-4492-A007-36A806BCA0F4}" type="datetimeFigureOut">
               <a:rPr lang="es-ES" smtClean="0"/>
-              <a:t>11/11/2018</a:t>
+              <a:t>18/11/2018</a:t>
             </a:fld>
             <a:endParaRPr lang="es-ES"/>
           </a:p>
@@ -4707,14 +4715,14 @@
       </p:grpSpPr>
       <p:sp>
         <p:nvSpPr>
-          <p:cNvPr id="2" name="Shape 89"/>
+          <p:cNvPr id="3" name="Shape 89"/>
           <p:cNvSpPr txBox="1"/>
           <p:nvPr/>
         </p:nvSpPr>
         <p:spPr>
           <a:xfrm>
-            <a:off x="438912" y="636300"/>
-            <a:ext cx="8238743" cy="1058029"/>
+            <a:off x="1091533" y="354557"/>
+            <a:ext cx="6919783" cy="584775"/>
           </a:xfrm>
           <a:prstGeom prst="rect">
             <a:avLst/>
@@ -4730,42 +4738,134 @@
           </a:bodyPr>
           <a:lstStyle/>
           <a:p>
-            <a:pPr marL="0" marR="0" lvl="0" indent="0" algn="ctr" rtl="0">
-              <a:spcBef>
-                <a:spcPts val="0"/>
-              </a:spcBef>
-              <a:spcAft>
-                <a:spcPts val="0"/>
-              </a:spcAft>
-              <a:buNone/>
-            </a:pPr>
-            <a:r>
-              <a:rPr lang="es-ES" sz="6000" b="1" dirty="0" smtClean="0">
+            <a:pPr algn="ctr"/>
+            <a:r>
+              <a:rPr lang="es-ES" altLang="en-US" sz="3200" b="1" dirty="0" err="1" smtClean="0">
                 <a:solidFill>
                   <a:srgbClr val="2F5496"/>
                 </a:solidFill>
                 <a:latin typeface="Helvetica Neue"/>
                 <a:ea typeface="Helvetica Neue"/>
                 <a:cs typeface="Helvetica Neue"/>
-                <a:sym typeface="Helvetica Neue"/>
-              </a:rPr>
-              <a:t>Referencias</a:t>
-            </a:r>
-            <a:endParaRPr sz="6000" b="1" dirty="0">
+              </a:rPr>
+              <a:t>Boosting</a:t>
+            </a:r>
+            <a:endParaRPr lang="en-US" sz="3200" b="1" dirty="0">
               <a:solidFill>
                 <a:srgbClr val="2F5496"/>
               </a:solidFill>
               <a:latin typeface="Helvetica Neue"/>
               <a:ea typeface="Helvetica Neue"/>
               <a:cs typeface="Helvetica Neue"/>
-              <a:sym typeface="Helvetica Neue"/>
             </a:endParaRPr>
           </a:p>
         </p:txBody>
       </p:sp>
-      <p:sp>
-        <p:nvSpPr>
-          <p:cNvPr id="3" name="Rectangle 1"/>
+      <p:pic>
+        <p:nvPicPr>
+          <p:cNvPr id="4" name="Imagen 3"/>
+          <p:cNvPicPr>
+            <a:picLocks noChangeAspect="1"/>
+          </p:cNvPicPr>
+          <p:nvPr/>
+        </p:nvPicPr>
+        <p:blipFill>
+          <a:blip r:embed="rId2"/>
+          <a:stretch>
+            <a:fillRect/>
+          </a:stretch>
+        </p:blipFill>
+        <p:spPr>
+          <a:xfrm>
+            <a:off x="2368294" y="1255324"/>
+            <a:ext cx="4366260" cy="3827216"/>
+          </a:xfrm>
+          <a:prstGeom prst="rect">
+            <a:avLst/>
+          </a:prstGeom>
+        </p:spPr>
+      </p:pic>
+    </p:spTree>
+    <p:extLst>
+      <p:ext uri="{BB962C8B-B14F-4D97-AF65-F5344CB8AC3E}">
+        <p14:creationId xmlns:p14="http://schemas.microsoft.com/office/powerpoint/2010/main" val="1132929615"/>
+      </p:ext>
+    </p:extLst>
+  </p:cSld>
+  <p:clrMapOvr>
+    <a:masterClrMapping/>
+  </p:clrMapOvr>
+</p:sld>
+</file>
+
+<file path=ppt/slides/slide16.xml><?xml version="1.0" encoding="utf-8"?>
+<p:sld xmlns:a="http://schemas.openxmlformats.org/drawingml/2006/main" xmlns:r="http://schemas.openxmlformats.org/officeDocument/2006/relationships" xmlns:p="http://schemas.openxmlformats.org/presentationml/2006/main">
+  <p:cSld>
+    <p:spTree>
+      <p:nvGrpSpPr>
+        <p:cNvPr id="1" name=""/>
+        <p:cNvGrpSpPr/>
+        <p:nvPr/>
+      </p:nvGrpSpPr>
+      <p:grpSpPr>
+        <a:xfrm>
+          <a:off x="0" y="0"/>
+          <a:ext cx="0" cy="0"/>
+          <a:chOff x="0" y="0"/>
+          <a:chExt cx="0" cy="0"/>
+        </a:xfrm>
+      </p:grpSpPr>
+      <p:sp>
+        <p:nvSpPr>
+          <p:cNvPr id="2" name="Shape 89"/>
+          <p:cNvSpPr txBox="1"/>
+          <p:nvPr/>
+        </p:nvSpPr>
+        <p:spPr>
+          <a:xfrm>
+            <a:off x="1091533" y="354557"/>
+            <a:ext cx="6919783" cy="584775"/>
+          </a:xfrm>
+          <a:prstGeom prst="rect">
+            <a:avLst/>
+          </a:prstGeom>
+          <a:noFill/>
+          <a:ln>
+            <a:noFill/>
+          </a:ln>
+        </p:spPr>
+        <p:txBody>
+          <a:bodyPr spcFirstLastPara="1" wrap="square" lIns="91425" tIns="45700" rIns="91425" bIns="45700" anchor="t" anchorCtr="0">
+            <a:noAutofit/>
+          </a:bodyPr>
+          <a:lstStyle/>
+          <a:p>
+            <a:pPr algn="ctr"/>
+            <a:r>
+              <a:rPr lang="es-ES" altLang="en-US" sz="3200" b="1" dirty="0" err="1" smtClean="0">
+                <a:solidFill>
+                  <a:srgbClr val="2F5496"/>
+                </a:solidFill>
+                <a:latin typeface="Helvetica Neue"/>
+                <a:ea typeface="Helvetica Neue"/>
+                <a:cs typeface="Helvetica Neue"/>
+              </a:rPr>
+              <a:t>Boosting</a:t>
+            </a:r>
+            <a:endParaRPr lang="en-US" sz="3200" b="1" dirty="0">
+              <a:solidFill>
+                <a:srgbClr val="2F5496"/>
+              </a:solidFill>
+              <a:latin typeface="Helvetica Neue"/>
+              <a:ea typeface="Helvetica Neue"/>
+              <a:cs typeface="Helvetica Neue"/>
+            </a:endParaRPr>
+          </a:p>
+        </p:txBody>
+      </p:sp>
+      <p:sp>
+        <p:nvSpPr>
+          <p:cNvPr id="5" name="Rectangle 1"/>
           <p:cNvSpPr>
             <a:spLocks noChangeArrowheads="1"/>
           </p:cNvSpPr>
@@ -4773,8 +4873,8 @@
         </p:nvSpPr>
         <p:spPr bwMode="auto">
           <a:xfrm>
-            <a:off x="941831" y="2244920"/>
-            <a:ext cx="7735824" cy="2677656"/>
+            <a:off x="683512" y="1095209"/>
+            <a:ext cx="7735824" cy="2769989"/>
           </a:xfrm>
           <a:prstGeom prst="rect">
             <a:avLst/>
@@ -4822,143 +4922,105 @@
           </a:bodyPr>
           <a:lstStyle/>
           <a:p>
-            <a:pPr marL="342900" indent="-342900">
+            <a:pPr marL="285750" lvl="0" indent="-285750" algn="just" eaLnBrk="0" fontAlgn="base" hangingPunct="0">
               <a:lnSpc>
                 <a:spcPct val="150000"/>
               </a:lnSpc>
+              <a:spcBef>
+                <a:spcPct val="0"/>
+              </a:spcBef>
+              <a:spcAft>
+                <a:spcPct val="0"/>
+              </a:spcAft>
               <a:buFont typeface="Arial" panose="020B0604020202020204" pitchFamily="34" charset="0"/>
               <a:buChar char="•"/>
             </a:pPr>
             <a:r>
-              <a:rPr lang="en-US" sz="1600" dirty="0" err="1" smtClean="0">
-                <a:latin typeface="Arial" panose="020B0604020202020204" pitchFamily="34" charset="0"/>
-                <a:cs typeface="Arial" panose="020B0604020202020204" pitchFamily="34" charset="0"/>
-              </a:rPr>
-              <a:t>Raschka</a:t>
-            </a:r>
-            <a:r>
-              <a:rPr lang="en-US" sz="1600" dirty="0">
-                <a:latin typeface="Arial" panose="020B0604020202020204" pitchFamily="34" charset="0"/>
-                <a:cs typeface="Arial" panose="020B0604020202020204" pitchFamily="34" charset="0"/>
-              </a:rPr>
-              <a:t>, Sebastian. 2015. 22 Bangladesh Journal of Plant Taxonomy Python Machine Learning Unlock</a:t>
-            </a:r>
-            <a:r>
-              <a:rPr lang="en-US" sz="1600" dirty="0" smtClean="0">
-                <a:latin typeface="Arial" panose="020B0604020202020204" pitchFamily="34" charset="0"/>
-                <a:cs typeface="Arial" panose="020B0604020202020204" pitchFamily="34" charset="0"/>
-              </a:rPr>
-              <a:t>.</a:t>
-            </a:r>
-          </a:p>
-          <a:p>
-            <a:pPr marL="342900" indent="-342900">
+              <a:rPr lang="es-ES" altLang="en-US" sz="1600" dirty="0" smtClean="0">
+                <a:latin typeface="Arial Unicode MS"/>
+              </a:rPr>
+              <a:t>N </a:t>
+            </a:r>
+            <a:r>
+              <a:rPr lang="es-ES" altLang="en-US" sz="1600" dirty="0">
+                <a:latin typeface="Arial Unicode MS"/>
+              </a:rPr>
+              <a:t>nuevos conjuntos de datos de entrenamiento se producen por muestreo aleatorio con reemplazo del conjunto original. </a:t>
+            </a:r>
+            <a:endParaRPr lang="es-ES" altLang="en-US" sz="1600" dirty="0" smtClean="0">
+              <a:latin typeface="Arial Unicode MS"/>
+            </a:endParaRPr>
+          </a:p>
+          <a:p>
+            <a:pPr marL="285750" lvl="0" indent="-285750" algn="just" eaLnBrk="0" fontAlgn="base" hangingPunct="0">
               <a:lnSpc>
                 <a:spcPct val="150000"/>
               </a:lnSpc>
+              <a:spcBef>
+                <a:spcPct val="0"/>
+              </a:spcBef>
+              <a:spcAft>
+                <a:spcPct val="0"/>
+              </a:spcAft>
               <a:buFont typeface="Arial" panose="020B0604020202020204" pitchFamily="34" charset="0"/>
               <a:buChar char="•"/>
             </a:pPr>
             <a:r>
-              <a:rPr lang="en-US" altLang="en-US" sz="1600" dirty="0" smtClean="0">
-                <a:latin typeface="Arial Unicode MS"/>
-              </a:rPr>
-              <a:t>L</a:t>
-            </a:r>
-            <a:r>
-              <a:rPr lang="en-US" altLang="en-US" sz="1600" dirty="0">
-                <a:latin typeface="Arial Unicode MS"/>
-              </a:rPr>
-              <a:t>. </a:t>
-            </a:r>
-            <a:r>
-              <a:rPr lang="en-US" altLang="en-US" sz="1600" dirty="0" err="1">
-                <a:latin typeface="Arial Unicode MS"/>
-              </a:rPr>
-              <a:t>Breiman</a:t>
-            </a:r>
-            <a:r>
-              <a:rPr lang="en-US" altLang="en-US" sz="1600" dirty="0">
-                <a:latin typeface="Arial Unicode MS"/>
-              </a:rPr>
-              <a:t>, "Bagging predictors", Machine Learning, 24(2), 123-140, 1996. </a:t>
-            </a:r>
-            <a:endParaRPr lang="en-US" altLang="en-US" sz="1600" dirty="0" smtClean="0">
-              <a:latin typeface="Arial Unicode MS"/>
+              <a:rPr lang="es-ES" altLang="en-US" sz="1600" dirty="0" smtClean="0">
+                <a:latin typeface="Arial Unicode MS"/>
+              </a:rPr>
+              <a:t>En </a:t>
+            </a:r>
+            <a:r>
+              <a:rPr lang="es-ES" altLang="en-US" sz="1600" dirty="0">
+                <a:latin typeface="Arial Unicode MS"/>
+              </a:rPr>
+              <a:t>el caso de </a:t>
+            </a:r>
+            <a:r>
+              <a:rPr lang="es-ES" altLang="en-US" sz="1600" dirty="0" err="1" smtClean="0">
+                <a:latin typeface="Arial Unicode MS"/>
+              </a:rPr>
+              <a:t>Bagging</a:t>
+            </a:r>
+            <a:r>
+              <a:rPr lang="es-ES" altLang="en-US" sz="1600" dirty="0" smtClean="0">
+                <a:latin typeface="Arial Unicode MS"/>
+              </a:rPr>
+              <a:t>, </a:t>
+            </a:r>
+            <a:r>
+              <a:rPr lang="es-ES" altLang="en-US" sz="1600" dirty="0">
+                <a:latin typeface="Arial Unicode MS"/>
+              </a:rPr>
+              <a:t>cualquier elemento tiene la misma probabilidad de aparecer en un nuevo conjunto de datos. Sin embargo, para </a:t>
+            </a:r>
+            <a:r>
+              <a:rPr lang="es-ES" altLang="en-US" sz="1600" dirty="0" err="1">
+                <a:latin typeface="Arial Unicode MS"/>
+              </a:rPr>
+              <a:t>Boosting</a:t>
+            </a:r>
+            <a:r>
+              <a:rPr lang="es-ES" altLang="en-US" sz="1600" dirty="0">
+                <a:latin typeface="Arial Unicode MS"/>
+              </a:rPr>
+              <a:t>, las observaciones se ponderan y, por lo tanto, algunas de ellas participarán en los nuevos conjuntos con mayor frecuencia:</a:t>
+            </a:r>
+            <a:r>
+              <a:rPr lang="es-ES" altLang="en-US" sz="1600" dirty="0"/>
+              <a:t> </a:t>
+            </a:r>
+            <a:endParaRPr lang="es-ES" altLang="en-US" sz="1600" dirty="0">
+              <a:latin typeface="Arial" panose="020B0604020202020204" pitchFamily="34" charset="0"/>
             </a:endParaRPr>
           </a:p>
           <a:p>
-            <a:pPr marL="342900" indent="-342900">
+            <a:pPr>
               <a:lnSpc>
                 <a:spcPct val="150000"/>
               </a:lnSpc>
-              <a:buFont typeface="Arial" panose="020B0604020202020204" pitchFamily="34" charset="0"/>
-              <a:buChar char="•"/>
             </a:pPr>
-            <a:r>
-              <a:rPr lang="en-US" altLang="en-US" sz="1600" dirty="0" smtClean="0">
-                <a:latin typeface="Arial Unicode MS"/>
-              </a:rPr>
-              <a:t>T</a:t>
-            </a:r>
-            <a:r>
-              <a:rPr lang="en-US" altLang="en-US" sz="1600" dirty="0">
-                <a:latin typeface="Arial Unicode MS"/>
-              </a:rPr>
-              <a:t>. Ho, "The random subspace method for constructing decision forests", Pattern Analysis and Machine Intelligence, 20(8), 832-844, 1998. </a:t>
-            </a:r>
-            <a:endParaRPr lang="en-US" altLang="en-US" sz="1600" dirty="0" smtClean="0">
-              <a:latin typeface="Arial Unicode MS"/>
-            </a:endParaRPr>
-          </a:p>
-          <a:p>
-            <a:pPr marL="342900" indent="-342900">
-              <a:lnSpc>
-                <a:spcPct val="150000"/>
-              </a:lnSpc>
-              <a:buFont typeface="Arial" panose="020B0604020202020204" pitchFamily="34" charset="0"/>
-              <a:buChar char="•"/>
-            </a:pPr>
-            <a:r>
-              <a:rPr lang="en-US" altLang="en-US" sz="1600" dirty="0" smtClean="0">
-                <a:latin typeface="Arial Unicode MS"/>
-              </a:rPr>
-              <a:t>G</a:t>
-            </a:r>
-            <a:r>
-              <a:rPr lang="en-US" altLang="en-US" sz="1600" dirty="0">
-                <a:latin typeface="Arial Unicode MS"/>
-              </a:rPr>
-              <a:t>. </a:t>
-            </a:r>
-            <a:r>
-              <a:rPr lang="en-US" altLang="en-US" sz="1600" dirty="0" err="1">
-                <a:latin typeface="Arial Unicode MS"/>
-              </a:rPr>
-              <a:t>Louppe</a:t>
-            </a:r>
-            <a:r>
-              <a:rPr lang="en-US" altLang="en-US" sz="1600" dirty="0">
-                <a:latin typeface="Arial Unicode MS"/>
-              </a:rPr>
-              <a:t> and P. </a:t>
-            </a:r>
-            <a:r>
-              <a:rPr lang="en-US" altLang="en-US" sz="1600" dirty="0" err="1">
-                <a:latin typeface="Arial Unicode MS"/>
-              </a:rPr>
-              <a:t>Geurts</a:t>
-            </a:r>
-            <a:r>
-              <a:rPr lang="en-US" altLang="en-US" sz="1600" dirty="0">
-                <a:latin typeface="Arial Unicode MS"/>
-              </a:rPr>
-              <a:t>, "Ensembles on Random Patches", Machine Learning and Knowledge Discovery in Databases, 346-361, 2012.</a:t>
-            </a:r>
-            <a:r>
-              <a:rPr lang="en-US" altLang="en-US" sz="1600" dirty="0"/>
-              <a:t> </a:t>
-            </a:r>
             <a:endParaRPr lang="en-US" sz="2000" dirty="0">
               <a:latin typeface="Arial" panose="020B0604020202020204" pitchFamily="34" charset="0"/>
               <a:cs typeface="Arial" panose="020B0604020202020204" pitchFamily="34" charset="0"/>
@@ -4966,10 +5028,814 @@
           </a:p>
         </p:txBody>
       </p:sp>
+      <p:pic>
+        <p:nvPicPr>
+          <p:cNvPr id="6" name="Imagen 5"/>
+          <p:cNvPicPr>
+            <a:picLocks noChangeAspect="1"/>
+          </p:cNvPicPr>
+          <p:nvPr/>
+        </p:nvPicPr>
+        <p:blipFill>
+          <a:blip r:embed="rId2"/>
+          <a:stretch>
+            <a:fillRect/>
+          </a:stretch>
+        </p:blipFill>
+        <p:spPr>
+          <a:xfrm>
+            <a:off x="1854135" y="3499866"/>
+            <a:ext cx="5945698" cy="2271244"/>
+          </a:xfrm>
+          <a:prstGeom prst="rect">
+            <a:avLst/>
+          </a:prstGeom>
+        </p:spPr>
+      </p:pic>
     </p:spTree>
     <p:extLst>
       <p:ext uri="{BB962C8B-B14F-4D97-AF65-F5344CB8AC3E}">
-        <p14:creationId xmlns:p14="http://schemas.microsoft.com/office/powerpoint/2010/main" val="195889328"/>
+        <p14:creationId xmlns:p14="http://schemas.microsoft.com/office/powerpoint/2010/main" val="192469559"/>
+      </p:ext>
+    </p:extLst>
+  </p:cSld>
+  <p:clrMapOvr>
+    <a:masterClrMapping/>
+  </p:clrMapOvr>
+</p:sld>
+</file>
+
+<file path=ppt/slides/slide17.xml><?xml version="1.0" encoding="utf-8"?>
+<p:sld xmlns:a="http://schemas.openxmlformats.org/drawingml/2006/main" xmlns:r="http://schemas.openxmlformats.org/officeDocument/2006/relationships" xmlns:p="http://schemas.openxmlformats.org/presentationml/2006/main">
+  <p:cSld>
+    <p:spTree>
+      <p:nvGrpSpPr>
+        <p:cNvPr id="1" name=""/>
+        <p:cNvGrpSpPr/>
+        <p:nvPr/>
+      </p:nvGrpSpPr>
+      <p:grpSpPr>
+        <a:xfrm>
+          <a:off x="0" y="0"/>
+          <a:ext cx="0" cy="0"/>
+          <a:chOff x="0" y="0"/>
+          <a:chExt cx="0" cy="0"/>
+        </a:xfrm>
+      </p:grpSpPr>
+      <p:sp>
+        <p:nvSpPr>
+          <p:cNvPr id="2" name="Shape 89"/>
+          <p:cNvSpPr txBox="1"/>
+          <p:nvPr/>
+        </p:nvSpPr>
+        <p:spPr>
+          <a:xfrm>
+            <a:off x="1091533" y="354557"/>
+            <a:ext cx="6919783" cy="584775"/>
+          </a:xfrm>
+          <a:prstGeom prst="rect">
+            <a:avLst/>
+          </a:prstGeom>
+          <a:noFill/>
+          <a:ln>
+            <a:noFill/>
+          </a:ln>
+        </p:spPr>
+        <p:txBody>
+          <a:bodyPr spcFirstLastPara="1" wrap="square" lIns="91425" tIns="45700" rIns="91425" bIns="45700" anchor="t" anchorCtr="0">
+            <a:noAutofit/>
+          </a:bodyPr>
+          <a:lstStyle/>
+          <a:p>
+            <a:pPr algn="ctr"/>
+            <a:r>
+              <a:rPr lang="es-ES" altLang="en-US" sz="3200" b="1" dirty="0" err="1" smtClean="0">
+                <a:solidFill>
+                  <a:srgbClr val="2F5496"/>
+                </a:solidFill>
+                <a:latin typeface="Helvetica Neue"/>
+                <a:ea typeface="Helvetica Neue"/>
+                <a:cs typeface="Helvetica Neue"/>
+              </a:rPr>
+              <a:t>Boosting</a:t>
+            </a:r>
+            <a:endParaRPr lang="en-US" sz="3200" b="1" dirty="0">
+              <a:solidFill>
+                <a:srgbClr val="2F5496"/>
+              </a:solidFill>
+              <a:latin typeface="Helvetica Neue"/>
+              <a:ea typeface="Helvetica Neue"/>
+              <a:cs typeface="Helvetica Neue"/>
+            </a:endParaRPr>
+          </a:p>
+        </p:txBody>
+      </p:sp>
+      <p:sp>
+        <p:nvSpPr>
+          <p:cNvPr id="5" name="Rectangle 1"/>
+          <p:cNvSpPr>
+            <a:spLocks noChangeArrowheads="1"/>
+          </p:cNvSpPr>
+          <p:nvPr/>
+        </p:nvSpPr>
+        <p:spPr bwMode="auto">
+          <a:xfrm>
+            <a:off x="774951" y="1101156"/>
+            <a:ext cx="7735824" cy="3508653"/>
+          </a:xfrm>
+          <a:prstGeom prst="rect">
+            <a:avLst/>
+          </a:prstGeom>
+          <a:noFill/>
+          <a:ln>
+            <a:noFill/>
+          </a:ln>
+          <a:effectLst/>
+          <a:extLst>
+            <a:ext uri="{909E8E84-426E-40DD-AFC4-6F175D3DCCD1}">
+              <a14:hiddenFill xmlns:a14="http://schemas.microsoft.com/office/drawing/2010/main">
+                <a:solidFill>
+                  <a:schemeClr val="accent1"/>
+                </a:solidFill>
+              </a14:hiddenFill>
+            </a:ext>
+            <a:ext uri="{91240B29-F687-4F45-9708-019B960494DF}">
+              <a14:hiddenLine xmlns:a14="http://schemas.microsoft.com/office/drawing/2010/main" w="9525">
+                <a:solidFill>
+                  <a:schemeClr val="tx1"/>
+                </a:solidFill>
+                <a:miter lim="800000"/>
+                <a:headEnd/>
+                <a:tailEnd/>
+              </a14:hiddenLine>
+            </a:ext>
+            <a:ext uri="{AF507438-7753-43E0-B8FC-AC1667EBCBE1}">
+              <a14:hiddenEffects xmlns:a14="http://schemas.microsoft.com/office/drawing/2010/main">
+                <a:effectLst>
+                  <a:outerShdw dist="35921" dir="2700000" algn="ctr" rotWithShape="0">
+                    <a:schemeClr val="bg2"/>
+                  </a:outerShdw>
+                </a:effectLst>
+              </a14:hiddenEffects>
+            </a:ext>
+          </a:extLst>
+        </p:spPr>
+        <p:txBody>
+          <a:bodyPr vert="horz" wrap="square" lIns="91440" tIns="45720" rIns="91440" bIns="45720" numCol="1" anchor="ctr" anchorCtr="0" compatLnSpc="1">
+            <a:prstTxWarp prst="textNoShape">
+              <a:avLst/>
+            </a:prstTxWarp>
+            <a:spAutoFit/>
+          </a:bodyPr>
+          <a:lstStyle/>
+          <a:p>
+            <a:pPr marL="285750" lvl="0" indent="-285750" algn="just" eaLnBrk="0" fontAlgn="base" hangingPunct="0">
+              <a:lnSpc>
+                <a:spcPct val="150000"/>
+              </a:lnSpc>
+              <a:spcBef>
+                <a:spcPct val="0"/>
+              </a:spcBef>
+              <a:spcAft>
+                <a:spcPct val="0"/>
+              </a:spcAft>
+              <a:buFont typeface="Arial" panose="020B0604020202020204" pitchFamily="34" charset="0"/>
+              <a:buChar char="•"/>
+            </a:pPr>
+            <a:r>
+              <a:rPr lang="es-ES" altLang="en-US" sz="1600" dirty="0" smtClean="0">
+                <a:latin typeface="Arial Unicode MS"/>
+              </a:rPr>
+              <a:t>Mientras </a:t>
+            </a:r>
+            <a:r>
+              <a:rPr lang="es-ES" altLang="en-US" sz="1600" dirty="0">
+                <a:latin typeface="Arial Unicode MS"/>
+              </a:rPr>
+              <a:t>que la etapa de entrenamiento es paralela para el </a:t>
+            </a:r>
+            <a:r>
+              <a:rPr lang="es-ES" altLang="en-US" sz="1600" dirty="0" err="1" smtClean="0">
+                <a:latin typeface="Arial Unicode MS"/>
+              </a:rPr>
+              <a:t>Bagging</a:t>
+            </a:r>
+            <a:r>
+              <a:rPr lang="es-ES" altLang="en-US" sz="1600" dirty="0" smtClean="0">
+                <a:latin typeface="Arial Unicode MS"/>
+              </a:rPr>
+              <a:t> </a:t>
+            </a:r>
+            <a:r>
+              <a:rPr lang="es-ES" altLang="en-US" sz="1600" dirty="0">
+                <a:latin typeface="Arial Unicode MS"/>
+              </a:rPr>
+              <a:t>(es decir, cada modelo se construye de forma independiente), </a:t>
+            </a:r>
+            <a:r>
+              <a:rPr lang="es-ES" altLang="en-US" sz="1600" dirty="0" err="1">
+                <a:latin typeface="Arial Unicode MS"/>
+              </a:rPr>
+              <a:t>Boosting</a:t>
+            </a:r>
+            <a:r>
+              <a:rPr lang="es-ES" altLang="en-US" sz="1600" dirty="0">
+                <a:latin typeface="Arial Unicode MS"/>
+              </a:rPr>
+              <a:t> construye al </a:t>
+            </a:r>
+            <a:r>
+              <a:rPr lang="es-ES" altLang="en-US" sz="1600" dirty="0" smtClean="0">
+                <a:latin typeface="Arial Unicode MS"/>
+              </a:rPr>
+              <a:t>modelos de </a:t>
+            </a:r>
+            <a:r>
+              <a:rPr lang="es-ES" altLang="en-US" sz="1600" dirty="0">
+                <a:latin typeface="Arial Unicode MS"/>
+              </a:rPr>
+              <a:t>manera </a:t>
+            </a:r>
+            <a:r>
+              <a:rPr lang="es-ES" altLang="en-US" sz="1600" dirty="0" smtClean="0">
+                <a:latin typeface="Arial Unicode MS"/>
+              </a:rPr>
+              <a:t>secuencial teniendo en cuenta modelos previos.</a:t>
+            </a:r>
+          </a:p>
+          <a:p>
+            <a:pPr marL="285750" indent="-285750" algn="just" eaLnBrk="0" fontAlgn="base" hangingPunct="0">
+              <a:lnSpc>
+                <a:spcPct val="150000"/>
+              </a:lnSpc>
+              <a:spcBef>
+                <a:spcPct val="0"/>
+              </a:spcBef>
+              <a:spcAft>
+                <a:spcPct val="0"/>
+              </a:spcAft>
+              <a:buFont typeface="Arial" panose="020B0604020202020204" pitchFamily="34" charset="0"/>
+              <a:buChar char="•"/>
+            </a:pPr>
+            <a:r>
+              <a:rPr lang="es-ES" altLang="en-US" sz="1600" dirty="0" smtClean="0">
+                <a:latin typeface="Arial Unicode MS"/>
+              </a:rPr>
+              <a:t>Después </a:t>
+            </a:r>
+            <a:r>
+              <a:rPr lang="es-ES" altLang="en-US" sz="1600" dirty="0">
+                <a:latin typeface="Arial Unicode MS"/>
+              </a:rPr>
+              <a:t>de cada paso de entrenamiento, los pesos se redistribuyen. Los datos mal clasificados aumentan su peso para enfatizar los casos más difíciles. De esta manera, los </a:t>
+            </a:r>
+            <a:r>
+              <a:rPr lang="es-ES" altLang="en-US" sz="1600" dirty="0" smtClean="0">
+                <a:latin typeface="Arial Unicode MS"/>
+              </a:rPr>
+              <a:t>modelos </a:t>
+            </a:r>
+            <a:r>
+              <a:rPr lang="es-ES" altLang="en-US" sz="1600" dirty="0">
+                <a:latin typeface="Arial Unicode MS"/>
+              </a:rPr>
+              <a:t>subsiguientes se enfocarán en ellos durante su entrenamiento.</a:t>
+            </a:r>
+            <a:r>
+              <a:rPr lang="es-ES" altLang="en-US" sz="1600" dirty="0"/>
+              <a:t> </a:t>
+            </a:r>
+            <a:endParaRPr lang="es-ES" altLang="en-US" sz="1600" dirty="0">
+              <a:latin typeface="Arial" panose="020B0604020202020204" pitchFamily="34" charset="0"/>
+            </a:endParaRPr>
+          </a:p>
+          <a:p>
+            <a:pPr lvl="0" algn="just" eaLnBrk="0" fontAlgn="base" hangingPunct="0">
+              <a:lnSpc>
+                <a:spcPct val="150000"/>
+              </a:lnSpc>
+              <a:spcBef>
+                <a:spcPct val="0"/>
+              </a:spcBef>
+              <a:spcAft>
+                <a:spcPct val="0"/>
+              </a:spcAft>
+            </a:pPr>
+            <a:endParaRPr lang="es-ES" altLang="en-US" sz="3600" dirty="0">
+              <a:latin typeface="Arial" panose="020B0604020202020204" pitchFamily="34" charset="0"/>
+            </a:endParaRPr>
+          </a:p>
+        </p:txBody>
+      </p:sp>
+      <p:pic>
+        <p:nvPicPr>
+          <p:cNvPr id="9" name="Imagen 8"/>
+          <p:cNvPicPr>
+            <a:picLocks noChangeAspect="1"/>
+          </p:cNvPicPr>
+          <p:nvPr/>
+        </p:nvPicPr>
+        <p:blipFill>
+          <a:blip r:embed="rId2"/>
+          <a:stretch>
+            <a:fillRect/>
+          </a:stretch>
+        </p:blipFill>
+        <p:spPr>
+          <a:xfrm>
+            <a:off x="1801186" y="3738372"/>
+            <a:ext cx="6012539" cy="2305812"/>
+          </a:xfrm>
+          <a:prstGeom prst="rect">
+            <a:avLst/>
+          </a:prstGeom>
+        </p:spPr>
+      </p:pic>
+    </p:spTree>
+    <p:extLst>
+      <p:ext uri="{BB962C8B-B14F-4D97-AF65-F5344CB8AC3E}">
+        <p14:creationId xmlns:p14="http://schemas.microsoft.com/office/powerpoint/2010/main" val="1116215269"/>
+      </p:ext>
+    </p:extLst>
+  </p:cSld>
+  <p:clrMapOvr>
+    <a:masterClrMapping/>
+  </p:clrMapOvr>
+</p:sld>
+</file>
+
+<file path=ppt/slides/slide18.xml><?xml version="1.0" encoding="utf-8"?>
+<p:sld xmlns:a="http://schemas.openxmlformats.org/drawingml/2006/main" xmlns:r="http://schemas.openxmlformats.org/officeDocument/2006/relationships" xmlns:p="http://schemas.openxmlformats.org/presentationml/2006/main">
+  <p:cSld>
+    <p:spTree>
+      <p:nvGrpSpPr>
+        <p:cNvPr id="1" name=""/>
+        <p:cNvGrpSpPr/>
+        <p:nvPr/>
+      </p:nvGrpSpPr>
+      <p:grpSpPr>
+        <a:xfrm>
+          <a:off x="0" y="0"/>
+          <a:ext cx="0" cy="0"/>
+          <a:chOff x="0" y="0"/>
+          <a:chExt cx="0" cy="0"/>
+        </a:xfrm>
+      </p:grpSpPr>
+      <p:sp>
+        <p:nvSpPr>
+          <p:cNvPr id="2" name="Shape 89"/>
+          <p:cNvSpPr txBox="1"/>
+          <p:nvPr/>
+        </p:nvSpPr>
+        <p:spPr>
+          <a:xfrm>
+            <a:off x="1091533" y="354557"/>
+            <a:ext cx="6919783" cy="584775"/>
+          </a:xfrm>
+          <a:prstGeom prst="rect">
+            <a:avLst/>
+          </a:prstGeom>
+          <a:noFill/>
+          <a:ln>
+            <a:noFill/>
+          </a:ln>
+        </p:spPr>
+        <p:txBody>
+          <a:bodyPr spcFirstLastPara="1" wrap="square" lIns="91425" tIns="45700" rIns="91425" bIns="45700" anchor="t" anchorCtr="0">
+            <a:noAutofit/>
+          </a:bodyPr>
+          <a:lstStyle/>
+          <a:p>
+            <a:pPr algn="ctr"/>
+            <a:r>
+              <a:rPr lang="es-ES" altLang="en-US" sz="3200" b="1" dirty="0" err="1" smtClean="0">
+                <a:solidFill>
+                  <a:srgbClr val="2F5496"/>
+                </a:solidFill>
+                <a:latin typeface="Helvetica Neue"/>
+                <a:ea typeface="Helvetica Neue"/>
+                <a:cs typeface="Helvetica Neue"/>
+              </a:rPr>
+              <a:t>Boosting</a:t>
+            </a:r>
+            <a:endParaRPr lang="en-US" sz="3200" b="1" dirty="0">
+              <a:solidFill>
+                <a:srgbClr val="2F5496"/>
+              </a:solidFill>
+              <a:latin typeface="Helvetica Neue"/>
+              <a:ea typeface="Helvetica Neue"/>
+              <a:cs typeface="Helvetica Neue"/>
+            </a:endParaRPr>
+          </a:p>
+        </p:txBody>
+      </p:sp>
+      <p:sp>
+        <p:nvSpPr>
+          <p:cNvPr id="5" name="Rectangle 1"/>
+          <p:cNvSpPr>
+            <a:spLocks noChangeArrowheads="1"/>
+          </p:cNvSpPr>
+          <p:nvPr/>
+        </p:nvSpPr>
+        <p:spPr bwMode="auto">
+          <a:xfrm>
+            <a:off x="803503" y="1252311"/>
+            <a:ext cx="7735824" cy="1569660"/>
+          </a:xfrm>
+          <a:prstGeom prst="rect">
+            <a:avLst/>
+          </a:prstGeom>
+          <a:noFill/>
+          <a:ln>
+            <a:noFill/>
+          </a:ln>
+          <a:effectLst/>
+          <a:extLst>
+            <a:ext uri="{909E8E84-426E-40DD-AFC4-6F175D3DCCD1}">
+              <a14:hiddenFill xmlns:a14="http://schemas.microsoft.com/office/drawing/2010/main">
+                <a:solidFill>
+                  <a:schemeClr val="accent1"/>
+                </a:solidFill>
+              </a14:hiddenFill>
+            </a:ext>
+            <a:ext uri="{91240B29-F687-4F45-9708-019B960494DF}">
+              <a14:hiddenLine xmlns:a14="http://schemas.microsoft.com/office/drawing/2010/main" w="9525">
+                <a:solidFill>
+                  <a:schemeClr val="tx1"/>
+                </a:solidFill>
+                <a:miter lim="800000"/>
+                <a:headEnd/>
+                <a:tailEnd/>
+              </a14:hiddenLine>
+            </a:ext>
+            <a:ext uri="{AF507438-7753-43E0-B8FC-AC1667EBCBE1}">
+              <a14:hiddenEffects xmlns:a14="http://schemas.microsoft.com/office/drawing/2010/main">
+                <a:effectLst>
+                  <a:outerShdw dist="35921" dir="2700000" algn="ctr" rotWithShape="0">
+                    <a:schemeClr val="bg2"/>
+                  </a:outerShdw>
+                </a:effectLst>
+              </a14:hiddenEffects>
+            </a:ext>
+          </a:extLst>
+        </p:spPr>
+        <p:txBody>
+          <a:bodyPr vert="horz" wrap="square" lIns="91440" tIns="45720" rIns="91440" bIns="45720" numCol="1" anchor="ctr" anchorCtr="0" compatLnSpc="1">
+            <a:prstTxWarp prst="textNoShape">
+              <a:avLst/>
+            </a:prstTxWarp>
+            <a:spAutoFit/>
+          </a:bodyPr>
+          <a:lstStyle/>
+          <a:p>
+            <a:pPr lvl="0" algn="just" eaLnBrk="0" fontAlgn="base" hangingPunct="0">
+              <a:lnSpc>
+                <a:spcPct val="150000"/>
+              </a:lnSpc>
+              <a:spcBef>
+                <a:spcPct val="0"/>
+              </a:spcBef>
+              <a:spcAft>
+                <a:spcPct val="0"/>
+              </a:spcAft>
+            </a:pPr>
+            <a:r>
+              <a:rPr lang="es-ES" altLang="en-US" sz="1600" dirty="0">
+                <a:latin typeface="Arial Unicode MS"/>
+              </a:rPr>
+              <a:t>En la etapa de entrenamiento de </a:t>
+            </a:r>
+            <a:r>
+              <a:rPr lang="es-ES" altLang="en-US" sz="1600" dirty="0" err="1">
+                <a:latin typeface="Arial Unicode MS"/>
+              </a:rPr>
+              <a:t>Boosting</a:t>
+            </a:r>
+            <a:r>
+              <a:rPr lang="es-ES" altLang="en-US" sz="1600" dirty="0">
+                <a:latin typeface="Arial Unicode MS"/>
+              </a:rPr>
+              <a:t>, el algoritmo asigna ponderaciones a cada modelo resultante. A un </a:t>
+            </a:r>
+            <a:r>
+              <a:rPr lang="es-ES" altLang="en-US" sz="1600" dirty="0" smtClean="0">
+                <a:latin typeface="Arial Unicode MS"/>
+              </a:rPr>
+              <a:t>modelo </a:t>
+            </a:r>
+            <a:r>
+              <a:rPr lang="es-ES" altLang="en-US" sz="1600" dirty="0">
+                <a:latin typeface="Arial Unicode MS"/>
+              </a:rPr>
+              <a:t>con un buen resultado de clasificación en los datos de entrenamiento se le asignará un </a:t>
+            </a:r>
+            <a:r>
+              <a:rPr lang="es-ES" altLang="en-US" sz="1600" dirty="0" smtClean="0">
+                <a:latin typeface="Arial Unicode MS"/>
+              </a:rPr>
+              <a:t>mayor. </a:t>
+            </a:r>
+            <a:r>
+              <a:rPr lang="es-ES" altLang="en-US" sz="1600" dirty="0">
+                <a:latin typeface="Arial Unicode MS"/>
+              </a:rPr>
+              <a:t>Por lo </a:t>
+            </a:r>
+            <a:r>
+              <a:rPr lang="es-ES" altLang="en-US" sz="1600" dirty="0" smtClean="0">
+                <a:latin typeface="Arial Unicode MS"/>
+              </a:rPr>
+              <a:t>tanto, el </a:t>
+            </a:r>
+            <a:r>
+              <a:rPr lang="es-ES" altLang="en-US" sz="1600" dirty="0" err="1">
+                <a:latin typeface="Arial Unicode MS"/>
+              </a:rPr>
+              <a:t>Boosting</a:t>
+            </a:r>
+            <a:r>
+              <a:rPr lang="es-ES" altLang="en-US" sz="1600" dirty="0">
+                <a:latin typeface="Arial Unicode MS"/>
+              </a:rPr>
+              <a:t> también necesita realizar un seguimiento de los errores de los </a:t>
+            </a:r>
+            <a:r>
+              <a:rPr lang="es-ES" altLang="en-US" sz="1600" dirty="0" smtClean="0">
+                <a:latin typeface="Arial Unicode MS"/>
+              </a:rPr>
+              <a:t>modelos. </a:t>
+            </a:r>
+            <a:endParaRPr lang="es-ES" altLang="en-US" sz="3600" dirty="0">
+              <a:latin typeface="Arial" panose="020B0604020202020204" pitchFamily="34" charset="0"/>
+            </a:endParaRPr>
+          </a:p>
+        </p:txBody>
+      </p:sp>
+      <p:pic>
+        <p:nvPicPr>
+          <p:cNvPr id="7" name="Imagen 6"/>
+          <p:cNvPicPr>
+            <a:picLocks noChangeAspect="1"/>
+          </p:cNvPicPr>
+          <p:nvPr/>
+        </p:nvPicPr>
+        <p:blipFill>
+          <a:blip r:embed="rId2"/>
+          <a:stretch>
+            <a:fillRect/>
+          </a:stretch>
+        </p:blipFill>
+        <p:spPr>
+          <a:xfrm>
+            <a:off x="1091533" y="3210945"/>
+            <a:ext cx="7230618" cy="2578921"/>
+          </a:xfrm>
+          <a:prstGeom prst="rect">
+            <a:avLst/>
+          </a:prstGeom>
+        </p:spPr>
+      </p:pic>
+    </p:spTree>
+    <p:extLst>
+      <p:ext uri="{BB962C8B-B14F-4D97-AF65-F5344CB8AC3E}">
+        <p14:creationId xmlns:p14="http://schemas.microsoft.com/office/powerpoint/2010/main" val="119580273"/>
+      </p:ext>
+    </p:extLst>
+  </p:cSld>
+  <p:clrMapOvr>
+    <a:masterClrMapping/>
+  </p:clrMapOvr>
+  <p:timing>
+    <p:tnLst>
+      <p:par>
+        <p:cTn id="1" dur="indefinite" restart="never" nodeType="tmRoot"/>
+      </p:par>
+    </p:tnLst>
+  </p:timing>
+</p:sld>
+</file>
+
+<file path=ppt/slides/slide19.xml><?xml version="1.0" encoding="utf-8"?>
+<p:sld xmlns:a="http://schemas.openxmlformats.org/drawingml/2006/main" xmlns:r="http://schemas.openxmlformats.org/officeDocument/2006/relationships" xmlns:p="http://schemas.openxmlformats.org/presentationml/2006/main">
+  <p:cSld>
+    <p:spTree>
+      <p:nvGrpSpPr>
+        <p:cNvPr id="1" name=""/>
+        <p:cNvGrpSpPr/>
+        <p:nvPr/>
+      </p:nvGrpSpPr>
+      <p:grpSpPr>
+        <a:xfrm>
+          <a:off x="0" y="0"/>
+          <a:ext cx="0" cy="0"/>
+          <a:chOff x="0" y="0"/>
+          <a:chExt cx="0" cy="0"/>
+        </a:xfrm>
+      </p:grpSpPr>
+      <p:sp>
+        <p:nvSpPr>
+          <p:cNvPr id="2" name="Shape 89"/>
+          <p:cNvSpPr txBox="1"/>
+          <p:nvPr/>
+        </p:nvSpPr>
+        <p:spPr>
+          <a:xfrm>
+            <a:off x="1091533" y="354557"/>
+            <a:ext cx="6919783" cy="584775"/>
+          </a:xfrm>
+          <a:prstGeom prst="rect">
+            <a:avLst/>
+          </a:prstGeom>
+          <a:noFill/>
+          <a:ln>
+            <a:noFill/>
+          </a:ln>
+        </p:spPr>
+        <p:txBody>
+          <a:bodyPr spcFirstLastPara="1" wrap="square" lIns="91425" tIns="45700" rIns="91425" bIns="45700" anchor="t" anchorCtr="0">
+            <a:noAutofit/>
+          </a:bodyPr>
+          <a:lstStyle/>
+          <a:p>
+            <a:pPr algn="ctr"/>
+            <a:r>
+              <a:rPr lang="es-ES" altLang="en-US" sz="3200" b="1" dirty="0" err="1" smtClean="0">
+                <a:solidFill>
+                  <a:srgbClr val="2F5496"/>
+                </a:solidFill>
+                <a:latin typeface="Helvetica Neue"/>
+                <a:ea typeface="Helvetica Neue"/>
+                <a:cs typeface="Helvetica Neue"/>
+              </a:rPr>
+              <a:t>Boosting</a:t>
+            </a:r>
+            <a:endParaRPr lang="en-US" sz="3200" b="1" dirty="0">
+              <a:solidFill>
+                <a:srgbClr val="2F5496"/>
+              </a:solidFill>
+              <a:latin typeface="Helvetica Neue"/>
+              <a:ea typeface="Helvetica Neue"/>
+              <a:cs typeface="Helvetica Neue"/>
+            </a:endParaRPr>
+          </a:p>
+        </p:txBody>
+      </p:sp>
+      <p:sp>
+        <p:nvSpPr>
+          <p:cNvPr id="5" name="Rectangle 1"/>
+          <p:cNvSpPr>
+            <a:spLocks noChangeArrowheads="1"/>
+          </p:cNvSpPr>
+          <p:nvPr/>
+        </p:nvSpPr>
+        <p:spPr bwMode="auto">
+          <a:xfrm>
+            <a:off x="803503" y="1252310"/>
+            <a:ext cx="7735824" cy="1569660"/>
+          </a:xfrm>
+          <a:prstGeom prst="rect">
+            <a:avLst/>
+          </a:prstGeom>
+          <a:noFill/>
+          <a:ln>
+            <a:noFill/>
+          </a:ln>
+          <a:effectLst/>
+          <a:extLst>
+            <a:ext uri="{909E8E84-426E-40DD-AFC4-6F175D3DCCD1}">
+              <a14:hiddenFill xmlns:a14="http://schemas.microsoft.com/office/drawing/2010/main">
+                <a:solidFill>
+                  <a:schemeClr val="accent1"/>
+                </a:solidFill>
+              </a14:hiddenFill>
+            </a:ext>
+            <a:ext uri="{91240B29-F687-4F45-9708-019B960494DF}">
+              <a14:hiddenLine xmlns:a14="http://schemas.microsoft.com/office/drawing/2010/main" w="9525">
+                <a:solidFill>
+                  <a:schemeClr val="tx1"/>
+                </a:solidFill>
+                <a:miter lim="800000"/>
+                <a:headEnd/>
+                <a:tailEnd/>
+              </a14:hiddenLine>
+            </a:ext>
+            <a:ext uri="{AF507438-7753-43E0-B8FC-AC1667EBCBE1}">
+              <a14:hiddenEffects xmlns:a14="http://schemas.microsoft.com/office/drawing/2010/main">
+                <a:effectLst>
+                  <a:outerShdw dist="35921" dir="2700000" algn="ctr" rotWithShape="0">
+                    <a:schemeClr val="bg2"/>
+                  </a:outerShdw>
+                </a:effectLst>
+              </a14:hiddenEffects>
+            </a:ext>
+          </a:extLst>
+        </p:spPr>
+        <p:txBody>
+          <a:bodyPr vert="horz" wrap="square" lIns="91440" tIns="45720" rIns="91440" bIns="45720" numCol="1" anchor="ctr" anchorCtr="0" compatLnSpc="1">
+            <a:prstTxWarp prst="textNoShape">
+              <a:avLst/>
+            </a:prstTxWarp>
+            <a:spAutoFit/>
+          </a:bodyPr>
+          <a:lstStyle/>
+          <a:p>
+            <a:pPr lvl="0" algn="just" eaLnBrk="0" fontAlgn="base" hangingPunct="0">
+              <a:lnSpc>
+                <a:spcPct val="150000"/>
+              </a:lnSpc>
+              <a:spcBef>
+                <a:spcPct val="0"/>
+              </a:spcBef>
+              <a:spcAft>
+                <a:spcPct val="0"/>
+              </a:spcAft>
+            </a:pPr>
+            <a:r>
+              <a:rPr lang="es-ES" altLang="en-US" sz="1600" dirty="0" smtClean="0">
+                <a:latin typeface="Arial Unicode MS"/>
+              </a:rPr>
+              <a:t>El </a:t>
+            </a:r>
+            <a:r>
+              <a:rPr lang="es-ES" altLang="en-US" sz="1600" dirty="0" err="1" smtClean="0">
+                <a:latin typeface="Arial Unicode MS"/>
+              </a:rPr>
+              <a:t>Metodo</a:t>
+            </a:r>
+            <a:r>
+              <a:rPr lang="es-ES" altLang="en-US" sz="1600" dirty="0" smtClean="0">
+                <a:latin typeface="Arial Unicode MS"/>
+              </a:rPr>
+              <a:t> </a:t>
+            </a:r>
+            <a:r>
+              <a:rPr lang="es-ES" altLang="en-US" sz="1600" dirty="0" err="1" smtClean="0">
+                <a:latin typeface="Arial Unicode MS"/>
+              </a:rPr>
+              <a:t>Bagging</a:t>
+            </a:r>
+            <a:r>
+              <a:rPr lang="es-ES" altLang="en-US" sz="1600" dirty="0" smtClean="0">
+                <a:latin typeface="Arial Unicode MS"/>
+              </a:rPr>
+              <a:t> al momento de realizar predicciones se obtiene promediando las respuestas de los N estudiantes (o mayoría de votos). Sin embargo, </a:t>
+            </a:r>
+            <a:r>
+              <a:rPr lang="es-ES" altLang="en-US" sz="1600" dirty="0" err="1" smtClean="0">
+                <a:latin typeface="Arial Unicode MS"/>
+              </a:rPr>
+              <a:t>Boosting</a:t>
+            </a:r>
+            <a:r>
+              <a:rPr lang="es-ES" altLang="en-US" sz="1600" dirty="0" smtClean="0">
+                <a:latin typeface="Arial Unicode MS"/>
+              </a:rPr>
+              <a:t> </a:t>
+            </a:r>
+            <a:r>
+              <a:rPr lang="es-ES" altLang="en-US" sz="1600" dirty="0">
+                <a:latin typeface="Arial Unicode MS"/>
+              </a:rPr>
+              <a:t>asigna un segundo conjunto de ponderaciones, esta vez para los clasificadores N, a fin de tomar un promedio ponderado de sus estimaciones.</a:t>
+            </a:r>
+            <a:r>
+              <a:rPr lang="es-ES" altLang="en-US" sz="1600" dirty="0"/>
+              <a:t> </a:t>
+            </a:r>
+            <a:endParaRPr lang="es-ES" altLang="en-US" sz="1600" dirty="0">
+              <a:latin typeface="Arial" panose="020B0604020202020204" pitchFamily="34" charset="0"/>
+            </a:endParaRPr>
+          </a:p>
+        </p:txBody>
+      </p:sp>
+      <p:pic>
+        <p:nvPicPr>
+          <p:cNvPr id="3" name="Imagen 2"/>
+          <p:cNvPicPr>
+            <a:picLocks noChangeAspect="1"/>
+          </p:cNvPicPr>
+          <p:nvPr/>
+        </p:nvPicPr>
+        <p:blipFill>
+          <a:blip r:embed="rId2"/>
+          <a:stretch>
+            <a:fillRect/>
+          </a:stretch>
+        </p:blipFill>
+        <p:spPr>
+          <a:xfrm>
+            <a:off x="1555652" y="3134948"/>
+            <a:ext cx="6455664" cy="2491659"/>
+          </a:xfrm>
+          <a:prstGeom prst="rect">
+            <a:avLst/>
+          </a:prstGeom>
+        </p:spPr>
+      </p:pic>
+    </p:spTree>
+    <p:extLst>
+      <p:ext uri="{BB962C8B-B14F-4D97-AF65-F5344CB8AC3E}">
+        <p14:creationId xmlns:p14="http://schemas.microsoft.com/office/powerpoint/2010/main" val="1423277774"/>
       </p:ext>
     </p:extLst>
   </p:cSld>
@@ -5030,6 +5896,1456 @@
 </p:sld>
 </file>
 
+<file path=ppt/slides/slide20.xml><?xml version="1.0" encoding="utf-8"?>
+<p:sld xmlns:a="http://schemas.openxmlformats.org/drawingml/2006/main" xmlns:r="http://schemas.openxmlformats.org/officeDocument/2006/relationships" xmlns:p="http://schemas.openxmlformats.org/presentationml/2006/main">
+  <p:cSld>
+    <p:spTree>
+      <p:nvGrpSpPr>
+        <p:cNvPr id="1" name=""/>
+        <p:cNvGrpSpPr/>
+        <p:nvPr/>
+      </p:nvGrpSpPr>
+      <p:grpSpPr>
+        <a:xfrm>
+          <a:off x="0" y="0"/>
+          <a:ext cx="0" cy="0"/>
+          <a:chOff x="0" y="0"/>
+          <a:chExt cx="0" cy="0"/>
+        </a:xfrm>
+      </p:grpSpPr>
+      <p:sp>
+        <p:nvSpPr>
+          <p:cNvPr id="2" name="Shape 89"/>
+          <p:cNvSpPr txBox="1"/>
+          <p:nvPr/>
+        </p:nvSpPr>
+        <p:spPr>
+          <a:xfrm>
+            <a:off x="1091533" y="354557"/>
+            <a:ext cx="6919783" cy="584775"/>
+          </a:xfrm>
+          <a:prstGeom prst="rect">
+            <a:avLst/>
+          </a:prstGeom>
+          <a:noFill/>
+          <a:ln>
+            <a:noFill/>
+          </a:ln>
+        </p:spPr>
+        <p:txBody>
+          <a:bodyPr spcFirstLastPara="1" wrap="square" lIns="91425" tIns="45700" rIns="91425" bIns="45700" anchor="t" anchorCtr="0">
+            <a:noAutofit/>
+          </a:bodyPr>
+          <a:lstStyle/>
+          <a:p>
+            <a:pPr algn="ctr"/>
+            <a:r>
+              <a:rPr lang="es-ES" altLang="en-US" sz="3200" b="1" dirty="0" err="1" smtClean="0">
+                <a:solidFill>
+                  <a:srgbClr val="2F5496"/>
+                </a:solidFill>
+                <a:latin typeface="Helvetica Neue"/>
+                <a:ea typeface="Helvetica Neue"/>
+                <a:cs typeface="Helvetica Neue"/>
+              </a:rPr>
+              <a:t>Boosting</a:t>
+            </a:r>
+            <a:endParaRPr lang="en-US" sz="3200" b="1" dirty="0">
+              <a:solidFill>
+                <a:srgbClr val="2F5496"/>
+              </a:solidFill>
+              <a:latin typeface="Helvetica Neue"/>
+              <a:ea typeface="Helvetica Neue"/>
+              <a:cs typeface="Helvetica Neue"/>
+            </a:endParaRPr>
+          </a:p>
+        </p:txBody>
+      </p:sp>
+      <p:sp>
+        <p:nvSpPr>
+          <p:cNvPr id="3" name="Rectangle 1"/>
+          <p:cNvSpPr>
+            <a:spLocks noChangeArrowheads="1"/>
+          </p:cNvSpPr>
+          <p:nvPr/>
+        </p:nvSpPr>
+        <p:spPr bwMode="auto">
+          <a:xfrm>
+            <a:off x="785215" y="1290886"/>
+            <a:ext cx="7735824" cy="3046988"/>
+          </a:xfrm>
+          <a:prstGeom prst="rect">
+            <a:avLst/>
+          </a:prstGeom>
+          <a:noFill/>
+          <a:ln>
+            <a:noFill/>
+          </a:ln>
+          <a:effectLst/>
+          <a:extLst>
+            <a:ext uri="{909E8E84-426E-40DD-AFC4-6F175D3DCCD1}">
+              <a14:hiddenFill xmlns:a14="http://schemas.microsoft.com/office/drawing/2010/main">
+                <a:solidFill>
+                  <a:schemeClr val="accent1"/>
+                </a:solidFill>
+              </a14:hiddenFill>
+            </a:ext>
+            <a:ext uri="{91240B29-F687-4F45-9708-019B960494DF}">
+              <a14:hiddenLine xmlns:a14="http://schemas.microsoft.com/office/drawing/2010/main" w="9525">
+                <a:solidFill>
+                  <a:schemeClr val="tx1"/>
+                </a:solidFill>
+                <a:miter lim="800000"/>
+                <a:headEnd/>
+                <a:tailEnd/>
+              </a14:hiddenLine>
+            </a:ext>
+            <a:ext uri="{AF507438-7753-43E0-B8FC-AC1667EBCBE1}">
+              <a14:hiddenEffects xmlns:a14="http://schemas.microsoft.com/office/drawing/2010/main">
+                <a:effectLst>
+                  <a:outerShdw dist="35921" dir="2700000" algn="ctr" rotWithShape="0">
+                    <a:schemeClr val="bg2"/>
+                  </a:outerShdw>
+                </a:effectLst>
+              </a14:hiddenEffects>
+            </a:ext>
+          </a:extLst>
+        </p:spPr>
+        <p:txBody>
+          <a:bodyPr vert="horz" wrap="square" lIns="91440" tIns="45720" rIns="91440" bIns="45720" numCol="1" anchor="ctr" anchorCtr="0" compatLnSpc="1">
+            <a:prstTxWarp prst="textNoShape">
+              <a:avLst/>
+            </a:prstTxWarp>
+            <a:spAutoFit/>
+          </a:bodyPr>
+          <a:lstStyle/>
+          <a:p>
+            <a:pPr lvl="0" algn="just" eaLnBrk="0" fontAlgn="base" hangingPunct="0">
+              <a:lnSpc>
+                <a:spcPct val="150000"/>
+              </a:lnSpc>
+              <a:spcBef>
+                <a:spcPct val="0"/>
+              </a:spcBef>
+              <a:spcAft>
+                <a:spcPct val="0"/>
+              </a:spcAft>
+            </a:pPr>
+            <a:r>
+              <a:rPr lang="es-ES" altLang="en-US" sz="1600" dirty="0" smtClean="0">
+                <a:latin typeface="Arial Unicode MS"/>
+              </a:rPr>
+              <a:t>Tipos de modelos </a:t>
+            </a:r>
+            <a:r>
+              <a:rPr lang="es-ES" altLang="en-US" sz="1600" dirty="0" err="1" smtClean="0">
+                <a:latin typeface="Arial Unicode MS"/>
+              </a:rPr>
+              <a:t>Boosting</a:t>
+            </a:r>
+            <a:r>
+              <a:rPr lang="es-ES" altLang="en-US" sz="1600" dirty="0" smtClean="0">
+                <a:latin typeface="Arial Unicode MS"/>
+              </a:rPr>
+              <a:t>:</a:t>
+            </a:r>
+          </a:p>
+          <a:p>
+            <a:pPr lvl="0" algn="just" eaLnBrk="0" fontAlgn="base" hangingPunct="0">
+              <a:lnSpc>
+                <a:spcPct val="150000"/>
+              </a:lnSpc>
+              <a:spcBef>
+                <a:spcPct val="0"/>
+              </a:spcBef>
+              <a:spcAft>
+                <a:spcPct val="0"/>
+              </a:spcAft>
+            </a:pPr>
+            <a:endParaRPr lang="es-ES" altLang="en-US" sz="1600" dirty="0" smtClean="0">
+              <a:latin typeface="Arial Unicode MS"/>
+            </a:endParaRPr>
+          </a:p>
+          <a:p>
+            <a:pPr marL="285750" lvl="0" indent="-285750" algn="just" eaLnBrk="0" fontAlgn="base" hangingPunct="0">
+              <a:lnSpc>
+                <a:spcPct val="150000"/>
+              </a:lnSpc>
+              <a:spcBef>
+                <a:spcPct val="0"/>
+              </a:spcBef>
+              <a:spcAft>
+                <a:spcPct val="0"/>
+              </a:spcAft>
+              <a:buFont typeface="Arial" panose="020B0604020202020204" pitchFamily="34" charset="0"/>
+              <a:buChar char="•"/>
+            </a:pPr>
+            <a:r>
+              <a:rPr lang="es-ES" altLang="en-US" sz="1600" dirty="0" err="1" smtClean="0">
+                <a:latin typeface="Arial Unicode MS"/>
+              </a:rPr>
+              <a:t>AdaBoost</a:t>
+            </a:r>
+            <a:r>
+              <a:rPr lang="es-ES" altLang="en-US" sz="1600" dirty="0">
+                <a:latin typeface="Arial Unicode MS"/>
+              </a:rPr>
+              <a:t> </a:t>
+            </a:r>
+            <a:r>
+              <a:rPr lang="es-ES" altLang="en-US" sz="1600" dirty="0">
+                <a:latin typeface="Arial Unicode MS"/>
+                <a:hlinkClick r:id="rId2"/>
+              </a:rPr>
+              <a:t>https://</a:t>
+            </a:r>
+            <a:r>
+              <a:rPr lang="es-ES" altLang="en-US" sz="1600" dirty="0" smtClean="0">
+                <a:latin typeface="Arial Unicode MS"/>
+                <a:hlinkClick r:id="rId2"/>
+              </a:rPr>
+              <a:t>en.wikipedia.org/wiki/AdaBoost</a:t>
+            </a:r>
+            <a:endParaRPr lang="es-ES" altLang="en-US" sz="1600" dirty="0" smtClean="0">
+              <a:latin typeface="Arial Unicode MS"/>
+            </a:endParaRPr>
+          </a:p>
+          <a:p>
+            <a:pPr marL="285750" lvl="0" indent="-285750" algn="just" eaLnBrk="0" fontAlgn="base" hangingPunct="0">
+              <a:lnSpc>
+                <a:spcPct val="150000"/>
+              </a:lnSpc>
+              <a:spcBef>
+                <a:spcPct val="0"/>
+              </a:spcBef>
+              <a:spcAft>
+                <a:spcPct val="0"/>
+              </a:spcAft>
+              <a:buFont typeface="Arial" panose="020B0604020202020204" pitchFamily="34" charset="0"/>
+              <a:buChar char="•"/>
+            </a:pPr>
+            <a:r>
+              <a:rPr lang="es-ES" altLang="en-US" sz="1600" dirty="0" err="1" smtClean="0">
+                <a:latin typeface="Arial Unicode MS"/>
+              </a:rPr>
+              <a:t>LPBoost</a:t>
+            </a:r>
+            <a:r>
+              <a:rPr lang="es-ES" altLang="en-US" sz="1600" dirty="0">
+                <a:latin typeface="Arial Unicode MS"/>
+              </a:rPr>
+              <a:t> </a:t>
+            </a:r>
+            <a:r>
+              <a:rPr lang="es-ES" altLang="en-US" sz="1600" dirty="0">
+                <a:latin typeface="Arial Unicode MS"/>
+                <a:hlinkClick r:id="rId3"/>
+              </a:rPr>
+              <a:t>https://</a:t>
+            </a:r>
+            <a:r>
+              <a:rPr lang="es-ES" altLang="en-US" sz="1600" dirty="0" smtClean="0">
+                <a:latin typeface="Arial Unicode MS"/>
+                <a:hlinkClick r:id="rId3"/>
+              </a:rPr>
+              <a:t>en.wikipedia.org/wiki/LPBoost</a:t>
+            </a:r>
+            <a:endParaRPr lang="es-ES" altLang="en-US" sz="1600" dirty="0" smtClean="0">
+              <a:latin typeface="Arial Unicode MS"/>
+            </a:endParaRPr>
+          </a:p>
+          <a:p>
+            <a:pPr marL="285750" lvl="0" indent="-285750" algn="just" eaLnBrk="0" fontAlgn="base" hangingPunct="0">
+              <a:lnSpc>
+                <a:spcPct val="150000"/>
+              </a:lnSpc>
+              <a:spcBef>
+                <a:spcPct val="0"/>
+              </a:spcBef>
+              <a:spcAft>
+                <a:spcPct val="0"/>
+              </a:spcAft>
+              <a:buFont typeface="Arial" panose="020B0604020202020204" pitchFamily="34" charset="0"/>
+              <a:buChar char="•"/>
+            </a:pPr>
+            <a:r>
+              <a:rPr lang="es-ES" altLang="en-US" sz="1600" dirty="0" err="1" smtClean="0">
+                <a:latin typeface="Arial Unicode MS"/>
+              </a:rPr>
+              <a:t>XGBoost</a:t>
+            </a:r>
+            <a:r>
+              <a:rPr lang="es-ES" altLang="en-US" sz="1600" dirty="0">
+                <a:latin typeface="Arial Unicode MS"/>
+              </a:rPr>
+              <a:t> </a:t>
+            </a:r>
+            <a:r>
+              <a:rPr lang="es-ES" altLang="en-US" sz="1600" dirty="0" smtClean="0">
+                <a:latin typeface="Arial Unicode MS"/>
+              </a:rPr>
+              <a:t>arxiv.org/</a:t>
+            </a:r>
+            <a:r>
+              <a:rPr lang="es-ES" altLang="en-US" sz="1600" dirty="0" err="1" smtClean="0">
+                <a:latin typeface="Arial Unicode MS"/>
+              </a:rPr>
+              <a:t>pdf</a:t>
+            </a:r>
+            <a:r>
+              <a:rPr lang="es-ES" altLang="en-US" sz="1600" dirty="0" smtClean="0">
+                <a:latin typeface="Arial Unicode MS"/>
+              </a:rPr>
+              <a:t>/1603.02754v1.pdf</a:t>
+            </a:r>
+          </a:p>
+          <a:p>
+            <a:pPr marL="285750" lvl="0" indent="-285750" algn="just" eaLnBrk="0" fontAlgn="base" hangingPunct="0">
+              <a:lnSpc>
+                <a:spcPct val="150000"/>
+              </a:lnSpc>
+              <a:spcBef>
+                <a:spcPct val="0"/>
+              </a:spcBef>
+              <a:spcAft>
+                <a:spcPct val="0"/>
+              </a:spcAft>
+              <a:buFont typeface="Arial" panose="020B0604020202020204" pitchFamily="34" charset="0"/>
+              <a:buChar char="•"/>
+            </a:pPr>
+            <a:r>
+              <a:rPr lang="es-ES" altLang="en-US" sz="1600" dirty="0" err="1" smtClean="0">
+                <a:latin typeface="Arial Unicode MS"/>
+              </a:rPr>
+              <a:t>GradientBoost</a:t>
+            </a:r>
+            <a:r>
+              <a:rPr lang="es-ES" altLang="en-US" sz="1600" dirty="0" smtClean="0">
+                <a:latin typeface="Arial Unicode MS"/>
+              </a:rPr>
+              <a:t> </a:t>
+            </a:r>
+            <a:r>
+              <a:rPr lang="es-ES" altLang="en-US" sz="1600" dirty="0">
+                <a:latin typeface="Arial Unicode MS"/>
+                <a:hlinkClick r:id="rId4"/>
+              </a:rPr>
+              <a:t>https://</a:t>
+            </a:r>
+            <a:r>
+              <a:rPr lang="es-ES" altLang="en-US" sz="1600" dirty="0" smtClean="0">
+                <a:latin typeface="Arial Unicode MS"/>
+                <a:hlinkClick r:id="rId4"/>
+              </a:rPr>
+              <a:t>en.wikipedia.org/wiki/Gradient_boosting</a:t>
+            </a:r>
+            <a:endParaRPr lang="es-ES" altLang="en-US" sz="1600" dirty="0" smtClean="0">
+              <a:latin typeface="Arial Unicode MS"/>
+            </a:endParaRPr>
+          </a:p>
+          <a:p>
+            <a:pPr marL="285750" lvl="0" indent="-285750" algn="just" eaLnBrk="0" fontAlgn="base" hangingPunct="0">
+              <a:lnSpc>
+                <a:spcPct val="150000"/>
+              </a:lnSpc>
+              <a:spcBef>
+                <a:spcPct val="0"/>
+              </a:spcBef>
+              <a:spcAft>
+                <a:spcPct val="0"/>
+              </a:spcAft>
+              <a:buFont typeface="Arial" panose="020B0604020202020204" pitchFamily="34" charset="0"/>
+              <a:buChar char="•"/>
+            </a:pPr>
+            <a:r>
+              <a:rPr lang="es-ES" altLang="en-US" sz="1600" dirty="0" err="1" smtClean="0">
+                <a:latin typeface="Arial Unicode MS"/>
+              </a:rPr>
+              <a:t>BrownBoost</a:t>
+            </a:r>
+            <a:r>
+              <a:rPr lang="es-ES" altLang="en-US" sz="1600" dirty="0">
+                <a:latin typeface="Arial Unicode MS"/>
+              </a:rPr>
+              <a:t> </a:t>
+            </a:r>
+            <a:r>
+              <a:rPr lang="es-ES" altLang="en-US" sz="1600" dirty="0">
+                <a:latin typeface="Arial Unicode MS"/>
+                <a:hlinkClick r:id="rId5"/>
+              </a:rPr>
+              <a:t>https://</a:t>
+            </a:r>
+            <a:r>
+              <a:rPr lang="es-ES" altLang="en-US" sz="1600" dirty="0" smtClean="0">
+                <a:latin typeface="Arial Unicode MS"/>
+                <a:hlinkClick r:id="rId5"/>
+              </a:rPr>
+              <a:t>en.wikipedia.org/wiki/BrownBoost</a:t>
+            </a:r>
+            <a:endParaRPr lang="es-ES" altLang="en-US" sz="1600" dirty="0" smtClean="0">
+              <a:latin typeface="Arial Unicode MS"/>
+            </a:endParaRPr>
+          </a:p>
+          <a:p>
+            <a:pPr lvl="0" algn="just" eaLnBrk="0" fontAlgn="base" hangingPunct="0">
+              <a:lnSpc>
+                <a:spcPct val="150000"/>
+              </a:lnSpc>
+              <a:spcBef>
+                <a:spcPct val="0"/>
+              </a:spcBef>
+              <a:spcAft>
+                <a:spcPct val="0"/>
+              </a:spcAft>
+            </a:pPr>
+            <a:endParaRPr lang="es-ES" altLang="en-US" sz="1600" dirty="0">
+              <a:latin typeface="Arial" panose="020B0604020202020204" pitchFamily="34" charset="0"/>
+            </a:endParaRPr>
+          </a:p>
+        </p:txBody>
+      </p:sp>
+    </p:spTree>
+    <p:extLst>
+      <p:ext uri="{BB962C8B-B14F-4D97-AF65-F5344CB8AC3E}">
+        <p14:creationId xmlns:p14="http://schemas.microsoft.com/office/powerpoint/2010/main" val="3541899292"/>
+      </p:ext>
+    </p:extLst>
+  </p:cSld>
+  <p:clrMapOvr>
+    <a:masterClrMapping/>
+  </p:clrMapOvr>
+</p:sld>
+</file>
+
+<file path=ppt/slides/slide21.xml><?xml version="1.0" encoding="utf-8"?>
+<p:sld xmlns:a="http://schemas.openxmlformats.org/drawingml/2006/main" xmlns:r="http://schemas.openxmlformats.org/officeDocument/2006/relationships" xmlns:p="http://schemas.openxmlformats.org/presentationml/2006/main">
+  <p:cSld>
+    <p:spTree>
+      <p:nvGrpSpPr>
+        <p:cNvPr id="1" name=""/>
+        <p:cNvGrpSpPr/>
+        <p:nvPr/>
+      </p:nvGrpSpPr>
+      <p:grpSpPr>
+        <a:xfrm>
+          <a:off x="0" y="0"/>
+          <a:ext cx="0" cy="0"/>
+          <a:chOff x="0" y="0"/>
+          <a:chExt cx="0" cy="0"/>
+        </a:xfrm>
+      </p:grpSpPr>
+      <p:sp>
+        <p:nvSpPr>
+          <p:cNvPr id="2" name="Shape 89"/>
+          <p:cNvSpPr txBox="1"/>
+          <p:nvPr/>
+        </p:nvSpPr>
+        <p:spPr>
+          <a:xfrm>
+            <a:off x="275968" y="226541"/>
+            <a:ext cx="6919783" cy="584775"/>
+          </a:xfrm>
+          <a:prstGeom prst="rect">
+            <a:avLst/>
+          </a:prstGeom>
+          <a:noFill/>
+          <a:ln>
+            <a:noFill/>
+          </a:ln>
+        </p:spPr>
+        <p:txBody>
+          <a:bodyPr spcFirstLastPara="1" wrap="square" lIns="91425" tIns="45700" rIns="91425" bIns="45700" anchor="t" anchorCtr="0">
+            <a:noAutofit/>
+          </a:bodyPr>
+          <a:lstStyle/>
+          <a:p>
+            <a:r>
+              <a:rPr lang="es-ES" altLang="en-US" sz="3200" b="1" dirty="0" err="1">
+                <a:solidFill>
+                  <a:srgbClr val="2F5496"/>
+                </a:solidFill>
+                <a:latin typeface="Helvetica Neue"/>
+                <a:ea typeface="Helvetica Neue"/>
+                <a:cs typeface="Helvetica Neue"/>
+              </a:rPr>
+              <a:t>AdaBoost</a:t>
+            </a:r>
+            <a:endParaRPr lang="en-US" sz="3200" b="1" dirty="0">
+              <a:solidFill>
+                <a:srgbClr val="2F5496"/>
+              </a:solidFill>
+              <a:latin typeface="Helvetica Neue"/>
+              <a:ea typeface="Helvetica Neue"/>
+              <a:cs typeface="Helvetica Neue"/>
+            </a:endParaRPr>
+          </a:p>
+        </p:txBody>
+      </p:sp>
+      <p:sp>
+        <p:nvSpPr>
+          <p:cNvPr id="8" name="Rectangle 1"/>
+          <p:cNvSpPr>
+            <a:spLocks noChangeArrowheads="1"/>
+          </p:cNvSpPr>
+          <p:nvPr/>
+        </p:nvSpPr>
+        <p:spPr bwMode="auto">
+          <a:xfrm>
+            <a:off x="914399" y="1233722"/>
+            <a:ext cx="7735824" cy="3785652"/>
+          </a:xfrm>
+          <a:prstGeom prst="rect">
+            <a:avLst/>
+          </a:prstGeom>
+          <a:noFill/>
+          <a:ln>
+            <a:noFill/>
+          </a:ln>
+          <a:effectLst/>
+          <a:extLst>
+            <a:ext uri="{909E8E84-426E-40DD-AFC4-6F175D3DCCD1}">
+              <a14:hiddenFill xmlns:a14="http://schemas.microsoft.com/office/drawing/2010/main">
+                <a:solidFill>
+                  <a:schemeClr val="accent1"/>
+                </a:solidFill>
+              </a14:hiddenFill>
+            </a:ext>
+            <a:ext uri="{91240B29-F687-4F45-9708-019B960494DF}">
+              <a14:hiddenLine xmlns:a14="http://schemas.microsoft.com/office/drawing/2010/main" w="9525">
+                <a:solidFill>
+                  <a:schemeClr val="tx1"/>
+                </a:solidFill>
+                <a:miter lim="800000"/>
+                <a:headEnd/>
+                <a:tailEnd/>
+              </a14:hiddenLine>
+            </a:ext>
+            <a:ext uri="{AF507438-7753-43E0-B8FC-AC1667EBCBE1}">
+              <a14:hiddenEffects xmlns:a14="http://schemas.microsoft.com/office/drawing/2010/main">
+                <a:effectLst>
+                  <a:outerShdw dist="35921" dir="2700000" algn="ctr" rotWithShape="0">
+                    <a:schemeClr val="bg2"/>
+                  </a:outerShdw>
+                </a:effectLst>
+              </a14:hiddenEffects>
+            </a:ext>
+          </a:extLst>
+        </p:spPr>
+        <p:txBody>
+          <a:bodyPr vert="horz" wrap="square" lIns="91440" tIns="45720" rIns="91440" bIns="45720" numCol="1" anchor="ctr" anchorCtr="0" compatLnSpc="1">
+            <a:prstTxWarp prst="textNoShape">
+              <a:avLst/>
+            </a:prstTxWarp>
+            <a:spAutoFit/>
+          </a:bodyPr>
+          <a:lstStyle/>
+          <a:p>
+            <a:pPr lvl="0" eaLnBrk="0" fontAlgn="base" hangingPunct="0">
+              <a:lnSpc>
+                <a:spcPct val="150000"/>
+              </a:lnSpc>
+              <a:spcBef>
+                <a:spcPct val="0"/>
+              </a:spcBef>
+              <a:spcAft>
+                <a:spcPct val="0"/>
+              </a:spcAft>
+            </a:pPr>
+            <a:r>
+              <a:rPr lang="es-ES" altLang="en-US" sz="1600" dirty="0">
+                <a:latin typeface="Arial Unicode MS"/>
+              </a:rPr>
+              <a:t>La idea original detrás de </a:t>
+            </a:r>
+            <a:r>
+              <a:rPr lang="es-ES" altLang="en-US" sz="1600" dirty="0" err="1">
+                <a:latin typeface="Arial Unicode MS"/>
+              </a:rPr>
+              <a:t>AdaBoost</a:t>
+            </a:r>
+            <a:r>
+              <a:rPr lang="es-ES" altLang="en-US" sz="1600" dirty="0">
+                <a:latin typeface="Arial Unicode MS"/>
+              </a:rPr>
+              <a:t> fue formulada por </a:t>
+            </a:r>
+            <a:r>
+              <a:rPr lang="es-ES" altLang="en-US" sz="1600" b="1" dirty="0">
+                <a:latin typeface="Arial Unicode MS"/>
+              </a:rPr>
+              <a:t>Robert </a:t>
+            </a:r>
+            <a:r>
+              <a:rPr lang="es-ES" altLang="en-US" sz="1600" b="1" dirty="0" err="1">
+                <a:latin typeface="Arial Unicode MS"/>
+              </a:rPr>
+              <a:t>Schapire</a:t>
+            </a:r>
+            <a:r>
+              <a:rPr lang="es-ES" altLang="en-US" sz="1600" dirty="0">
+                <a:latin typeface="Arial Unicode MS"/>
+              </a:rPr>
+              <a:t> en </a:t>
+            </a:r>
+            <a:r>
+              <a:rPr lang="es-ES" altLang="en-US" sz="1600" b="1" dirty="0">
+                <a:latin typeface="Arial Unicode MS"/>
+              </a:rPr>
+              <a:t>1990</a:t>
+            </a:r>
+            <a:r>
+              <a:rPr lang="es-ES" altLang="en-US" sz="1600" dirty="0">
+                <a:latin typeface="Arial Unicode MS"/>
+              </a:rPr>
+              <a:t> (R. E. </a:t>
+            </a:r>
+            <a:r>
+              <a:rPr lang="es-ES" altLang="en-US" sz="1600" dirty="0" err="1">
+                <a:latin typeface="Arial Unicode MS"/>
+              </a:rPr>
+              <a:t>Schapire</a:t>
+            </a:r>
+            <a:r>
+              <a:rPr lang="es-ES" altLang="en-US" sz="1600" dirty="0">
+                <a:latin typeface="Arial Unicode MS"/>
+              </a:rPr>
+              <a:t>. </a:t>
+            </a:r>
+            <a:r>
+              <a:rPr lang="en-US" altLang="en-US" sz="1600" i="1" dirty="0">
+                <a:latin typeface="Arial Unicode MS"/>
+              </a:rPr>
+              <a:t>The Strength of Weak Learnability</a:t>
+            </a:r>
+            <a:r>
+              <a:rPr lang="en-US" altLang="en-US" sz="1600" dirty="0">
+                <a:latin typeface="Arial Unicode MS"/>
+              </a:rPr>
+              <a:t>. Machine </a:t>
+            </a:r>
+            <a:r>
+              <a:rPr lang="en-US" altLang="en-US" sz="1600" dirty="0" smtClean="0">
+                <a:latin typeface="Arial Unicode MS"/>
+              </a:rPr>
+              <a:t>learning</a:t>
+            </a:r>
+            <a:r>
+              <a:rPr lang="es-ES" altLang="en-US" sz="1600" dirty="0" smtClean="0">
+                <a:latin typeface="Arial Unicode MS"/>
+              </a:rPr>
+              <a:t>, </a:t>
+            </a:r>
+            <a:r>
+              <a:rPr lang="es-ES" altLang="en-US" sz="1600" dirty="0">
+                <a:latin typeface="Arial Unicode MS"/>
+              </a:rPr>
+              <a:t>5 (2): 197–227, 1990). Luego de que </a:t>
+            </a:r>
+            <a:r>
+              <a:rPr lang="es-ES" altLang="en-US" sz="1600" b="1" dirty="0">
+                <a:latin typeface="Arial Unicode MS"/>
+              </a:rPr>
+              <a:t>Robert </a:t>
+            </a:r>
+            <a:r>
+              <a:rPr lang="es-ES" altLang="en-US" sz="1600" b="1" dirty="0" err="1">
+                <a:latin typeface="Arial Unicode MS"/>
+              </a:rPr>
+              <a:t>Schapire</a:t>
+            </a:r>
+            <a:r>
+              <a:rPr lang="es-ES" altLang="en-US" sz="1600" b="1" dirty="0">
+                <a:latin typeface="Arial Unicode MS"/>
+              </a:rPr>
+              <a:t> y </a:t>
+            </a:r>
+            <a:r>
+              <a:rPr lang="es-ES" altLang="en-US" sz="1600" b="1" dirty="0" err="1">
+                <a:latin typeface="Arial Unicode MS"/>
+              </a:rPr>
+              <a:t>Yoav</a:t>
+            </a:r>
+            <a:r>
+              <a:rPr lang="es-ES" altLang="en-US" sz="1600" b="1" dirty="0">
+                <a:latin typeface="Arial Unicode MS"/>
+              </a:rPr>
+              <a:t> </a:t>
+            </a:r>
+            <a:r>
+              <a:rPr lang="es-ES" altLang="en-US" sz="1600" b="1" dirty="0" err="1">
+                <a:latin typeface="Arial Unicode MS"/>
+              </a:rPr>
+              <a:t>Freund</a:t>
+            </a:r>
+            <a:r>
+              <a:rPr lang="es-ES" altLang="en-US" sz="1600" b="1" dirty="0">
+                <a:latin typeface="Arial Unicode MS"/>
+              </a:rPr>
+              <a:t> </a:t>
+            </a:r>
+            <a:r>
+              <a:rPr lang="es-ES" altLang="en-US" sz="1600" dirty="0">
+                <a:latin typeface="Arial Unicode MS"/>
+              </a:rPr>
+              <a:t>presentaron el algoritmo </a:t>
+            </a:r>
+            <a:r>
+              <a:rPr lang="es-ES" altLang="en-US" sz="1600" dirty="0" err="1">
+                <a:latin typeface="Arial Unicode MS"/>
+              </a:rPr>
+              <a:t>AdaBoost</a:t>
+            </a:r>
+            <a:r>
+              <a:rPr lang="es-ES" altLang="en-US" sz="1600" dirty="0">
+                <a:latin typeface="Arial Unicode MS"/>
+              </a:rPr>
+              <a:t> en las Actas de la Decimotercera Conferencia Internacional (ICML 1996), </a:t>
+            </a:r>
+            <a:r>
+              <a:rPr lang="es-ES" altLang="en-US" sz="1600" dirty="0" err="1">
+                <a:latin typeface="Arial Unicode MS"/>
+              </a:rPr>
+              <a:t>AdaBoost</a:t>
+            </a:r>
+            <a:r>
+              <a:rPr lang="es-ES" altLang="en-US" sz="1600" dirty="0">
+                <a:latin typeface="Arial Unicode MS"/>
+              </a:rPr>
+              <a:t> se convirtió en uno de los métodos de conjunto más utilizados en los años siguientes (Y. </a:t>
+            </a:r>
+            <a:r>
+              <a:rPr lang="es-ES" altLang="en-US" sz="1600" dirty="0" err="1">
+                <a:latin typeface="Arial Unicode MS"/>
+              </a:rPr>
+              <a:t>Freund</a:t>
+            </a:r>
+            <a:r>
+              <a:rPr lang="es-ES" altLang="en-US" sz="1600" dirty="0">
+                <a:latin typeface="Arial Unicode MS"/>
+              </a:rPr>
+              <a:t>, RE </a:t>
+            </a:r>
+            <a:r>
+              <a:rPr lang="es-ES" altLang="en-US" sz="1600" dirty="0" err="1">
+                <a:latin typeface="Arial Unicode MS"/>
+              </a:rPr>
+              <a:t>Schapire</a:t>
+            </a:r>
+            <a:r>
+              <a:rPr lang="es-ES" altLang="en-US" sz="1600" dirty="0">
+                <a:latin typeface="Arial Unicode MS"/>
+              </a:rPr>
+              <a:t>, et al. </a:t>
+            </a:r>
+            <a:r>
+              <a:rPr lang="en-US" altLang="en-US" sz="1600" b="1" i="1" dirty="0">
+                <a:latin typeface="Arial Unicode MS"/>
+              </a:rPr>
+              <a:t>Experiments with a New Boosting Algorithm</a:t>
+            </a:r>
+            <a:r>
+              <a:rPr lang="es-ES" altLang="en-US" sz="1600" dirty="0" smtClean="0">
+                <a:latin typeface="Arial Unicode MS"/>
+              </a:rPr>
+              <a:t>. </a:t>
+            </a:r>
+            <a:r>
+              <a:rPr lang="es-ES" altLang="en-US" sz="1600" dirty="0">
+                <a:latin typeface="Arial Unicode MS"/>
+              </a:rPr>
+              <a:t>En ICML, volumen 96, páginas 148–156, 1996). En 2003, </a:t>
+            </a:r>
+            <a:r>
+              <a:rPr lang="es-ES" altLang="en-US" sz="1600" b="1" dirty="0" err="1">
+                <a:latin typeface="Arial Unicode MS"/>
+              </a:rPr>
+              <a:t>Freund</a:t>
+            </a:r>
+            <a:r>
+              <a:rPr lang="es-ES" altLang="en-US" sz="1600" b="1" dirty="0">
+                <a:latin typeface="Arial Unicode MS"/>
+              </a:rPr>
+              <a:t> y </a:t>
+            </a:r>
+            <a:r>
+              <a:rPr lang="es-ES" altLang="en-US" sz="1600" b="1" dirty="0" err="1">
+                <a:latin typeface="Arial Unicode MS"/>
+              </a:rPr>
+              <a:t>Schapire</a:t>
+            </a:r>
+            <a:r>
+              <a:rPr lang="es-ES" altLang="en-US" sz="1600" dirty="0">
+                <a:latin typeface="Arial Unicode MS"/>
+              </a:rPr>
+              <a:t> recibieron el Premio </a:t>
+            </a:r>
+            <a:r>
+              <a:rPr lang="es-ES" altLang="en-US" sz="1600" dirty="0" err="1">
+                <a:latin typeface="Arial Unicode MS"/>
+              </a:rPr>
+              <a:t>Goedel</a:t>
+            </a:r>
+            <a:r>
+              <a:rPr lang="es-ES" altLang="en-US" sz="1600" dirty="0">
+                <a:latin typeface="Arial Unicode MS"/>
+              </a:rPr>
+              <a:t> por su innovador trabajo, que es un prestigioso premio para las publicaciones más destacadas en el campo de la informática.</a:t>
+            </a:r>
+            <a:endParaRPr lang="es-ES" altLang="en-US" sz="3600" dirty="0">
+              <a:latin typeface="Arial" panose="020B0604020202020204" pitchFamily="34" charset="0"/>
+            </a:endParaRPr>
+          </a:p>
+        </p:txBody>
+      </p:sp>
+    </p:spTree>
+    <p:extLst>
+      <p:ext uri="{BB962C8B-B14F-4D97-AF65-F5344CB8AC3E}">
+        <p14:creationId xmlns:p14="http://schemas.microsoft.com/office/powerpoint/2010/main" val="3612170773"/>
+      </p:ext>
+    </p:extLst>
+  </p:cSld>
+  <p:clrMapOvr>
+    <a:masterClrMapping/>
+  </p:clrMapOvr>
+  <p:timing>
+    <p:tnLst>
+      <p:par>
+        <p:cTn id="1" dur="indefinite" restart="never" nodeType="tmRoot"/>
+      </p:par>
+    </p:tnLst>
+  </p:timing>
+</p:sld>
+</file>
+
+<file path=ppt/slides/slide22.xml><?xml version="1.0" encoding="utf-8"?>
+<p:sld xmlns:a="http://schemas.openxmlformats.org/drawingml/2006/main" xmlns:r="http://schemas.openxmlformats.org/officeDocument/2006/relationships" xmlns:p="http://schemas.openxmlformats.org/presentationml/2006/main">
+  <p:cSld>
+    <p:spTree>
+      <p:nvGrpSpPr>
+        <p:cNvPr id="1" name=""/>
+        <p:cNvGrpSpPr/>
+        <p:nvPr/>
+      </p:nvGrpSpPr>
+      <p:grpSpPr>
+        <a:xfrm>
+          <a:off x="0" y="0"/>
+          <a:ext cx="0" cy="0"/>
+          <a:chOff x="0" y="0"/>
+          <a:chExt cx="0" cy="0"/>
+        </a:xfrm>
+      </p:grpSpPr>
+      <p:sp>
+        <p:nvSpPr>
+          <p:cNvPr id="2" name="Shape 89"/>
+          <p:cNvSpPr txBox="1"/>
+          <p:nvPr/>
+        </p:nvSpPr>
+        <p:spPr>
+          <a:xfrm>
+            <a:off x="275968" y="226541"/>
+            <a:ext cx="6919783" cy="584775"/>
+          </a:xfrm>
+          <a:prstGeom prst="rect">
+            <a:avLst/>
+          </a:prstGeom>
+          <a:noFill/>
+          <a:ln>
+            <a:noFill/>
+          </a:ln>
+        </p:spPr>
+        <p:txBody>
+          <a:bodyPr spcFirstLastPara="1" wrap="square" lIns="91425" tIns="45700" rIns="91425" bIns="45700" anchor="t" anchorCtr="0">
+            <a:noAutofit/>
+          </a:bodyPr>
+          <a:lstStyle/>
+          <a:p>
+            <a:r>
+              <a:rPr lang="es-ES" altLang="en-US" sz="3200" b="1" dirty="0" smtClean="0">
+                <a:solidFill>
+                  <a:srgbClr val="2F5496"/>
+                </a:solidFill>
+                <a:latin typeface="Helvetica Neue"/>
+                <a:ea typeface="Helvetica Neue"/>
+                <a:cs typeface="Helvetica Neue"/>
+              </a:rPr>
+              <a:t>Conclusiones</a:t>
+            </a:r>
+            <a:endParaRPr lang="en-US" sz="3200" b="1" dirty="0">
+              <a:solidFill>
+                <a:srgbClr val="2F5496"/>
+              </a:solidFill>
+              <a:latin typeface="Helvetica Neue"/>
+              <a:ea typeface="Helvetica Neue"/>
+              <a:cs typeface="Helvetica Neue"/>
+            </a:endParaRPr>
+          </a:p>
+        </p:txBody>
+      </p:sp>
+      <p:sp>
+        <p:nvSpPr>
+          <p:cNvPr id="3" name="Rectangle 1"/>
+          <p:cNvSpPr>
+            <a:spLocks noChangeArrowheads="1"/>
+          </p:cNvSpPr>
+          <p:nvPr/>
+        </p:nvSpPr>
+        <p:spPr bwMode="auto">
+          <a:xfrm>
+            <a:off x="914399" y="1253072"/>
+            <a:ext cx="7735824" cy="3970318"/>
+          </a:xfrm>
+          <a:prstGeom prst="rect">
+            <a:avLst/>
+          </a:prstGeom>
+          <a:noFill/>
+          <a:ln>
+            <a:noFill/>
+          </a:ln>
+          <a:effectLst/>
+          <a:extLst>
+            <a:ext uri="{909E8E84-426E-40DD-AFC4-6F175D3DCCD1}">
+              <a14:hiddenFill xmlns:a14="http://schemas.microsoft.com/office/drawing/2010/main">
+                <a:solidFill>
+                  <a:schemeClr val="accent1"/>
+                </a:solidFill>
+              </a14:hiddenFill>
+            </a:ext>
+            <a:ext uri="{91240B29-F687-4F45-9708-019B960494DF}">
+              <a14:hiddenLine xmlns:a14="http://schemas.microsoft.com/office/drawing/2010/main" w="9525">
+                <a:solidFill>
+                  <a:schemeClr val="tx1"/>
+                </a:solidFill>
+                <a:miter lim="800000"/>
+                <a:headEnd/>
+                <a:tailEnd/>
+              </a14:hiddenLine>
+            </a:ext>
+            <a:ext uri="{AF507438-7753-43E0-B8FC-AC1667EBCBE1}">
+              <a14:hiddenEffects xmlns:a14="http://schemas.microsoft.com/office/drawing/2010/main">
+                <a:effectLst>
+                  <a:outerShdw dist="35921" dir="2700000" algn="ctr" rotWithShape="0">
+                    <a:schemeClr val="bg2"/>
+                  </a:outerShdw>
+                </a:effectLst>
+              </a14:hiddenEffects>
+            </a:ext>
+          </a:extLst>
+        </p:spPr>
+        <p:txBody>
+          <a:bodyPr vert="horz" wrap="square" lIns="91440" tIns="45720" rIns="91440" bIns="45720" numCol="1" anchor="ctr" anchorCtr="0" compatLnSpc="1">
+            <a:prstTxWarp prst="textNoShape">
+              <a:avLst/>
+            </a:prstTxWarp>
+            <a:spAutoFit/>
+          </a:bodyPr>
+          <a:lstStyle/>
+          <a:p>
+            <a:pPr lvl="0" algn="just" eaLnBrk="0" fontAlgn="base" hangingPunct="0">
+              <a:lnSpc>
+                <a:spcPct val="150000"/>
+              </a:lnSpc>
+              <a:spcBef>
+                <a:spcPct val="0"/>
+              </a:spcBef>
+              <a:spcAft>
+                <a:spcPct val="0"/>
+              </a:spcAft>
+            </a:pPr>
+            <a:r>
+              <a:rPr lang="es-ES" altLang="en-US" sz="1400" dirty="0">
+                <a:latin typeface="Arial Unicode MS"/>
+              </a:rPr>
+              <a:t>En este </a:t>
+            </a:r>
+            <a:r>
+              <a:rPr lang="es-ES" altLang="en-US" sz="1400" dirty="0" smtClean="0">
+                <a:latin typeface="Arial Unicode MS"/>
+              </a:rPr>
+              <a:t>modulo, </a:t>
+            </a:r>
+            <a:r>
+              <a:rPr lang="es-ES" altLang="en-US" sz="1400" dirty="0">
+                <a:latin typeface="Arial Unicode MS"/>
+              </a:rPr>
+              <a:t>analizamos algunas de las técnicas más populares y ampliamente utilizadas para el aprendizaje en conjunto. </a:t>
+            </a:r>
+            <a:endParaRPr lang="es-ES" altLang="en-US" sz="1400" dirty="0" smtClean="0">
+              <a:latin typeface="Arial Unicode MS"/>
+            </a:endParaRPr>
+          </a:p>
+          <a:p>
+            <a:pPr lvl="0" algn="just" eaLnBrk="0" fontAlgn="base" hangingPunct="0">
+              <a:lnSpc>
+                <a:spcPct val="150000"/>
+              </a:lnSpc>
+              <a:spcBef>
+                <a:spcPct val="0"/>
+              </a:spcBef>
+              <a:spcAft>
+                <a:spcPct val="0"/>
+              </a:spcAft>
+            </a:pPr>
+            <a:endParaRPr lang="es-ES" altLang="en-US" sz="1400" dirty="0" smtClean="0">
+              <a:latin typeface="Arial Unicode MS"/>
+            </a:endParaRPr>
+          </a:p>
+          <a:p>
+            <a:pPr lvl="0" algn="just" eaLnBrk="0" fontAlgn="base" hangingPunct="0">
+              <a:lnSpc>
+                <a:spcPct val="150000"/>
+              </a:lnSpc>
+              <a:spcBef>
+                <a:spcPct val="0"/>
+              </a:spcBef>
+              <a:spcAft>
+                <a:spcPct val="0"/>
+              </a:spcAft>
+            </a:pPr>
+            <a:r>
+              <a:rPr lang="es-ES" altLang="en-US" sz="1400" dirty="0" smtClean="0">
+                <a:latin typeface="Arial Unicode MS"/>
+              </a:rPr>
+              <a:t>Los </a:t>
+            </a:r>
+            <a:r>
+              <a:rPr lang="es-ES" altLang="en-US" sz="1400" dirty="0">
+                <a:latin typeface="Arial Unicode MS"/>
+              </a:rPr>
+              <a:t>métodos de conjunto combinan diferentes modelos de clasificación para cancelar sus debilidades individuales, lo que a menudo da como resultado modelos estables y de buen rendimiento que son muy atractivos para aplicaciones industriales, así como para competiciones de aprendizaje automático. </a:t>
+            </a:r>
+            <a:endParaRPr lang="es-ES" altLang="en-US" sz="1400" dirty="0" smtClean="0">
+              <a:latin typeface="Arial Unicode MS"/>
+            </a:endParaRPr>
+          </a:p>
+          <a:p>
+            <a:pPr lvl="0" algn="just" eaLnBrk="0" fontAlgn="base" hangingPunct="0">
+              <a:lnSpc>
+                <a:spcPct val="150000"/>
+              </a:lnSpc>
+              <a:spcBef>
+                <a:spcPct val="0"/>
+              </a:spcBef>
+              <a:spcAft>
+                <a:spcPct val="0"/>
+              </a:spcAft>
+            </a:pPr>
+            <a:endParaRPr lang="es-ES" altLang="en-US" sz="1400" dirty="0">
+              <a:latin typeface="Arial Unicode MS"/>
+            </a:endParaRPr>
+          </a:p>
+          <a:p>
+            <a:pPr lvl="0" algn="just" eaLnBrk="0" fontAlgn="base" hangingPunct="0">
+              <a:lnSpc>
+                <a:spcPct val="150000"/>
+              </a:lnSpc>
+              <a:spcBef>
+                <a:spcPct val="0"/>
+              </a:spcBef>
+              <a:spcAft>
+                <a:spcPct val="0"/>
+              </a:spcAft>
+            </a:pPr>
+            <a:r>
+              <a:rPr lang="es-ES" altLang="en-US" sz="1400" dirty="0" smtClean="0">
+                <a:latin typeface="Arial Unicode MS"/>
+              </a:rPr>
+              <a:t>Revisamos tres Metodologias para hacer ensambles y sus principales deferencias.</a:t>
+            </a:r>
+          </a:p>
+          <a:p>
+            <a:pPr marL="285750" lvl="0" indent="-285750" algn="just" eaLnBrk="0" fontAlgn="base" hangingPunct="0">
+              <a:lnSpc>
+                <a:spcPct val="150000"/>
+              </a:lnSpc>
+              <a:spcBef>
+                <a:spcPct val="0"/>
+              </a:spcBef>
+              <a:spcAft>
+                <a:spcPct val="0"/>
+              </a:spcAft>
+              <a:buFont typeface="Arial" panose="020B0604020202020204" pitchFamily="34" charset="0"/>
+              <a:buChar char="•"/>
+            </a:pPr>
+            <a:r>
+              <a:rPr lang="es-ES" altLang="en-US" sz="1400" dirty="0" err="1" smtClean="0">
+                <a:latin typeface="Arial Unicode MS"/>
+              </a:rPr>
+              <a:t>Mayotia</a:t>
+            </a:r>
+            <a:r>
+              <a:rPr lang="es-ES" altLang="en-US" sz="1400" dirty="0" smtClean="0">
+                <a:latin typeface="Arial Unicode MS"/>
+              </a:rPr>
+              <a:t> de votos</a:t>
+            </a:r>
+          </a:p>
+          <a:p>
+            <a:pPr marL="285750" lvl="0" indent="-285750" algn="just" eaLnBrk="0" fontAlgn="base" hangingPunct="0">
+              <a:lnSpc>
+                <a:spcPct val="150000"/>
+              </a:lnSpc>
+              <a:spcBef>
+                <a:spcPct val="0"/>
+              </a:spcBef>
+              <a:spcAft>
+                <a:spcPct val="0"/>
+              </a:spcAft>
+              <a:buFont typeface="Arial" panose="020B0604020202020204" pitchFamily="34" charset="0"/>
+              <a:buChar char="•"/>
+            </a:pPr>
+            <a:r>
+              <a:rPr lang="es-ES" altLang="en-US" sz="1400" dirty="0" err="1" smtClean="0">
+                <a:latin typeface="Arial Unicode MS"/>
+              </a:rPr>
+              <a:t>Bagging</a:t>
+            </a:r>
+            <a:endParaRPr lang="es-ES" altLang="en-US" sz="1400" dirty="0" smtClean="0">
+              <a:latin typeface="Arial Unicode MS"/>
+            </a:endParaRPr>
+          </a:p>
+          <a:p>
+            <a:pPr marL="285750" lvl="0" indent="-285750" algn="just" eaLnBrk="0" fontAlgn="base" hangingPunct="0">
+              <a:lnSpc>
+                <a:spcPct val="150000"/>
+              </a:lnSpc>
+              <a:spcBef>
+                <a:spcPct val="0"/>
+              </a:spcBef>
+              <a:spcAft>
+                <a:spcPct val="0"/>
+              </a:spcAft>
+              <a:buFont typeface="Arial" panose="020B0604020202020204" pitchFamily="34" charset="0"/>
+              <a:buChar char="•"/>
+            </a:pPr>
+            <a:r>
+              <a:rPr lang="es-ES" altLang="en-US" sz="1400" dirty="0" err="1" smtClean="0">
+                <a:latin typeface="Arial Unicode MS"/>
+              </a:rPr>
+              <a:t>Boosting</a:t>
+            </a:r>
+            <a:endParaRPr lang="es-ES" altLang="en-US" sz="1400" dirty="0" smtClean="0">
+              <a:latin typeface="Arial Unicode MS"/>
+            </a:endParaRPr>
+          </a:p>
+        </p:txBody>
+      </p:sp>
+    </p:spTree>
+    <p:extLst>
+      <p:ext uri="{BB962C8B-B14F-4D97-AF65-F5344CB8AC3E}">
+        <p14:creationId xmlns:p14="http://schemas.microsoft.com/office/powerpoint/2010/main" val="827849704"/>
+      </p:ext>
+    </p:extLst>
+  </p:cSld>
+  <p:clrMapOvr>
+    <a:masterClrMapping/>
+  </p:clrMapOvr>
+</p:sld>
+</file>
+
+<file path=ppt/slides/slide23.xml><?xml version="1.0" encoding="utf-8"?>
+<p:sld xmlns:a="http://schemas.openxmlformats.org/drawingml/2006/main" xmlns:r="http://schemas.openxmlformats.org/officeDocument/2006/relationships" xmlns:p="http://schemas.openxmlformats.org/presentationml/2006/main">
+  <p:cSld>
+    <p:spTree>
+      <p:nvGrpSpPr>
+        <p:cNvPr id="1" name=""/>
+        <p:cNvGrpSpPr/>
+        <p:nvPr/>
+      </p:nvGrpSpPr>
+      <p:grpSpPr>
+        <a:xfrm>
+          <a:off x="0" y="0"/>
+          <a:ext cx="0" cy="0"/>
+          <a:chOff x="0" y="0"/>
+          <a:chExt cx="0" cy="0"/>
+        </a:xfrm>
+      </p:grpSpPr>
+      <p:sp>
+        <p:nvSpPr>
+          <p:cNvPr id="2" name="Shape 89"/>
+          <p:cNvSpPr txBox="1"/>
+          <p:nvPr/>
+        </p:nvSpPr>
+        <p:spPr>
+          <a:xfrm>
+            <a:off x="438912" y="636300"/>
+            <a:ext cx="8238743" cy="1058029"/>
+          </a:xfrm>
+          <a:prstGeom prst="rect">
+            <a:avLst/>
+          </a:prstGeom>
+          <a:noFill/>
+          <a:ln>
+            <a:noFill/>
+          </a:ln>
+        </p:spPr>
+        <p:txBody>
+          <a:bodyPr spcFirstLastPara="1" wrap="square" lIns="91425" tIns="45700" rIns="91425" bIns="45700" anchor="t" anchorCtr="0">
+            <a:noAutofit/>
+          </a:bodyPr>
+          <a:lstStyle/>
+          <a:p>
+            <a:pPr marL="0" marR="0" lvl="0" indent="0" algn="ctr" rtl="0">
+              <a:spcBef>
+                <a:spcPts val="0"/>
+              </a:spcBef>
+              <a:spcAft>
+                <a:spcPts val="0"/>
+              </a:spcAft>
+              <a:buNone/>
+            </a:pPr>
+            <a:r>
+              <a:rPr lang="es-ES" sz="6000" b="1" dirty="0" smtClean="0">
+                <a:solidFill>
+                  <a:srgbClr val="2F5496"/>
+                </a:solidFill>
+                <a:latin typeface="Helvetica Neue"/>
+                <a:ea typeface="Helvetica Neue"/>
+                <a:cs typeface="Helvetica Neue"/>
+                <a:sym typeface="Helvetica Neue"/>
+              </a:rPr>
+              <a:t>Referencias</a:t>
+            </a:r>
+            <a:endParaRPr sz="6000" b="1" dirty="0">
+              <a:solidFill>
+                <a:srgbClr val="2F5496"/>
+              </a:solidFill>
+              <a:latin typeface="Helvetica Neue"/>
+              <a:ea typeface="Helvetica Neue"/>
+              <a:cs typeface="Helvetica Neue"/>
+              <a:sym typeface="Helvetica Neue"/>
+            </a:endParaRPr>
+          </a:p>
+        </p:txBody>
+      </p:sp>
+      <p:sp>
+        <p:nvSpPr>
+          <p:cNvPr id="3" name="Rectangle 1"/>
+          <p:cNvSpPr>
+            <a:spLocks noChangeArrowheads="1"/>
+          </p:cNvSpPr>
+          <p:nvPr/>
+        </p:nvSpPr>
+        <p:spPr bwMode="auto">
+          <a:xfrm>
+            <a:off x="941831" y="2060255"/>
+            <a:ext cx="7735824" cy="3046988"/>
+          </a:xfrm>
+          <a:prstGeom prst="rect">
+            <a:avLst/>
+          </a:prstGeom>
+          <a:noFill/>
+          <a:ln>
+            <a:noFill/>
+          </a:ln>
+          <a:effectLst/>
+          <a:extLst>
+            <a:ext uri="{909E8E84-426E-40DD-AFC4-6F175D3DCCD1}">
+              <a14:hiddenFill xmlns:a14="http://schemas.microsoft.com/office/drawing/2010/main">
+                <a:solidFill>
+                  <a:schemeClr val="accent1"/>
+                </a:solidFill>
+              </a14:hiddenFill>
+            </a:ext>
+            <a:ext uri="{91240B29-F687-4F45-9708-019B960494DF}">
+              <a14:hiddenLine xmlns:a14="http://schemas.microsoft.com/office/drawing/2010/main" w="9525">
+                <a:solidFill>
+                  <a:schemeClr val="tx1"/>
+                </a:solidFill>
+                <a:miter lim="800000"/>
+                <a:headEnd/>
+                <a:tailEnd/>
+              </a14:hiddenLine>
+            </a:ext>
+            <a:ext uri="{AF507438-7753-43E0-B8FC-AC1667EBCBE1}">
+              <a14:hiddenEffects xmlns:a14="http://schemas.microsoft.com/office/drawing/2010/main">
+                <a:effectLst>
+                  <a:outerShdw dist="35921" dir="2700000" algn="ctr" rotWithShape="0">
+                    <a:schemeClr val="bg2"/>
+                  </a:outerShdw>
+                </a:effectLst>
+              </a14:hiddenEffects>
+            </a:ext>
+          </a:extLst>
+        </p:spPr>
+        <p:txBody>
+          <a:bodyPr vert="horz" wrap="square" lIns="91440" tIns="45720" rIns="91440" bIns="45720" numCol="1" anchor="ctr" anchorCtr="0" compatLnSpc="1">
+            <a:prstTxWarp prst="textNoShape">
+              <a:avLst/>
+            </a:prstTxWarp>
+            <a:spAutoFit/>
+          </a:bodyPr>
+          <a:lstStyle/>
+          <a:p>
+            <a:pPr marL="342900" indent="-342900">
+              <a:lnSpc>
+                <a:spcPct val="150000"/>
+              </a:lnSpc>
+              <a:buFont typeface="Arial" panose="020B0604020202020204" pitchFamily="34" charset="0"/>
+              <a:buChar char="•"/>
+            </a:pPr>
+            <a:r>
+              <a:rPr lang="en-US" sz="1600" dirty="0" err="1" smtClean="0">
+                <a:latin typeface="Arial" panose="020B0604020202020204" pitchFamily="34" charset="0"/>
+                <a:cs typeface="Arial" panose="020B0604020202020204" pitchFamily="34" charset="0"/>
+              </a:rPr>
+              <a:t>Raschka</a:t>
+            </a:r>
+            <a:r>
+              <a:rPr lang="en-US" sz="1600" dirty="0">
+                <a:latin typeface="Arial" panose="020B0604020202020204" pitchFamily="34" charset="0"/>
+                <a:cs typeface="Arial" panose="020B0604020202020204" pitchFamily="34" charset="0"/>
+              </a:rPr>
+              <a:t>, Sebastian. 2015. 22 Bangladesh Journal of Plant Taxonomy Python Machine Learning Unlock</a:t>
+            </a:r>
+            <a:r>
+              <a:rPr lang="en-US" sz="1600" dirty="0" smtClean="0">
+                <a:latin typeface="Arial" panose="020B0604020202020204" pitchFamily="34" charset="0"/>
+                <a:cs typeface="Arial" panose="020B0604020202020204" pitchFamily="34" charset="0"/>
+              </a:rPr>
+              <a:t>.</a:t>
+            </a:r>
+          </a:p>
+          <a:p>
+            <a:pPr marL="342900" indent="-342900">
+              <a:lnSpc>
+                <a:spcPct val="150000"/>
+              </a:lnSpc>
+              <a:buFont typeface="Arial" panose="020B0604020202020204" pitchFamily="34" charset="0"/>
+              <a:buChar char="•"/>
+            </a:pPr>
+            <a:r>
+              <a:rPr lang="en-US" altLang="en-US" sz="1600" dirty="0" smtClean="0">
+                <a:latin typeface="Arial Unicode MS"/>
+              </a:rPr>
+              <a:t>L</a:t>
+            </a:r>
+            <a:r>
+              <a:rPr lang="en-US" altLang="en-US" sz="1600" dirty="0">
+                <a:latin typeface="Arial Unicode MS"/>
+              </a:rPr>
+              <a:t>. </a:t>
+            </a:r>
+            <a:r>
+              <a:rPr lang="en-US" altLang="en-US" sz="1600" dirty="0" err="1">
+                <a:latin typeface="Arial Unicode MS"/>
+              </a:rPr>
+              <a:t>Breiman</a:t>
+            </a:r>
+            <a:r>
+              <a:rPr lang="en-US" altLang="en-US" sz="1600" dirty="0">
+                <a:latin typeface="Arial Unicode MS"/>
+              </a:rPr>
+              <a:t>, "Bagging predictors", Machine Learning, 24(2), 123-140, 1996. </a:t>
+            </a:r>
+            <a:endParaRPr lang="en-US" altLang="en-US" sz="1600" dirty="0" smtClean="0">
+              <a:latin typeface="Arial Unicode MS"/>
+            </a:endParaRPr>
+          </a:p>
+          <a:p>
+            <a:pPr marL="342900" indent="-342900">
+              <a:lnSpc>
+                <a:spcPct val="150000"/>
+              </a:lnSpc>
+              <a:buFont typeface="Arial" panose="020B0604020202020204" pitchFamily="34" charset="0"/>
+              <a:buChar char="•"/>
+            </a:pPr>
+            <a:r>
+              <a:rPr lang="en-US" altLang="en-US" sz="1600" dirty="0" smtClean="0">
+                <a:latin typeface="Arial Unicode MS"/>
+              </a:rPr>
+              <a:t>T</a:t>
+            </a:r>
+            <a:r>
+              <a:rPr lang="en-US" altLang="en-US" sz="1600" dirty="0">
+                <a:latin typeface="Arial Unicode MS"/>
+              </a:rPr>
+              <a:t>. Ho, "The random subspace method for constructing decision forests", Pattern Analysis and Machine Intelligence, 20(8), 832-844, 1998. </a:t>
+            </a:r>
+            <a:endParaRPr lang="en-US" altLang="en-US" sz="1600" dirty="0" smtClean="0">
+              <a:latin typeface="Arial Unicode MS"/>
+            </a:endParaRPr>
+          </a:p>
+          <a:p>
+            <a:pPr marL="342900" indent="-342900">
+              <a:lnSpc>
+                <a:spcPct val="150000"/>
+              </a:lnSpc>
+              <a:buFont typeface="Arial" panose="020B0604020202020204" pitchFamily="34" charset="0"/>
+              <a:buChar char="•"/>
+            </a:pPr>
+            <a:r>
+              <a:rPr lang="en-US" altLang="en-US" sz="1600" dirty="0" smtClean="0">
+                <a:latin typeface="Arial Unicode MS"/>
+              </a:rPr>
+              <a:t>G</a:t>
+            </a:r>
+            <a:r>
+              <a:rPr lang="en-US" altLang="en-US" sz="1600" dirty="0">
+                <a:latin typeface="Arial Unicode MS"/>
+              </a:rPr>
+              <a:t>. </a:t>
+            </a:r>
+            <a:r>
+              <a:rPr lang="en-US" altLang="en-US" sz="1600" dirty="0" err="1">
+                <a:latin typeface="Arial Unicode MS"/>
+              </a:rPr>
+              <a:t>Louppe</a:t>
+            </a:r>
+            <a:r>
+              <a:rPr lang="en-US" altLang="en-US" sz="1600" dirty="0">
+                <a:latin typeface="Arial Unicode MS"/>
+              </a:rPr>
+              <a:t> and P. </a:t>
+            </a:r>
+            <a:r>
+              <a:rPr lang="en-US" altLang="en-US" sz="1600" dirty="0" err="1">
+                <a:latin typeface="Arial Unicode MS"/>
+              </a:rPr>
+              <a:t>Geurts</a:t>
+            </a:r>
+            <a:r>
+              <a:rPr lang="en-US" altLang="en-US" sz="1600" dirty="0">
+                <a:latin typeface="Arial Unicode MS"/>
+              </a:rPr>
+              <a:t>, "Ensembles on Random Patches", Machine Learning and Knowledge Discovery in Databases, 346-361, 2012.</a:t>
+            </a:r>
+            <a:r>
+              <a:rPr lang="en-US" altLang="en-US" sz="1600" dirty="0"/>
+              <a:t> </a:t>
+            </a:r>
+            <a:endParaRPr lang="en-US" altLang="en-US" sz="1600" dirty="0" smtClean="0"/>
+          </a:p>
+          <a:p>
+            <a:pPr marL="342900" indent="-342900">
+              <a:lnSpc>
+                <a:spcPct val="150000"/>
+              </a:lnSpc>
+              <a:buFont typeface="Arial" panose="020B0604020202020204" pitchFamily="34" charset="0"/>
+              <a:buChar char="•"/>
+            </a:pPr>
+            <a:r>
+              <a:rPr lang="en-US" sz="1600" dirty="0">
+                <a:latin typeface="Arial Unicode MS"/>
+              </a:rPr>
+              <a:t>https://quantdare.com/what-is-the-difference-between-bagging-and-boosting/</a:t>
+            </a:r>
+          </a:p>
+        </p:txBody>
+      </p:sp>
+    </p:spTree>
+    <p:extLst>
+      <p:ext uri="{BB962C8B-B14F-4D97-AF65-F5344CB8AC3E}">
+        <p14:creationId xmlns:p14="http://schemas.microsoft.com/office/powerpoint/2010/main" val="195889328"/>
+      </p:ext>
+    </p:extLst>
+  </p:cSld>
+  <p:clrMapOvr>
+    <a:masterClrMapping/>
+  </p:clrMapOvr>
+</p:sld>
+</file>
+
 <file path=ppt/slides/slide3.xml><?xml version="1.0" encoding="utf-8"?>
 <p:sld xmlns:a="http://schemas.openxmlformats.org/drawingml/2006/main" xmlns:r="http://schemas.openxmlformats.org/officeDocument/2006/relationships" xmlns:p="http://schemas.openxmlformats.org/presentationml/2006/main">
   <p:cSld>
@@ -5425,7 +7741,7 @@
         </p:blipFill>
         <p:spPr>
           <a:xfrm>
-            <a:off x="4843605" y="2980699"/>
+            <a:off x="3723766" y="3511189"/>
             <a:ext cx="3834051" cy="2637610"/>
           </a:xfrm>
           <a:prstGeom prst="rect">
@@ -5441,7 +7757,7 @@
         </p:nvSpPr>
         <p:spPr>
           <a:xfrm>
-            <a:off x="6206632" y="2474207"/>
+            <a:off x="5256828" y="3141857"/>
             <a:ext cx="1107996" cy="369332"/>
           </a:xfrm>
           <a:prstGeom prst="rect">
@@ -5493,7 +7809,74 @@
         <p:spPr>
           <a:xfrm>
             <a:off x="760188" y="1748290"/>
-            <a:ext cx="3207173" cy="2787134"/>
+            <a:ext cx="2611059" cy="2269092"/>
+          </a:xfrm>
+          <a:prstGeom prst="rect">
+            <a:avLst/>
+          </a:prstGeom>
+        </p:spPr>
+      </p:pic>
+      <p:sp>
+        <p:nvSpPr>
+          <p:cNvPr id="8" name="Rectángulo 7"/>
+          <p:cNvSpPr/>
+          <p:nvPr/>
+        </p:nvSpPr>
+        <p:spPr>
+          <a:xfrm>
+            <a:off x="6901338" y="437212"/>
+            <a:ext cx="1184940" cy="369332"/>
+          </a:xfrm>
+          <a:prstGeom prst="rect">
+            <a:avLst/>
+          </a:prstGeom>
+        </p:spPr>
+        <p:txBody>
+          <a:bodyPr wrap="none">
+            <a:spAutoFit/>
+          </a:bodyPr>
+          <a:lstStyle/>
+          <a:p>
+            <a:r>
+              <a:rPr lang="es-ES" altLang="en-US" b="1" dirty="0" err="1" smtClean="0">
+                <a:solidFill>
+                  <a:srgbClr val="2F5496"/>
+                </a:solidFill>
+                <a:latin typeface="Helvetica Neue"/>
+                <a:ea typeface="Helvetica Neue"/>
+                <a:cs typeface="Helvetica Neue"/>
+              </a:rPr>
+              <a:t>Boosting</a:t>
+            </a:r>
+            <a:endParaRPr lang="en-US" b="1" dirty="0">
+              <a:solidFill>
+                <a:srgbClr val="2F5496"/>
+              </a:solidFill>
+              <a:latin typeface="Helvetica Neue"/>
+              <a:ea typeface="Helvetica Neue"/>
+              <a:cs typeface="Helvetica Neue"/>
+            </a:endParaRPr>
+          </a:p>
+        </p:txBody>
+      </p:sp>
+      <p:pic>
+        <p:nvPicPr>
+          <p:cNvPr id="9" name="Imagen 8"/>
+          <p:cNvPicPr>
+            <a:picLocks noChangeAspect="1"/>
+          </p:cNvPicPr>
+          <p:nvPr/>
+        </p:nvPicPr>
+        <p:blipFill>
+          <a:blip r:embed="rId4"/>
+          <a:stretch>
+            <a:fillRect/>
+          </a:stretch>
+        </p:blipFill>
+        <p:spPr>
+          <a:xfrm>
+            <a:off x="6275219" y="908441"/>
+            <a:ext cx="2437177" cy="2136291"/>
           </a:xfrm>
           <a:prstGeom prst="rect">
             <a:avLst/>
